--- a/SpringCloud Note.pptx
+++ b/SpringCloud Note.pptx
@@ -105,6 +105,11 @@
       </a:defRPr>
     </a:lvl9pPr>
   </p:defaultTextStyle>
+  <p:extLst>
+    <p:ext uri="{EFAFB233-063F-42B5-8137-9DF3F51BA10A}">
+      <p15:sldGuideLst xmlns:p15="http://schemas.microsoft.com/office/powerpoint/2012/main"/>
+    </p:ext>
+  </p:extLst>
 </p:presentation>
 </file>
 
@@ -255,7 +260,7 @@
           <a:p>
             <a:fld id="{14E75282-4EAA-4288-90D7-2CF7660DE332}" type="datetimeFigureOut">
               <a:rPr lang="zh-CN" altLang="en-US" smtClean="0"/>
-              <a:t>2018/12/7</a:t>
+              <a:t>2018/12/11</a:t>
             </a:fld>
             <a:endParaRPr lang="zh-CN" altLang="en-US"/>
           </a:p>
@@ -453,7 +458,7 @@
           <a:p>
             <a:fld id="{14E75282-4EAA-4288-90D7-2CF7660DE332}" type="datetimeFigureOut">
               <a:rPr lang="zh-CN" altLang="en-US" smtClean="0"/>
-              <a:t>2018/12/7</a:t>
+              <a:t>2018/12/11</a:t>
             </a:fld>
             <a:endParaRPr lang="zh-CN" altLang="en-US"/>
           </a:p>
@@ -661,7 +666,7 @@
           <a:p>
             <a:fld id="{14E75282-4EAA-4288-90D7-2CF7660DE332}" type="datetimeFigureOut">
               <a:rPr lang="zh-CN" altLang="en-US" smtClean="0"/>
-              <a:t>2018/12/7</a:t>
+              <a:t>2018/12/11</a:t>
             </a:fld>
             <a:endParaRPr lang="zh-CN" altLang="en-US"/>
           </a:p>
@@ -859,7 +864,7 @@
           <a:p>
             <a:fld id="{14E75282-4EAA-4288-90D7-2CF7660DE332}" type="datetimeFigureOut">
               <a:rPr lang="zh-CN" altLang="en-US" smtClean="0"/>
-              <a:t>2018/12/7</a:t>
+              <a:t>2018/12/11</a:t>
             </a:fld>
             <a:endParaRPr lang="zh-CN" altLang="en-US"/>
           </a:p>
@@ -1134,7 +1139,7 @@
           <a:p>
             <a:fld id="{14E75282-4EAA-4288-90D7-2CF7660DE332}" type="datetimeFigureOut">
               <a:rPr lang="zh-CN" altLang="en-US" smtClean="0"/>
-              <a:t>2018/12/7</a:t>
+              <a:t>2018/12/11</a:t>
             </a:fld>
             <a:endParaRPr lang="zh-CN" altLang="en-US"/>
           </a:p>
@@ -1399,7 +1404,7 @@
           <a:p>
             <a:fld id="{14E75282-4EAA-4288-90D7-2CF7660DE332}" type="datetimeFigureOut">
               <a:rPr lang="zh-CN" altLang="en-US" smtClean="0"/>
-              <a:t>2018/12/7</a:t>
+              <a:t>2018/12/11</a:t>
             </a:fld>
             <a:endParaRPr lang="zh-CN" altLang="en-US"/>
           </a:p>
@@ -1811,7 +1816,7 @@
           <a:p>
             <a:fld id="{14E75282-4EAA-4288-90D7-2CF7660DE332}" type="datetimeFigureOut">
               <a:rPr lang="zh-CN" altLang="en-US" smtClean="0"/>
-              <a:t>2018/12/7</a:t>
+              <a:t>2018/12/11</a:t>
             </a:fld>
             <a:endParaRPr lang="zh-CN" altLang="en-US"/>
           </a:p>
@@ -1952,7 +1957,7 @@
           <a:p>
             <a:fld id="{14E75282-4EAA-4288-90D7-2CF7660DE332}" type="datetimeFigureOut">
               <a:rPr lang="zh-CN" altLang="en-US" smtClean="0"/>
-              <a:t>2018/12/7</a:t>
+              <a:t>2018/12/11</a:t>
             </a:fld>
             <a:endParaRPr lang="zh-CN" altLang="en-US"/>
           </a:p>
@@ -2065,7 +2070,7 @@
           <a:p>
             <a:fld id="{14E75282-4EAA-4288-90D7-2CF7660DE332}" type="datetimeFigureOut">
               <a:rPr lang="zh-CN" altLang="en-US" smtClean="0"/>
-              <a:t>2018/12/7</a:t>
+              <a:t>2018/12/11</a:t>
             </a:fld>
             <a:endParaRPr lang="zh-CN" altLang="en-US"/>
           </a:p>
@@ -2376,7 +2381,7 @@
           <a:p>
             <a:fld id="{14E75282-4EAA-4288-90D7-2CF7660DE332}" type="datetimeFigureOut">
               <a:rPr lang="zh-CN" altLang="en-US" smtClean="0"/>
-              <a:t>2018/12/7</a:t>
+              <a:t>2018/12/11</a:t>
             </a:fld>
             <a:endParaRPr lang="zh-CN" altLang="en-US"/>
           </a:p>
@@ -2664,7 +2669,7 @@
           <a:p>
             <a:fld id="{14E75282-4EAA-4288-90D7-2CF7660DE332}" type="datetimeFigureOut">
               <a:rPr lang="zh-CN" altLang="en-US" smtClean="0"/>
-              <a:t>2018/12/7</a:t>
+              <a:t>2018/12/11</a:t>
             </a:fld>
             <a:endParaRPr lang="zh-CN" altLang="en-US"/>
           </a:p>
@@ -2905,7 +2910,7 @@
           <a:p>
             <a:fld id="{14E75282-4EAA-4288-90D7-2CF7660DE332}" type="datetimeFigureOut">
               <a:rPr lang="zh-CN" altLang="en-US" smtClean="0"/>
-              <a:t>2018/12/7</a:t>
+              <a:t>2018/12/11</a:t>
             </a:fld>
             <a:endParaRPr lang="zh-CN" altLang="en-US"/>
           </a:p>
@@ -4930,7 +4935,7 @@
         </p:nvSpPr>
         <p:spPr>
           <a:xfrm>
-            <a:off x="221640" y="178441"/>
+            <a:off x="253960" y="123991"/>
             <a:ext cx="3549370" cy="369332"/>
           </a:xfrm>
           <a:prstGeom prst="rect">
@@ -5147,54 +5152,1293 @@
       </p:grpSpPr>
       <p:sp>
         <p:nvSpPr>
-          <p:cNvPr id="2" name="标题 1">
-            <a:extLst>
-              <a:ext uri="{FF2B5EF4-FFF2-40B4-BE49-F238E27FC236}">
-                <a16:creationId xmlns:a16="http://schemas.microsoft.com/office/drawing/2014/main" id="{024B3A75-7AA8-4995-9B33-7D6EBC532043}"/>
-              </a:ext>
-            </a:extLst>
-          </p:cNvPr>
-          <p:cNvSpPr>
-            <a:spLocks noGrp="1"/>
-          </p:cNvSpPr>
-          <p:nvPr>
-            <p:ph type="title"/>
-          </p:nvPr>
+          <p:cNvPr id="4" name="文本框 3">
+            <a:extLst>
+              <a:ext uri="{FF2B5EF4-FFF2-40B4-BE49-F238E27FC236}">
+                <a16:creationId xmlns:a16="http://schemas.microsoft.com/office/drawing/2014/main" id="{3FEE4BE2-927C-462D-86B6-B1D52C1950E6}"/>
+              </a:ext>
+            </a:extLst>
+          </p:cNvPr>
+          <p:cNvSpPr txBox="1"/>
+          <p:nvPr/>
         </p:nvSpPr>
-        <p:spPr/>
+        <p:spPr>
+          <a:xfrm>
+            <a:off x="253960" y="123991"/>
+            <a:ext cx="1067921" cy="369332"/>
+          </a:xfrm>
+          <a:prstGeom prst="rect">
+            <a:avLst/>
+          </a:prstGeom>
+          <a:noFill/>
+        </p:spPr>
         <p:txBody>
-          <a:bodyPr/>
+          <a:bodyPr wrap="none" rtlCol="0">
+            <a:spAutoFit/>
+          </a:bodyPr>
           <a:lstStyle/>
           <a:p>
-            <a:endParaRPr lang="zh-CN" altLang="en-US"/>
+            <a:r>
+              <a:rPr lang="en-US" altLang="zh-CN" dirty="0"/>
+              <a:t>2.Ribbon</a:t>
+            </a:r>
+            <a:endParaRPr lang="zh-CN" altLang="en-US" dirty="0"/>
           </a:p>
         </p:txBody>
       </p:sp>
-      <p:sp>
-        <p:nvSpPr>
-          <p:cNvPr id="3" name="内容占位符 2">
-            <a:extLst>
-              <a:ext uri="{FF2B5EF4-FFF2-40B4-BE49-F238E27FC236}">
-                <a16:creationId xmlns:a16="http://schemas.microsoft.com/office/drawing/2014/main" id="{AF2E4496-5A4C-4D05-A3ED-0ECEEF898A47}"/>
-              </a:ext>
-            </a:extLst>
-          </p:cNvPr>
-          <p:cNvSpPr>
-            <a:spLocks noGrp="1"/>
-          </p:cNvSpPr>
-          <p:nvPr>
-            <p:ph idx="1"/>
-          </p:nvPr>
-        </p:nvSpPr>
-        <p:spPr/>
-        <p:txBody>
-          <a:bodyPr/>
-          <a:lstStyle/>
-          <a:p>
-            <a:endParaRPr lang="zh-CN" altLang="en-US"/>
-          </a:p>
-        </p:txBody>
-      </p:sp>
+      <p:grpSp>
+        <p:nvGrpSpPr>
+          <p:cNvPr id="57" name="组合 56">
+            <a:extLst>
+              <a:ext uri="{FF2B5EF4-FFF2-40B4-BE49-F238E27FC236}">
+                <a16:creationId xmlns:a16="http://schemas.microsoft.com/office/drawing/2014/main" id="{0D54333D-C750-4488-8D07-98BFC2DA4CA4}"/>
+              </a:ext>
+            </a:extLst>
+          </p:cNvPr>
+          <p:cNvGrpSpPr/>
+          <p:nvPr/>
+        </p:nvGrpSpPr>
+        <p:grpSpPr>
+          <a:xfrm>
+            <a:off x="787920" y="1756065"/>
+            <a:ext cx="2653558" cy="3495907"/>
+            <a:chOff x="787920" y="1756065"/>
+            <a:chExt cx="2653558" cy="3495907"/>
+          </a:xfrm>
+        </p:grpSpPr>
+        <p:grpSp>
+          <p:nvGrpSpPr>
+            <p:cNvPr id="26" name="组合 25">
+              <a:extLst>
+                <a:ext uri="{FF2B5EF4-FFF2-40B4-BE49-F238E27FC236}">
+                  <a16:creationId xmlns:a16="http://schemas.microsoft.com/office/drawing/2014/main" id="{E6D79B6E-ACC4-408B-9AC5-D3A9324B09CB}"/>
+                </a:ext>
+              </a:extLst>
+            </p:cNvPr>
+            <p:cNvGrpSpPr/>
+            <p:nvPr/>
+          </p:nvGrpSpPr>
+          <p:grpSpPr>
+            <a:xfrm>
+              <a:off x="787920" y="1756065"/>
+              <a:ext cx="2653558" cy="2833652"/>
+              <a:chOff x="787920" y="1756065"/>
+              <a:chExt cx="2653558" cy="2833652"/>
+            </a:xfrm>
+          </p:grpSpPr>
+          <p:pic>
+            <p:nvPicPr>
+              <p:cNvPr id="7" name="图片 6">
+                <a:extLst>
+                  <a:ext uri="{FF2B5EF4-FFF2-40B4-BE49-F238E27FC236}">
+                    <a16:creationId xmlns:a16="http://schemas.microsoft.com/office/drawing/2014/main" id="{A2726AA3-F0E2-4789-90C8-EAC6AE596CA3}"/>
+                  </a:ext>
+                </a:extLst>
+              </p:cNvPr>
+              <p:cNvPicPr>
+                <a:picLocks noChangeAspect="1"/>
+              </p:cNvPicPr>
+              <p:nvPr/>
+            </p:nvPicPr>
+            <p:blipFill>
+              <a:blip r:embed="rId2">
+                <a:extLst>
+                  <a:ext uri="{28A0092B-C50C-407E-A947-70E740481C1C}">
+                    <a14:useLocalDpi xmlns:a14="http://schemas.microsoft.com/office/drawing/2010/main" val="0"/>
+                  </a:ext>
+                </a:extLst>
+              </a:blip>
+              <a:stretch>
+                <a:fillRect/>
+              </a:stretch>
+            </p:blipFill>
+            <p:spPr>
+              <a:xfrm>
+                <a:off x="2731135" y="2761458"/>
+                <a:ext cx="604202" cy="554314"/>
+              </a:xfrm>
+              <a:prstGeom prst="rect">
+                <a:avLst/>
+              </a:prstGeom>
+            </p:spPr>
+          </p:pic>
+          <p:pic>
+            <p:nvPicPr>
+              <p:cNvPr id="9" name="图片 8">
+                <a:extLst>
+                  <a:ext uri="{FF2B5EF4-FFF2-40B4-BE49-F238E27FC236}">
+                    <a16:creationId xmlns:a16="http://schemas.microsoft.com/office/drawing/2014/main" id="{F5AA8E9E-72FE-46D9-A279-C06686CF06DE}"/>
+                  </a:ext>
+                </a:extLst>
+              </p:cNvPr>
+              <p:cNvPicPr>
+                <a:picLocks noChangeAspect="1"/>
+              </p:cNvPicPr>
+              <p:nvPr/>
+            </p:nvPicPr>
+            <p:blipFill>
+              <a:blip r:embed="rId3">
+                <a:extLst>
+                  <a:ext uri="{28A0092B-C50C-407E-A947-70E740481C1C}">
+                    <a14:useLocalDpi xmlns:a14="http://schemas.microsoft.com/office/drawing/2010/main" val="0"/>
+                  </a:ext>
+                </a:extLst>
+              </a:blip>
+              <a:stretch>
+                <a:fillRect/>
+              </a:stretch>
+            </p:blipFill>
+            <p:spPr>
+              <a:xfrm>
+                <a:off x="787920" y="2731902"/>
+                <a:ext cx="604202" cy="604202"/>
+              </a:xfrm>
+              <a:prstGeom prst="rect">
+                <a:avLst/>
+              </a:prstGeom>
+            </p:spPr>
+          </p:pic>
+          <p:sp>
+            <p:nvSpPr>
+              <p:cNvPr id="10" name="矩形 9">
+                <a:extLst>
+                  <a:ext uri="{FF2B5EF4-FFF2-40B4-BE49-F238E27FC236}">
+                    <a16:creationId xmlns:a16="http://schemas.microsoft.com/office/drawing/2014/main" id="{943E7679-9B59-406B-A14D-A24A2DAC15F1}"/>
+                  </a:ext>
+                </a:extLst>
+              </p:cNvPr>
+              <p:cNvSpPr/>
+              <p:nvPr/>
+            </p:nvSpPr>
+            <p:spPr>
+              <a:xfrm flipH="1">
+                <a:off x="2003937" y="1756065"/>
+                <a:ext cx="256641" cy="2773990"/>
+              </a:xfrm>
+              <a:prstGeom prst="rect">
+                <a:avLst/>
+              </a:prstGeom>
+            </p:spPr>
+            <p:style>
+              <a:lnRef idx="0">
+                <a:schemeClr val="accent5"/>
+              </a:lnRef>
+              <a:fillRef idx="3">
+                <a:schemeClr val="accent5"/>
+              </a:fillRef>
+              <a:effectRef idx="3">
+                <a:schemeClr val="accent5"/>
+              </a:effectRef>
+              <a:fontRef idx="minor">
+                <a:schemeClr val="lt1"/>
+              </a:fontRef>
+            </p:style>
+            <p:txBody>
+              <a:bodyPr rtlCol="0" anchor="ctr"/>
+              <a:lstStyle/>
+              <a:p>
+                <a:pPr algn="ctr"/>
+                <a:endParaRPr lang="zh-CN" altLang="en-US"/>
+              </a:p>
+            </p:txBody>
+          </p:sp>
+          <p:pic>
+            <p:nvPicPr>
+              <p:cNvPr id="11" name="图片 10">
+                <a:extLst>
+                  <a:ext uri="{FF2B5EF4-FFF2-40B4-BE49-F238E27FC236}">
+                    <a16:creationId xmlns:a16="http://schemas.microsoft.com/office/drawing/2014/main" id="{E930166B-D9FE-4BEC-862C-E9C35DE672D4}"/>
+                  </a:ext>
+                </a:extLst>
+              </p:cNvPr>
+              <p:cNvPicPr>
+                <a:picLocks noChangeAspect="1"/>
+              </p:cNvPicPr>
+              <p:nvPr/>
+            </p:nvPicPr>
+            <p:blipFill>
+              <a:blip r:embed="rId2">
+                <a:extLst>
+                  <a:ext uri="{28A0092B-C50C-407E-A947-70E740481C1C}">
+                    <a14:useLocalDpi xmlns:a14="http://schemas.microsoft.com/office/drawing/2010/main" val="0"/>
+                  </a:ext>
+                </a:extLst>
+              </a:blip>
+              <a:stretch>
+                <a:fillRect/>
+              </a:stretch>
+            </p:blipFill>
+            <p:spPr>
+              <a:xfrm>
+                <a:off x="2731135" y="1756065"/>
+                <a:ext cx="604202" cy="554314"/>
+              </a:xfrm>
+              <a:prstGeom prst="rect">
+                <a:avLst/>
+              </a:prstGeom>
+            </p:spPr>
+          </p:pic>
+          <p:pic>
+            <p:nvPicPr>
+              <p:cNvPr id="12" name="图片 11">
+                <a:extLst>
+                  <a:ext uri="{FF2B5EF4-FFF2-40B4-BE49-F238E27FC236}">
+                    <a16:creationId xmlns:a16="http://schemas.microsoft.com/office/drawing/2014/main" id="{C3359B95-8447-4FDF-BBEE-E476F3617A43}"/>
+                  </a:ext>
+                </a:extLst>
+              </p:cNvPr>
+              <p:cNvPicPr>
+                <a:picLocks noChangeAspect="1"/>
+              </p:cNvPicPr>
+              <p:nvPr/>
+            </p:nvPicPr>
+            <p:blipFill>
+              <a:blip r:embed="rId2">
+                <a:extLst>
+                  <a:ext uri="{28A0092B-C50C-407E-A947-70E740481C1C}">
+                    <a14:useLocalDpi xmlns:a14="http://schemas.microsoft.com/office/drawing/2010/main" val="0"/>
+                  </a:ext>
+                </a:extLst>
+              </a:blip>
+              <a:stretch>
+                <a:fillRect/>
+              </a:stretch>
+            </p:blipFill>
+            <p:spPr>
+              <a:xfrm>
+                <a:off x="2731135" y="3757627"/>
+                <a:ext cx="604202" cy="554314"/>
+              </a:xfrm>
+              <a:prstGeom prst="rect">
+                <a:avLst/>
+              </a:prstGeom>
+            </p:spPr>
+          </p:pic>
+          <p:sp>
+            <p:nvSpPr>
+              <p:cNvPr id="14" name="文本框 13">
+                <a:extLst>
+                  <a:ext uri="{FF2B5EF4-FFF2-40B4-BE49-F238E27FC236}">
+                    <a16:creationId xmlns:a16="http://schemas.microsoft.com/office/drawing/2014/main" id="{071B43CE-4351-4089-9C7B-1052BE363F15}"/>
+                  </a:ext>
+                </a:extLst>
+              </p:cNvPr>
+              <p:cNvSpPr txBox="1"/>
+              <p:nvPr/>
+            </p:nvSpPr>
+            <p:spPr>
+              <a:xfrm>
+                <a:off x="2646870" y="2301228"/>
+                <a:ext cx="784189" cy="246221"/>
+              </a:xfrm>
+              <a:prstGeom prst="rect">
+                <a:avLst/>
+              </a:prstGeom>
+              <a:noFill/>
+            </p:spPr>
+            <p:txBody>
+              <a:bodyPr wrap="none" rtlCol="0">
+                <a:spAutoFit/>
+              </a:bodyPr>
+              <a:lstStyle/>
+              <a:p>
+                <a:r>
+                  <a:rPr lang="en-US" altLang="zh-CN" sz="1000" dirty="0">
+                    <a:latin typeface="Microsoft YaHei Light" panose="020B0502040204020203" pitchFamily="34" charset="-122"/>
+                    <a:ea typeface="Microsoft YaHei Light" panose="020B0502040204020203" pitchFamily="34" charset="-122"/>
+                  </a:rPr>
+                  <a:t>ServiceA-1</a:t>
+                </a:r>
+                <a:endParaRPr lang="zh-CN" altLang="en-US" sz="1000" dirty="0">
+                  <a:latin typeface="Microsoft YaHei Light" panose="020B0502040204020203" pitchFamily="34" charset="-122"/>
+                  <a:ea typeface="Microsoft YaHei Light" panose="020B0502040204020203" pitchFamily="34" charset="-122"/>
+                </a:endParaRPr>
+              </a:p>
+            </p:txBody>
+          </p:sp>
+          <p:sp>
+            <p:nvSpPr>
+              <p:cNvPr id="15" name="文本框 14">
+                <a:extLst>
+                  <a:ext uri="{FF2B5EF4-FFF2-40B4-BE49-F238E27FC236}">
+                    <a16:creationId xmlns:a16="http://schemas.microsoft.com/office/drawing/2014/main" id="{6AD6DF7A-1D1F-4C5A-A330-4034375BE0F7}"/>
+                  </a:ext>
+                </a:extLst>
+              </p:cNvPr>
+              <p:cNvSpPr txBox="1"/>
+              <p:nvPr/>
+            </p:nvSpPr>
+            <p:spPr>
+              <a:xfrm>
+                <a:off x="2626030" y="3322362"/>
+                <a:ext cx="805029" cy="246221"/>
+              </a:xfrm>
+              <a:prstGeom prst="rect">
+                <a:avLst/>
+              </a:prstGeom>
+              <a:noFill/>
+            </p:spPr>
+            <p:txBody>
+              <a:bodyPr wrap="none" rtlCol="0">
+                <a:spAutoFit/>
+              </a:bodyPr>
+              <a:lstStyle/>
+              <a:p>
+                <a:r>
+                  <a:rPr lang="en-US" altLang="zh-CN" sz="1000" dirty="0">
+                    <a:latin typeface="Microsoft YaHei Light" panose="020B0502040204020203" pitchFamily="34" charset="-122"/>
+                    <a:ea typeface="Microsoft YaHei Light" panose="020B0502040204020203" pitchFamily="34" charset="-122"/>
+                  </a:rPr>
+                  <a:t>ServiceA-2</a:t>
+                </a:r>
+                <a:endParaRPr lang="zh-CN" altLang="en-US" sz="1000" dirty="0">
+                  <a:latin typeface="Microsoft YaHei Light" panose="020B0502040204020203" pitchFamily="34" charset="-122"/>
+                  <a:ea typeface="Microsoft YaHei Light" panose="020B0502040204020203" pitchFamily="34" charset="-122"/>
+                </a:endParaRPr>
+              </a:p>
+            </p:txBody>
+          </p:sp>
+          <p:sp>
+            <p:nvSpPr>
+              <p:cNvPr id="16" name="文本框 15">
+                <a:extLst>
+                  <a:ext uri="{FF2B5EF4-FFF2-40B4-BE49-F238E27FC236}">
+                    <a16:creationId xmlns:a16="http://schemas.microsoft.com/office/drawing/2014/main" id="{CF7627F0-3859-4217-8822-508F6A109B73}"/>
+                  </a:ext>
+                </a:extLst>
+              </p:cNvPr>
+              <p:cNvSpPr txBox="1"/>
+              <p:nvPr/>
+            </p:nvSpPr>
+            <p:spPr>
+              <a:xfrm>
+                <a:off x="2636449" y="4343496"/>
+                <a:ext cx="805029" cy="246221"/>
+              </a:xfrm>
+              <a:prstGeom prst="rect">
+                <a:avLst/>
+              </a:prstGeom>
+              <a:noFill/>
+            </p:spPr>
+            <p:txBody>
+              <a:bodyPr wrap="none" rtlCol="0">
+                <a:spAutoFit/>
+              </a:bodyPr>
+              <a:lstStyle/>
+              <a:p>
+                <a:r>
+                  <a:rPr lang="en-US" altLang="zh-CN" sz="1000" dirty="0">
+                    <a:latin typeface="Microsoft YaHei Light" panose="020B0502040204020203" pitchFamily="34" charset="-122"/>
+                    <a:ea typeface="Microsoft YaHei Light" panose="020B0502040204020203" pitchFamily="34" charset="-122"/>
+                  </a:rPr>
+                  <a:t>ServiceA-3</a:t>
+                </a:r>
+                <a:endParaRPr lang="zh-CN" altLang="en-US" sz="1000" dirty="0">
+                  <a:latin typeface="Microsoft YaHei Light" panose="020B0502040204020203" pitchFamily="34" charset="-122"/>
+                  <a:ea typeface="Microsoft YaHei Light" panose="020B0502040204020203" pitchFamily="34" charset="-122"/>
+                </a:endParaRPr>
+              </a:p>
+            </p:txBody>
+          </p:sp>
+          <p:sp>
+            <p:nvSpPr>
+              <p:cNvPr id="17" name="文本框 16">
+                <a:extLst>
+                  <a:ext uri="{FF2B5EF4-FFF2-40B4-BE49-F238E27FC236}">
+                    <a16:creationId xmlns:a16="http://schemas.microsoft.com/office/drawing/2014/main" id="{66CA13AE-F45E-4F45-83DA-357564CED50C}"/>
+                  </a:ext>
+                </a:extLst>
+              </p:cNvPr>
+              <p:cNvSpPr txBox="1"/>
+              <p:nvPr/>
+            </p:nvSpPr>
+            <p:spPr>
+              <a:xfrm rot="16200000">
+                <a:off x="1574456" y="2903198"/>
+                <a:ext cx="1120572" cy="261610"/>
+              </a:xfrm>
+              <a:prstGeom prst="rect">
+                <a:avLst/>
+              </a:prstGeom>
+              <a:noFill/>
+            </p:spPr>
+            <p:txBody>
+              <a:bodyPr wrap="square" rtlCol="0">
+                <a:spAutoFit/>
+              </a:bodyPr>
+              <a:lstStyle/>
+              <a:p>
+                <a:r>
+                  <a:rPr lang="en-US" altLang="zh-CN" sz="1100" dirty="0">
+                    <a:latin typeface="Microsoft YaHei Light" panose="020B0502040204020203" pitchFamily="34" charset="-122"/>
+                    <a:ea typeface="Microsoft YaHei Light" panose="020B0502040204020203" pitchFamily="34" charset="-122"/>
+                  </a:rPr>
+                  <a:t>Nginx</a:t>
+                </a:r>
+                <a:r>
+                  <a:rPr lang="zh-CN" altLang="en-US" sz="1100" dirty="0">
+                    <a:latin typeface="Microsoft YaHei Light" panose="020B0502040204020203" pitchFamily="34" charset="-122"/>
+                    <a:ea typeface="Microsoft YaHei Light" panose="020B0502040204020203" pitchFamily="34" charset="-122"/>
+                  </a:rPr>
+                  <a:t>反向代理</a:t>
+                </a:r>
+              </a:p>
+            </p:txBody>
+          </p:sp>
+          <p:cxnSp>
+            <p:nvCxnSpPr>
+              <p:cNvPr id="19" name="直接箭头连接符 18">
+                <a:extLst>
+                  <a:ext uri="{FF2B5EF4-FFF2-40B4-BE49-F238E27FC236}">
+                    <a16:creationId xmlns:a16="http://schemas.microsoft.com/office/drawing/2014/main" id="{EF1FE1C3-6280-40BC-B4BC-DD48B46C663A}"/>
+                  </a:ext>
+                </a:extLst>
+              </p:cNvPr>
+              <p:cNvCxnSpPr>
+                <a:stCxn id="9" idx="3"/>
+                <a:endCxn id="17" idx="0"/>
+              </p:cNvCxnSpPr>
+              <p:nvPr/>
+            </p:nvCxnSpPr>
+            <p:spPr>
+              <a:xfrm>
+                <a:off x="1392122" y="3034003"/>
+                <a:ext cx="611815" cy="0"/>
+              </a:xfrm>
+              <a:prstGeom prst="straightConnector1">
+                <a:avLst/>
+              </a:prstGeom>
+              <a:ln>
+                <a:tailEnd type="triangle"/>
+              </a:ln>
+            </p:spPr>
+            <p:style>
+              <a:lnRef idx="1">
+                <a:schemeClr val="accent1"/>
+              </a:lnRef>
+              <a:fillRef idx="0">
+                <a:schemeClr val="accent1"/>
+              </a:fillRef>
+              <a:effectRef idx="0">
+                <a:schemeClr val="accent1"/>
+              </a:effectRef>
+              <a:fontRef idx="minor">
+                <a:schemeClr val="tx1"/>
+              </a:fontRef>
+            </p:style>
+          </p:cxnSp>
+          <p:cxnSp>
+            <p:nvCxnSpPr>
+              <p:cNvPr id="21" name="直接箭头连接符 20">
+                <a:extLst>
+                  <a:ext uri="{FF2B5EF4-FFF2-40B4-BE49-F238E27FC236}">
+                    <a16:creationId xmlns:a16="http://schemas.microsoft.com/office/drawing/2014/main" id="{A1329AB7-917A-455C-B70A-308ED7863D83}"/>
+                  </a:ext>
+                </a:extLst>
+              </p:cNvPr>
+              <p:cNvCxnSpPr>
+                <a:stCxn id="17" idx="2"/>
+                <a:endCxn id="11" idx="1"/>
+              </p:cNvCxnSpPr>
+              <p:nvPr/>
+            </p:nvCxnSpPr>
+            <p:spPr>
+              <a:xfrm flipV="1">
+                <a:off x="2265547" y="2033222"/>
+                <a:ext cx="465588" cy="1000781"/>
+              </a:xfrm>
+              <a:prstGeom prst="straightConnector1">
+                <a:avLst/>
+              </a:prstGeom>
+              <a:ln>
+                <a:tailEnd type="triangle"/>
+              </a:ln>
+            </p:spPr>
+            <p:style>
+              <a:lnRef idx="1">
+                <a:schemeClr val="accent1"/>
+              </a:lnRef>
+              <a:fillRef idx="0">
+                <a:schemeClr val="accent1"/>
+              </a:fillRef>
+              <a:effectRef idx="0">
+                <a:schemeClr val="accent1"/>
+              </a:effectRef>
+              <a:fontRef idx="minor">
+                <a:schemeClr val="tx1"/>
+              </a:fontRef>
+            </p:style>
+          </p:cxnSp>
+          <p:cxnSp>
+            <p:nvCxnSpPr>
+              <p:cNvPr id="23" name="直接箭头连接符 22">
+                <a:extLst>
+                  <a:ext uri="{FF2B5EF4-FFF2-40B4-BE49-F238E27FC236}">
+                    <a16:creationId xmlns:a16="http://schemas.microsoft.com/office/drawing/2014/main" id="{1BD147ED-B6AC-4DD6-BCDE-B68E9F848FFA}"/>
+                  </a:ext>
+                </a:extLst>
+              </p:cNvPr>
+              <p:cNvCxnSpPr>
+                <a:stCxn id="17" idx="2"/>
+                <a:endCxn id="12" idx="1"/>
+              </p:cNvCxnSpPr>
+              <p:nvPr/>
+            </p:nvCxnSpPr>
+            <p:spPr>
+              <a:xfrm>
+                <a:off x="2265547" y="3034003"/>
+                <a:ext cx="465588" cy="1000781"/>
+              </a:xfrm>
+              <a:prstGeom prst="straightConnector1">
+                <a:avLst/>
+              </a:prstGeom>
+              <a:ln>
+                <a:tailEnd type="triangle"/>
+              </a:ln>
+            </p:spPr>
+            <p:style>
+              <a:lnRef idx="1">
+                <a:schemeClr val="accent1"/>
+              </a:lnRef>
+              <a:fillRef idx="0">
+                <a:schemeClr val="accent1"/>
+              </a:fillRef>
+              <a:effectRef idx="0">
+                <a:schemeClr val="accent1"/>
+              </a:effectRef>
+              <a:fontRef idx="minor">
+                <a:schemeClr val="tx1"/>
+              </a:fontRef>
+            </p:style>
+          </p:cxnSp>
+          <p:cxnSp>
+            <p:nvCxnSpPr>
+              <p:cNvPr id="25" name="直接箭头连接符 24">
+                <a:extLst>
+                  <a:ext uri="{FF2B5EF4-FFF2-40B4-BE49-F238E27FC236}">
+                    <a16:creationId xmlns:a16="http://schemas.microsoft.com/office/drawing/2014/main" id="{9509C128-32D5-4DF9-8930-AD55E1F115B1}"/>
+                  </a:ext>
+                </a:extLst>
+              </p:cNvPr>
+              <p:cNvCxnSpPr>
+                <a:stCxn id="17" idx="2"/>
+                <a:endCxn id="7" idx="1"/>
+              </p:cNvCxnSpPr>
+              <p:nvPr/>
+            </p:nvCxnSpPr>
+            <p:spPr>
+              <a:xfrm>
+                <a:off x="2265547" y="3034003"/>
+                <a:ext cx="465588" cy="4612"/>
+              </a:xfrm>
+              <a:prstGeom prst="straightConnector1">
+                <a:avLst/>
+              </a:prstGeom>
+              <a:ln>
+                <a:tailEnd type="triangle"/>
+              </a:ln>
+            </p:spPr>
+            <p:style>
+              <a:lnRef idx="1">
+                <a:schemeClr val="accent1"/>
+              </a:lnRef>
+              <a:fillRef idx="0">
+                <a:schemeClr val="accent1"/>
+              </a:fillRef>
+              <a:effectRef idx="0">
+                <a:schemeClr val="accent1"/>
+              </a:effectRef>
+              <a:fontRef idx="minor">
+                <a:schemeClr val="tx1"/>
+              </a:fontRef>
+            </p:style>
+          </p:cxnSp>
+        </p:grpSp>
+        <p:sp>
+          <p:nvSpPr>
+            <p:cNvPr id="27" name="文本框 26">
+              <a:extLst>
+                <a:ext uri="{FF2B5EF4-FFF2-40B4-BE49-F238E27FC236}">
+                  <a16:creationId xmlns:a16="http://schemas.microsoft.com/office/drawing/2014/main" id="{B5D18FA5-63E8-4C48-A8A4-AD09E6FDA828}"/>
+                </a:ext>
+              </a:extLst>
+            </p:cNvPr>
+            <p:cNvSpPr txBox="1"/>
+            <p:nvPr/>
+          </p:nvSpPr>
+          <p:spPr>
+            <a:xfrm>
+              <a:off x="1321881" y="4974973"/>
+              <a:ext cx="1877437" cy="276999"/>
+            </a:xfrm>
+            <a:prstGeom prst="rect">
+              <a:avLst/>
+            </a:prstGeom>
+            <a:noFill/>
+          </p:spPr>
+          <p:txBody>
+            <a:bodyPr wrap="none" rtlCol="0">
+              <a:spAutoFit/>
+            </a:bodyPr>
+            <a:lstStyle/>
+            <a:p>
+              <a:r>
+                <a:rPr lang="zh-CN" altLang="en-US" sz="1200" dirty="0"/>
+                <a:t>服务器端负载均衡示意图</a:t>
+              </a:r>
+            </a:p>
+          </p:txBody>
+        </p:sp>
+      </p:grpSp>
+      <p:grpSp>
+        <p:nvGrpSpPr>
+          <p:cNvPr id="56" name="组合 55">
+            <a:extLst>
+              <a:ext uri="{FF2B5EF4-FFF2-40B4-BE49-F238E27FC236}">
+                <a16:creationId xmlns:a16="http://schemas.microsoft.com/office/drawing/2014/main" id="{A00A596D-C9B3-4483-8499-B6907C428067}"/>
+              </a:ext>
+            </a:extLst>
+          </p:cNvPr>
+          <p:cNvGrpSpPr/>
+          <p:nvPr/>
+        </p:nvGrpSpPr>
+        <p:grpSpPr>
+          <a:xfrm>
+            <a:off x="5862989" y="1919278"/>
+            <a:ext cx="4732798" cy="3338213"/>
+            <a:chOff x="5862989" y="1919278"/>
+            <a:chExt cx="4732798" cy="3338213"/>
+          </a:xfrm>
+        </p:grpSpPr>
+        <p:grpSp>
+          <p:nvGrpSpPr>
+            <p:cNvPr id="33" name="组合 32">
+              <a:extLst>
+                <a:ext uri="{FF2B5EF4-FFF2-40B4-BE49-F238E27FC236}">
+                  <a16:creationId xmlns:a16="http://schemas.microsoft.com/office/drawing/2014/main" id="{4295D637-2654-431E-BD49-7F996091344A}"/>
+                </a:ext>
+              </a:extLst>
+            </p:cNvPr>
+            <p:cNvGrpSpPr/>
+            <p:nvPr/>
+          </p:nvGrpSpPr>
+          <p:grpSpPr>
+            <a:xfrm>
+              <a:off x="7239849" y="2137703"/>
+              <a:ext cx="1518408" cy="2010713"/>
+              <a:chOff x="6157519" y="2301228"/>
+              <a:chExt cx="1518408" cy="2010713"/>
+            </a:xfrm>
+          </p:grpSpPr>
+          <p:sp>
+            <p:nvSpPr>
+              <p:cNvPr id="29" name="矩形: 圆角 28">
+                <a:extLst>
+                  <a:ext uri="{FF2B5EF4-FFF2-40B4-BE49-F238E27FC236}">
+                    <a16:creationId xmlns:a16="http://schemas.microsoft.com/office/drawing/2014/main" id="{5A072809-C368-4442-9E51-DFBDB06B9796}"/>
+                  </a:ext>
+                </a:extLst>
+              </p:cNvPr>
+              <p:cNvSpPr/>
+              <p:nvPr/>
+            </p:nvSpPr>
+            <p:spPr>
+              <a:xfrm>
+                <a:off x="6157519" y="2301228"/>
+                <a:ext cx="1518408" cy="2010713"/>
+              </a:xfrm>
+              <a:prstGeom prst="roundRect">
+                <a:avLst/>
+              </a:prstGeom>
+            </p:spPr>
+            <p:style>
+              <a:lnRef idx="0">
+                <a:schemeClr val="accent5"/>
+              </a:lnRef>
+              <a:fillRef idx="3">
+                <a:schemeClr val="accent5"/>
+              </a:fillRef>
+              <a:effectRef idx="3">
+                <a:schemeClr val="accent5"/>
+              </a:effectRef>
+              <a:fontRef idx="minor">
+                <a:schemeClr val="lt1"/>
+              </a:fontRef>
+            </p:style>
+            <p:txBody>
+              <a:bodyPr rtlCol="0" anchor="ctr"/>
+              <a:lstStyle/>
+              <a:p>
+                <a:pPr algn="ctr"/>
+                <a:r>
+                  <a:rPr lang="en-US" altLang="zh-CN" dirty="0"/>
+                  <a:t>Eureka Server</a:t>
+                </a:r>
+              </a:p>
+              <a:p>
+                <a:pPr algn="ctr"/>
+                <a:endParaRPr lang="en-US" altLang="zh-CN" dirty="0"/>
+              </a:p>
+              <a:p>
+                <a:pPr algn="ctr"/>
+                <a:endParaRPr lang="en-US" altLang="zh-CN" dirty="0"/>
+              </a:p>
+              <a:p>
+                <a:pPr algn="ctr"/>
+                <a:endParaRPr lang="en-US" altLang="zh-CN" dirty="0"/>
+              </a:p>
+              <a:p>
+                <a:pPr algn="ctr"/>
+                <a:r>
+                  <a:rPr lang="en-US" altLang="zh-CN" dirty="0"/>
+                  <a:t>\\</a:t>
+                </a:r>
+                <a:endParaRPr lang="zh-CN" altLang="en-US" dirty="0"/>
+              </a:p>
+            </p:txBody>
+          </p:sp>
+          <p:sp>
+            <p:nvSpPr>
+              <p:cNvPr id="30" name="矩形: 圆角 29">
+                <a:extLst>
+                  <a:ext uri="{FF2B5EF4-FFF2-40B4-BE49-F238E27FC236}">
+                    <a16:creationId xmlns:a16="http://schemas.microsoft.com/office/drawing/2014/main" id="{A471125E-0189-4234-8364-1C813DDF589D}"/>
+                  </a:ext>
+                </a:extLst>
+              </p:cNvPr>
+              <p:cNvSpPr/>
+              <p:nvPr/>
+            </p:nvSpPr>
+            <p:spPr>
+              <a:xfrm>
+                <a:off x="6258187" y="3429000"/>
+                <a:ext cx="1317072" cy="748717"/>
+              </a:xfrm>
+              <a:prstGeom prst="roundRect">
+                <a:avLst/>
+              </a:prstGeom>
+            </p:spPr>
+            <p:style>
+              <a:lnRef idx="0">
+                <a:schemeClr val="accent6"/>
+              </a:lnRef>
+              <a:fillRef idx="3">
+                <a:schemeClr val="accent6"/>
+              </a:fillRef>
+              <a:effectRef idx="3">
+                <a:schemeClr val="accent6"/>
+              </a:effectRef>
+              <a:fontRef idx="minor">
+                <a:schemeClr val="lt1"/>
+              </a:fontRef>
+            </p:style>
+            <p:txBody>
+              <a:bodyPr rtlCol="0" anchor="ctr"/>
+              <a:lstStyle/>
+              <a:p>
+                <a:pPr algn="ctr"/>
+                <a:r>
+                  <a:rPr lang="en-US" altLang="zh-CN" dirty="0"/>
+                  <a:t>Ribbon</a:t>
+                </a:r>
+                <a:endParaRPr lang="zh-CN" altLang="en-US" dirty="0"/>
+              </a:p>
+            </p:txBody>
+          </p:sp>
+        </p:grpSp>
+        <p:pic>
+          <p:nvPicPr>
+            <p:cNvPr id="32" name="图片 31">
+              <a:extLst>
+                <a:ext uri="{FF2B5EF4-FFF2-40B4-BE49-F238E27FC236}">
+                  <a16:creationId xmlns:a16="http://schemas.microsoft.com/office/drawing/2014/main" id="{8751A5D3-A99E-4524-8FC6-D0D7F614741B}"/>
+                </a:ext>
+              </a:extLst>
+            </p:cNvPr>
+            <p:cNvPicPr>
+              <a:picLocks noChangeAspect="1"/>
+            </p:cNvPicPr>
+            <p:nvPr/>
+          </p:nvPicPr>
+          <p:blipFill>
+            <a:blip r:embed="rId3">
+              <a:extLst>
+                <a:ext uri="{28A0092B-C50C-407E-A947-70E740481C1C}">
+                  <a14:useLocalDpi xmlns:a14="http://schemas.microsoft.com/office/drawing/2010/main" val="0"/>
+                </a:ext>
+              </a:extLst>
+            </a:blip>
+            <a:stretch>
+              <a:fillRect/>
+            </a:stretch>
+          </p:blipFill>
+          <p:spPr>
+            <a:xfrm>
+              <a:off x="5862989" y="2846846"/>
+              <a:ext cx="604202" cy="604202"/>
+            </a:xfrm>
+            <a:prstGeom prst="rect">
+              <a:avLst/>
+            </a:prstGeom>
+          </p:spPr>
+        </p:pic>
+        <p:grpSp>
+          <p:nvGrpSpPr>
+            <p:cNvPr id="40" name="组合 39">
+              <a:extLst>
+                <a:ext uri="{FF2B5EF4-FFF2-40B4-BE49-F238E27FC236}">
+                  <a16:creationId xmlns:a16="http://schemas.microsoft.com/office/drawing/2014/main" id="{793E0C4F-4C02-4782-9518-A654BC91C7F3}"/>
+                </a:ext>
+              </a:extLst>
+            </p:cNvPr>
+            <p:cNvGrpSpPr/>
+            <p:nvPr/>
+          </p:nvGrpSpPr>
+          <p:grpSpPr>
+            <a:xfrm>
+              <a:off x="9780339" y="1919278"/>
+              <a:ext cx="815448" cy="2833652"/>
+              <a:chOff x="2778430" y="1908465"/>
+              <a:chExt cx="815448" cy="2833652"/>
+            </a:xfrm>
+          </p:grpSpPr>
+          <p:pic>
+            <p:nvPicPr>
+              <p:cNvPr id="34" name="图片 33">
+                <a:extLst>
+                  <a:ext uri="{FF2B5EF4-FFF2-40B4-BE49-F238E27FC236}">
+                    <a16:creationId xmlns:a16="http://schemas.microsoft.com/office/drawing/2014/main" id="{07098835-3C3C-43BF-A91B-09B92EE1EF17}"/>
+                  </a:ext>
+                </a:extLst>
+              </p:cNvPr>
+              <p:cNvPicPr>
+                <a:picLocks noChangeAspect="1"/>
+              </p:cNvPicPr>
+              <p:nvPr/>
+            </p:nvPicPr>
+            <p:blipFill>
+              <a:blip r:embed="rId2">
+                <a:extLst>
+                  <a:ext uri="{28A0092B-C50C-407E-A947-70E740481C1C}">
+                    <a14:useLocalDpi xmlns:a14="http://schemas.microsoft.com/office/drawing/2010/main" val="0"/>
+                  </a:ext>
+                </a:extLst>
+              </a:blip>
+              <a:stretch>
+                <a:fillRect/>
+              </a:stretch>
+            </p:blipFill>
+            <p:spPr>
+              <a:xfrm>
+                <a:off x="2883535" y="2913858"/>
+                <a:ext cx="604202" cy="554314"/>
+              </a:xfrm>
+              <a:prstGeom prst="rect">
+                <a:avLst/>
+              </a:prstGeom>
+            </p:spPr>
+          </p:pic>
+          <p:pic>
+            <p:nvPicPr>
+              <p:cNvPr id="35" name="图片 34">
+                <a:extLst>
+                  <a:ext uri="{FF2B5EF4-FFF2-40B4-BE49-F238E27FC236}">
+                    <a16:creationId xmlns:a16="http://schemas.microsoft.com/office/drawing/2014/main" id="{2F1DC5FF-0E6A-4733-8659-0342CD1E51A0}"/>
+                  </a:ext>
+                </a:extLst>
+              </p:cNvPr>
+              <p:cNvPicPr>
+                <a:picLocks noChangeAspect="1"/>
+              </p:cNvPicPr>
+              <p:nvPr/>
+            </p:nvPicPr>
+            <p:blipFill>
+              <a:blip r:embed="rId2">
+                <a:extLst>
+                  <a:ext uri="{28A0092B-C50C-407E-A947-70E740481C1C}">
+                    <a14:useLocalDpi xmlns:a14="http://schemas.microsoft.com/office/drawing/2010/main" val="0"/>
+                  </a:ext>
+                </a:extLst>
+              </a:blip>
+              <a:stretch>
+                <a:fillRect/>
+              </a:stretch>
+            </p:blipFill>
+            <p:spPr>
+              <a:xfrm>
+                <a:off x="2883535" y="1908465"/>
+                <a:ext cx="604202" cy="554314"/>
+              </a:xfrm>
+              <a:prstGeom prst="rect">
+                <a:avLst/>
+              </a:prstGeom>
+            </p:spPr>
+          </p:pic>
+          <p:pic>
+            <p:nvPicPr>
+              <p:cNvPr id="36" name="图片 35">
+                <a:extLst>
+                  <a:ext uri="{FF2B5EF4-FFF2-40B4-BE49-F238E27FC236}">
+                    <a16:creationId xmlns:a16="http://schemas.microsoft.com/office/drawing/2014/main" id="{2CA1DB2C-666C-425E-B07D-73F3E23D806B}"/>
+                  </a:ext>
+                </a:extLst>
+              </p:cNvPr>
+              <p:cNvPicPr>
+                <a:picLocks noChangeAspect="1"/>
+              </p:cNvPicPr>
+              <p:nvPr/>
+            </p:nvPicPr>
+            <p:blipFill>
+              <a:blip r:embed="rId2">
+                <a:extLst>
+                  <a:ext uri="{28A0092B-C50C-407E-A947-70E740481C1C}">
+                    <a14:useLocalDpi xmlns:a14="http://schemas.microsoft.com/office/drawing/2010/main" val="0"/>
+                  </a:ext>
+                </a:extLst>
+              </a:blip>
+              <a:stretch>
+                <a:fillRect/>
+              </a:stretch>
+            </p:blipFill>
+            <p:spPr>
+              <a:xfrm>
+                <a:off x="2883535" y="3910027"/>
+                <a:ext cx="604202" cy="554314"/>
+              </a:xfrm>
+              <a:prstGeom prst="rect">
+                <a:avLst/>
+              </a:prstGeom>
+            </p:spPr>
+          </p:pic>
+          <p:sp>
+            <p:nvSpPr>
+              <p:cNvPr id="37" name="文本框 36">
+                <a:extLst>
+                  <a:ext uri="{FF2B5EF4-FFF2-40B4-BE49-F238E27FC236}">
+                    <a16:creationId xmlns:a16="http://schemas.microsoft.com/office/drawing/2014/main" id="{364EFF0B-60BC-4C00-86B1-618DFA19EB9C}"/>
+                  </a:ext>
+                </a:extLst>
+              </p:cNvPr>
+              <p:cNvSpPr txBox="1"/>
+              <p:nvPr/>
+            </p:nvSpPr>
+            <p:spPr>
+              <a:xfrm>
+                <a:off x="2799270" y="2453628"/>
+                <a:ext cx="784189" cy="246221"/>
+              </a:xfrm>
+              <a:prstGeom prst="rect">
+                <a:avLst/>
+              </a:prstGeom>
+              <a:noFill/>
+            </p:spPr>
+            <p:txBody>
+              <a:bodyPr wrap="none" rtlCol="0">
+                <a:spAutoFit/>
+              </a:bodyPr>
+              <a:lstStyle/>
+              <a:p>
+                <a:r>
+                  <a:rPr lang="en-US" altLang="zh-CN" sz="1000" dirty="0">
+                    <a:latin typeface="Microsoft YaHei Light" panose="020B0502040204020203" pitchFamily="34" charset="-122"/>
+                    <a:ea typeface="Microsoft YaHei Light" panose="020B0502040204020203" pitchFamily="34" charset="-122"/>
+                  </a:rPr>
+                  <a:t>ServiceA-1</a:t>
+                </a:r>
+                <a:endParaRPr lang="zh-CN" altLang="en-US" sz="1000" dirty="0">
+                  <a:latin typeface="Microsoft YaHei Light" panose="020B0502040204020203" pitchFamily="34" charset="-122"/>
+                  <a:ea typeface="Microsoft YaHei Light" panose="020B0502040204020203" pitchFamily="34" charset="-122"/>
+                </a:endParaRPr>
+              </a:p>
+            </p:txBody>
+          </p:sp>
+          <p:sp>
+            <p:nvSpPr>
+              <p:cNvPr id="38" name="文本框 37">
+                <a:extLst>
+                  <a:ext uri="{FF2B5EF4-FFF2-40B4-BE49-F238E27FC236}">
+                    <a16:creationId xmlns:a16="http://schemas.microsoft.com/office/drawing/2014/main" id="{E2C2D067-F8A6-42BE-BB2F-E9A126EC66CB}"/>
+                  </a:ext>
+                </a:extLst>
+              </p:cNvPr>
+              <p:cNvSpPr txBox="1"/>
+              <p:nvPr/>
+            </p:nvSpPr>
+            <p:spPr>
+              <a:xfrm>
+                <a:off x="2778430" y="3474762"/>
+                <a:ext cx="805029" cy="246221"/>
+              </a:xfrm>
+              <a:prstGeom prst="rect">
+                <a:avLst/>
+              </a:prstGeom>
+              <a:noFill/>
+            </p:spPr>
+            <p:txBody>
+              <a:bodyPr wrap="none" rtlCol="0">
+                <a:spAutoFit/>
+              </a:bodyPr>
+              <a:lstStyle/>
+              <a:p>
+                <a:r>
+                  <a:rPr lang="en-US" altLang="zh-CN" sz="1000" dirty="0">
+                    <a:latin typeface="Microsoft YaHei Light" panose="020B0502040204020203" pitchFamily="34" charset="-122"/>
+                    <a:ea typeface="Microsoft YaHei Light" panose="020B0502040204020203" pitchFamily="34" charset="-122"/>
+                  </a:rPr>
+                  <a:t>ServiceA-2</a:t>
+                </a:r>
+                <a:endParaRPr lang="zh-CN" altLang="en-US" sz="1000" dirty="0">
+                  <a:latin typeface="Microsoft YaHei Light" panose="020B0502040204020203" pitchFamily="34" charset="-122"/>
+                  <a:ea typeface="Microsoft YaHei Light" panose="020B0502040204020203" pitchFamily="34" charset="-122"/>
+                </a:endParaRPr>
+              </a:p>
+            </p:txBody>
+          </p:sp>
+          <p:sp>
+            <p:nvSpPr>
+              <p:cNvPr id="39" name="文本框 38">
+                <a:extLst>
+                  <a:ext uri="{FF2B5EF4-FFF2-40B4-BE49-F238E27FC236}">
+                    <a16:creationId xmlns:a16="http://schemas.microsoft.com/office/drawing/2014/main" id="{9AAA84E4-2021-44E7-8D3F-D0B5223FD055}"/>
+                  </a:ext>
+                </a:extLst>
+              </p:cNvPr>
+              <p:cNvSpPr txBox="1"/>
+              <p:nvPr/>
+            </p:nvSpPr>
+            <p:spPr>
+              <a:xfrm>
+                <a:off x="2788849" y="4495896"/>
+                <a:ext cx="805029" cy="246221"/>
+              </a:xfrm>
+              <a:prstGeom prst="rect">
+                <a:avLst/>
+              </a:prstGeom>
+              <a:noFill/>
+            </p:spPr>
+            <p:txBody>
+              <a:bodyPr wrap="none" rtlCol="0">
+                <a:spAutoFit/>
+              </a:bodyPr>
+              <a:lstStyle/>
+              <a:p>
+                <a:r>
+                  <a:rPr lang="en-US" altLang="zh-CN" sz="1000" dirty="0">
+                    <a:latin typeface="Microsoft YaHei Light" panose="020B0502040204020203" pitchFamily="34" charset="-122"/>
+                    <a:ea typeface="Microsoft YaHei Light" panose="020B0502040204020203" pitchFamily="34" charset="-122"/>
+                  </a:rPr>
+                  <a:t>ServiceA-3</a:t>
+                </a:r>
+                <a:endParaRPr lang="zh-CN" altLang="en-US" sz="1000" dirty="0">
+                  <a:latin typeface="Microsoft YaHei Light" panose="020B0502040204020203" pitchFamily="34" charset="-122"/>
+                  <a:ea typeface="Microsoft YaHei Light" panose="020B0502040204020203" pitchFamily="34" charset="-122"/>
+                </a:endParaRPr>
+              </a:p>
+            </p:txBody>
+          </p:sp>
+        </p:grpSp>
+        <p:cxnSp>
+          <p:nvCxnSpPr>
+            <p:cNvPr id="42" name="直接箭头连接符 41">
+              <a:extLst>
+                <a:ext uri="{FF2B5EF4-FFF2-40B4-BE49-F238E27FC236}">
+                  <a16:creationId xmlns:a16="http://schemas.microsoft.com/office/drawing/2014/main" id="{DFF2B74C-BA5D-4060-9C58-5DE0251BFC76}"/>
+                </a:ext>
+              </a:extLst>
+            </p:cNvPr>
+            <p:cNvCxnSpPr>
+              <a:stCxn id="32" idx="3"/>
+              <a:endCxn id="29" idx="1"/>
+            </p:cNvCxnSpPr>
+            <p:nvPr/>
+          </p:nvCxnSpPr>
+          <p:spPr>
+            <a:xfrm flipV="1">
+              <a:off x="6467191" y="3143060"/>
+              <a:ext cx="772658" cy="5887"/>
+            </a:xfrm>
+            <a:prstGeom prst="straightConnector1">
+              <a:avLst/>
+            </a:prstGeom>
+            <a:ln>
+              <a:tailEnd type="triangle"/>
+            </a:ln>
+          </p:spPr>
+          <p:style>
+            <a:lnRef idx="1">
+              <a:schemeClr val="accent1"/>
+            </a:lnRef>
+            <a:fillRef idx="0">
+              <a:schemeClr val="accent1"/>
+            </a:fillRef>
+            <a:effectRef idx="0">
+              <a:schemeClr val="accent1"/>
+            </a:effectRef>
+            <a:fontRef idx="minor">
+              <a:schemeClr val="tx1"/>
+            </a:fontRef>
+          </p:style>
+        </p:cxnSp>
+        <p:cxnSp>
+          <p:nvCxnSpPr>
+            <p:cNvPr id="44" name="直接箭头连接符 43">
+              <a:extLst>
+                <a:ext uri="{FF2B5EF4-FFF2-40B4-BE49-F238E27FC236}">
+                  <a16:creationId xmlns:a16="http://schemas.microsoft.com/office/drawing/2014/main" id="{AF609A89-04DB-4CC5-9C62-9A4A95FAD001}"/>
+                </a:ext>
+              </a:extLst>
+            </p:cNvPr>
+            <p:cNvCxnSpPr>
+              <a:stCxn id="30" idx="3"/>
+              <a:endCxn id="35" idx="1"/>
+            </p:cNvCxnSpPr>
+            <p:nvPr/>
+          </p:nvCxnSpPr>
+          <p:spPr>
+            <a:xfrm flipV="1">
+              <a:off x="8657589" y="2196435"/>
+              <a:ext cx="1227855" cy="1443399"/>
+            </a:xfrm>
+            <a:prstGeom prst="straightConnector1">
+              <a:avLst/>
+            </a:prstGeom>
+            <a:ln>
+              <a:tailEnd type="triangle"/>
+            </a:ln>
+          </p:spPr>
+          <p:style>
+            <a:lnRef idx="1">
+              <a:schemeClr val="accent1"/>
+            </a:lnRef>
+            <a:fillRef idx="0">
+              <a:schemeClr val="accent1"/>
+            </a:fillRef>
+            <a:effectRef idx="0">
+              <a:schemeClr val="accent1"/>
+            </a:effectRef>
+            <a:fontRef idx="minor">
+              <a:schemeClr val="tx1"/>
+            </a:fontRef>
+          </p:style>
+        </p:cxnSp>
+        <p:cxnSp>
+          <p:nvCxnSpPr>
+            <p:cNvPr id="46" name="直接箭头连接符 45">
+              <a:extLst>
+                <a:ext uri="{FF2B5EF4-FFF2-40B4-BE49-F238E27FC236}">
+                  <a16:creationId xmlns:a16="http://schemas.microsoft.com/office/drawing/2014/main" id="{DC6ED0FC-FFC4-4009-9B43-38C5525DC406}"/>
+                </a:ext>
+              </a:extLst>
+            </p:cNvPr>
+            <p:cNvCxnSpPr>
+              <a:endCxn id="34" idx="1"/>
+            </p:cNvCxnSpPr>
+            <p:nvPr/>
+          </p:nvCxnSpPr>
+          <p:spPr>
+            <a:xfrm flipV="1">
+              <a:off x="8676211" y="3201828"/>
+              <a:ext cx="1209233" cy="438005"/>
+            </a:xfrm>
+            <a:prstGeom prst="straightConnector1">
+              <a:avLst/>
+            </a:prstGeom>
+            <a:ln>
+              <a:tailEnd type="triangle"/>
+            </a:ln>
+          </p:spPr>
+          <p:style>
+            <a:lnRef idx="1">
+              <a:schemeClr val="accent1"/>
+            </a:lnRef>
+            <a:fillRef idx="0">
+              <a:schemeClr val="accent1"/>
+            </a:fillRef>
+            <a:effectRef idx="0">
+              <a:schemeClr val="accent1"/>
+            </a:effectRef>
+            <a:fontRef idx="minor">
+              <a:schemeClr val="tx1"/>
+            </a:fontRef>
+          </p:style>
+        </p:cxnSp>
+        <p:cxnSp>
+          <p:nvCxnSpPr>
+            <p:cNvPr id="48" name="直接箭头连接符 47">
+              <a:extLst>
+                <a:ext uri="{FF2B5EF4-FFF2-40B4-BE49-F238E27FC236}">
+                  <a16:creationId xmlns:a16="http://schemas.microsoft.com/office/drawing/2014/main" id="{3CC206F1-F2C5-4844-9B03-1D677960C9B9}"/>
+                </a:ext>
+              </a:extLst>
+            </p:cNvPr>
+            <p:cNvCxnSpPr>
+              <a:endCxn id="36" idx="1"/>
+            </p:cNvCxnSpPr>
+            <p:nvPr/>
+          </p:nvCxnSpPr>
+          <p:spPr>
+            <a:xfrm>
+              <a:off x="8675102" y="3668029"/>
+              <a:ext cx="1210342" cy="529968"/>
+            </a:xfrm>
+            <a:prstGeom prst="straightConnector1">
+              <a:avLst/>
+            </a:prstGeom>
+            <a:ln>
+              <a:tailEnd type="triangle"/>
+            </a:ln>
+          </p:spPr>
+          <p:style>
+            <a:lnRef idx="1">
+              <a:schemeClr val="accent1"/>
+            </a:lnRef>
+            <a:fillRef idx="0">
+              <a:schemeClr val="accent1"/>
+            </a:fillRef>
+            <a:effectRef idx="0">
+              <a:schemeClr val="accent1"/>
+            </a:effectRef>
+            <a:fontRef idx="minor">
+              <a:schemeClr val="tx1"/>
+            </a:fontRef>
+          </p:style>
+        </p:cxnSp>
+        <p:sp>
+          <p:nvSpPr>
+            <p:cNvPr id="55" name="文本框 54">
+              <a:extLst>
+                <a:ext uri="{FF2B5EF4-FFF2-40B4-BE49-F238E27FC236}">
+                  <a16:creationId xmlns:a16="http://schemas.microsoft.com/office/drawing/2014/main" id="{07845ABE-2293-473B-A094-AD7301BED7DF}"/>
+                </a:ext>
+              </a:extLst>
+            </p:cNvPr>
+            <p:cNvSpPr txBox="1"/>
+            <p:nvPr/>
+          </p:nvSpPr>
+          <p:spPr>
+            <a:xfrm>
+              <a:off x="7648578" y="4980492"/>
+              <a:ext cx="1723549" cy="276999"/>
+            </a:xfrm>
+            <a:prstGeom prst="rect">
+              <a:avLst/>
+            </a:prstGeom>
+            <a:noFill/>
+          </p:spPr>
+          <p:txBody>
+            <a:bodyPr wrap="none" rtlCol="0">
+              <a:spAutoFit/>
+            </a:bodyPr>
+            <a:lstStyle/>
+            <a:p>
+              <a:r>
+                <a:rPr lang="zh-CN" altLang="en-US" sz="1200" dirty="0"/>
+                <a:t>客户端负载均衡示意图</a:t>
+              </a:r>
+            </a:p>
+          </p:txBody>
+        </p:sp>
+      </p:grpSp>
     </p:spTree>
     <p:extLst>
       <p:ext uri="{BB962C8B-B14F-4D97-AF65-F5344CB8AC3E}">

--- a/SpringCloud Note.pptx
+++ b/SpringCloud Note.pptx
@@ -7,6 +7,7 @@
   <p:sldIdLst>
     <p:sldId id="256" r:id="rId2"/>
     <p:sldId id="257" r:id="rId3"/>
+    <p:sldId id="258" r:id="rId4"/>
   </p:sldIdLst>
   <p:sldSz cx="12192000" cy="6858000"/>
   <p:notesSz cx="6858000" cy="9144000"/>
@@ -260,7 +261,7 @@
           <a:p>
             <a:fld id="{14E75282-4EAA-4288-90D7-2CF7660DE332}" type="datetimeFigureOut">
               <a:rPr lang="zh-CN" altLang="en-US" smtClean="0"/>
-              <a:t>2018/12/11</a:t>
+              <a:t>2018/12/25</a:t>
             </a:fld>
             <a:endParaRPr lang="zh-CN" altLang="en-US"/>
           </a:p>
@@ -458,7 +459,7 @@
           <a:p>
             <a:fld id="{14E75282-4EAA-4288-90D7-2CF7660DE332}" type="datetimeFigureOut">
               <a:rPr lang="zh-CN" altLang="en-US" smtClean="0"/>
-              <a:t>2018/12/11</a:t>
+              <a:t>2018/12/25</a:t>
             </a:fld>
             <a:endParaRPr lang="zh-CN" altLang="en-US"/>
           </a:p>
@@ -666,7 +667,7 @@
           <a:p>
             <a:fld id="{14E75282-4EAA-4288-90D7-2CF7660DE332}" type="datetimeFigureOut">
               <a:rPr lang="zh-CN" altLang="en-US" smtClean="0"/>
-              <a:t>2018/12/11</a:t>
+              <a:t>2018/12/25</a:t>
             </a:fld>
             <a:endParaRPr lang="zh-CN" altLang="en-US"/>
           </a:p>
@@ -864,7 +865,7 @@
           <a:p>
             <a:fld id="{14E75282-4EAA-4288-90D7-2CF7660DE332}" type="datetimeFigureOut">
               <a:rPr lang="zh-CN" altLang="en-US" smtClean="0"/>
-              <a:t>2018/12/11</a:t>
+              <a:t>2018/12/25</a:t>
             </a:fld>
             <a:endParaRPr lang="zh-CN" altLang="en-US"/>
           </a:p>
@@ -1139,7 +1140,7 @@
           <a:p>
             <a:fld id="{14E75282-4EAA-4288-90D7-2CF7660DE332}" type="datetimeFigureOut">
               <a:rPr lang="zh-CN" altLang="en-US" smtClean="0"/>
-              <a:t>2018/12/11</a:t>
+              <a:t>2018/12/25</a:t>
             </a:fld>
             <a:endParaRPr lang="zh-CN" altLang="en-US"/>
           </a:p>
@@ -1404,7 +1405,7 @@
           <a:p>
             <a:fld id="{14E75282-4EAA-4288-90D7-2CF7660DE332}" type="datetimeFigureOut">
               <a:rPr lang="zh-CN" altLang="en-US" smtClean="0"/>
-              <a:t>2018/12/11</a:t>
+              <a:t>2018/12/25</a:t>
             </a:fld>
             <a:endParaRPr lang="zh-CN" altLang="en-US"/>
           </a:p>
@@ -1816,7 +1817,7 @@
           <a:p>
             <a:fld id="{14E75282-4EAA-4288-90D7-2CF7660DE332}" type="datetimeFigureOut">
               <a:rPr lang="zh-CN" altLang="en-US" smtClean="0"/>
-              <a:t>2018/12/11</a:t>
+              <a:t>2018/12/25</a:t>
             </a:fld>
             <a:endParaRPr lang="zh-CN" altLang="en-US"/>
           </a:p>
@@ -1957,7 +1958,7 @@
           <a:p>
             <a:fld id="{14E75282-4EAA-4288-90D7-2CF7660DE332}" type="datetimeFigureOut">
               <a:rPr lang="zh-CN" altLang="en-US" smtClean="0"/>
-              <a:t>2018/12/11</a:t>
+              <a:t>2018/12/25</a:t>
             </a:fld>
             <a:endParaRPr lang="zh-CN" altLang="en-US"/>
           </a:p>
@@ -2070,7 +2071,7 @@
           <a:p>
             <a:fld id="{14E75282-4EAA-4288-90D7-2CF7660DE332}" type="datetimeFigureOut">
               <a:rPr lang="zh-CN" altLang="en-US" smtClean="0"/>
-              <a:t>2018/12/11</a:t>
+              <a:t>2018/12/25</a:t>
             </a:fld>
             <a:endParaRPr lang="zh-CN" altLang="en-US"/>
           </a:p>
@@ -2381,7 +2382,7 @@
           <a:p>
             <a:fld id="{14E75282-4EAA-4288-90D7-2CF7660DE332}" type="datetimeFigureOut">
               <a:rPr lang="zh-CN" altLang="en-US" smtClean="0"/>
-              <a:t>2018/12/11</a:t>
+              <a:t>2018/12/25</a:t>
             </a:fld>
             <a:endParaRPr lang="zh-CN" altLang="en-US"/>
           </a:p>
@@ -2669,7 +2670,7 @@
           <a:p>
             <a:fld id="{14E75282-4EAA-4288-90D7-2CF7660DE332}" type="datetimeFigureOut">
               <a:rPr lang="zh-CN" altLang="en-US" smtClean="0"/>
-              <a:t>2018/12/11</a:t>
+              <a:t>2018/12/25</a:t>
             </a:fld>
             <a:endParaRPr lang="zh-CN" altLang="en-US"/>
           </a:p>
@@ -2910,7 +2911,7 @@
           <a:p>
             <a:fld id="{14E75282-4EAA-4288-90D7-2CF7660DE332}" type="datetimeFigureOut">
               <a:rPr lang="zh-CN" altLang="en-US" smtClean="0"/>
-              <a:t>2018/12/11</a:t>
+              <a:t>2018/12/25</a:t>
             </a:fld>
             <a:endParaRPr lang="zh-CN" altLang="en-US"/>
           </a:p>
@@ -5792,10 +5793,10 @@
       </p:grpSp>
       <p:grpSp>
         <p:nvGrpSpPr>
-          <p:cNvPr id="56" name="组合 55">
+          <p:cNvPr id="49" name="组合 48">
             <a:extLst>
               <a:ext uri="{FF2B5EF4-FFF2-40B4-BE49-F238E27FC236}">
-                <a16:creationId xmlns:a16="http://schemas.microsoft.com/office/drawing/2014/main" id="{A00A596D-C9B3-4483-8499-B6907C428067}"/>
+                <a16:creationId xmlns:a16="http://schemas.microsoft.com/office/drawing/2014/main" id="{58DA0661-7929-46A6-A1C0-4C31BFCF40F6}"/>
               </a:ext>
             </a:extLst>
           </p:cNvPr>
@@ -5804,148 +5805,59 @@
         </p:nvGrpSpPr>
         <p:grpSpPr>
           <a:xfrm>
-            <a:off x="5862989" y="1919278"/>
-            <a:ext cx="4732798" cy="3338213"/>
-            <a:chOff x="5862989" y="1919278"/>
-            <a:chExt cx="4732798" cy="3338213"/>
+            <a:off x="5264970" y="1704009"/>
+            <a:ext cx="5330817" cy="3930645"/>
+            <a:chOff x="5264970" y="1704009"/>
+            <a:chExt cx="5330817" cy="3930645"/>
           </a:xfrm>
         </p:grpSpPr>
-        <p:grpSp>
-          <p:nvGrpSpPr>
-            <p:cNvPr id="33" name="组合 32">
+        <p:sp>
+          <p:nvSpPr>
+            <p:cNvPr id="29" name="矩形: 圆角 28">
               <a:extLst>
                 <a:ext uri="{FF2B5EF4-FFF2-40B4-BE49-F238E27FC236}">
-                  <a16:creationId xmlns:a16="http://schemas.microsoft.com/office/drawing/2014/main" id="{4295D637-2654-431E-BD49-7F996091344A}"/>
+                  <a16:creationId xmlns:a16="http://schemas.microsoft.com/office/drawing/2014/main" id="{5A072809-C368-4442-9E51-DFBDB06B9796}"/>
                 </a:ext>
               </a:extLst>
             </p:cNvPr>
-            <p:cNvGrpSpPr/>
+            <p:cNvSpPr/>
             <p:nvPr/>
-          </p:nvGrpSpPr>
-          <p:grpSpPr>
+          </p:nvSpPr>
+          <p:spPr>
             <a:xfrm>
-              <a:off x="7239849" y="2137703"/>
-              <a:ext cx="1518408" cy="2010713"/>
-              <a:chOff x="6157519" y="2301228"/>
-              <a:chExt cx="1518408" cy="2010713"/>
+              <a:off x="7039653" y="1704009"/>
+              <a:ext cx="1518408" cy="1194438"/>
             </a:xfrm>
-          </p:grpSpPr>
-          <p:sp>
-            <p:nvSpPr>
-              <p:cNvPr id="29" name="矩形: 圆角 28">
-                <a:extLst>
-                  <a:ext uri="{FF2B5EF4-FFF2-40B4-BE49-F238E27FC236}">
-                    <a16:creationId xmlns:a16="http://schemas.microsoft.com/office/drawing/2014/main" id="{5A072809-C368-4442-9E51-DFBDB06B9796}"/>
-                  </a:ext>
-                </a:extLst>
-              </p:cNvPr>
-              <p:cNvSpPr/>
-              <p:nvPr/>
-            </p:nvSpPr>
-            <p:spPr>
-              <a:xfrm>
-                <a:off x="6157519" y="2301228"/>
-                <a:ext cx="1518408" cy="2010713"/>
-              </a:xfrm>
-              <a:prstGeom prst="roundRect">
-                <a:avLst/>
-              </a:prstGeom>
-            </p:spPr>
-            <p:style>
-              <a:lnRef idx="0">
-                <a:schemeClr val="accent5"/>
-              </a:lnRef>
-              <a:fillRef idx="3">
-                <a:schemeClr val="accent5"/>
-              </a:fillRef>
-              <a:effectRef idx="3">
-                <a:schemeClr val="accent5"/>
-              </a:effectRef>
-              <a:fontRef idx="minor">
-                <a:schemeClr val="lt1"/>
-              </a:fontRef>
-            </p:style>
-            <p:txBody>
-              <a:bodyPr rtlCol="0" anchor="ctr"/>
-              <a:lstStyle/>
-              <a:p>
-                <a:pPr algn="ctr"/>
-                <a:r>
-                  <a:rPr lang="en-US" altLang="zh-CN" dirty="0"/>
-                  <a:t>Eureka Server</a:t>
-                </a:r>
-              </a:p>
-              <a:p>
-                <a:pPr algn="ctr"/>
-                <a:endParaRPr lang="en-US" altLang="zh-CN" dirty="0"/>
-              </a:p>
-              <a:p>
-                <a:pPr algn="ctr"/>
-                <a:endParaRPr lang="en-US" altLang="zh-CN" dirty="0"/>
-              </a:p>
-              <a:p>
-                <a:pPr algn="ctr"/>
-                <a:endParaRPr lang="en-US" altLang="zh-CN" dirty="0"/>
-              </a:p>
-              <a:p>
-                <a:pPr algn="ctr"/>
-                <a:r>
-                  <a:rPr lang="en-US" altLang="zh-CN" dirty="0"/>
-                  <a:t>\\</a:t>
-                </a:r>
-                <a:endParaRPr lang="zh-CN" altLang="en-US" dirty="0"/>
-              </a:p>
-            </p:txBody>
-          </p:sp>
-          <p:sp>
-            <p:nvSpPr>
-              <p:cNvPr id="30" name="矩形: 圆角 29">
-                <a:extLst>
-                  <a:ext uri="{FF2B5EF4-FFF2-40B4-BE49-F238E27FC236}">
-                    <a16:creationId xmlns:a16="http://schemas.microsoft.com/office/drawing/2014/main" id="{A471125E-0189-4234-8364-1C813DDF589D}"/>
-                  </a:ext>
-                </a:extLst>
-              </p:cNvPr>
-              <p:cNvSpPr/>
-              <p:nvPr/>
-            </p:nvSpPr>
-            <p:spPr>
-              <a:xfrm>
-                <a:off x="6258187" y="3429000"/>
-                <a:ext cx="1317072" cy="748717"/>
-              </a:xfrm>
-              <a:prstGeom prst="roundRect">
-                <a:avLst/>
-              </a:prstGeom>
-            </p:spPr>
-            <p:style>
-              <a:lnRef idx="0">
-                <a:schemeClr val="accent6"/>
-              </a:lnRef>
-              <a:fillRef idx="3">
-                <a:schemeClr val="accent6"/>
-              </a:fillRef>
-              <a:effectRef idx="3">
-                <a:schemeClr val="accent6"/>
-              </a:effectRef>
-              <a:fontRef idx="minor">
-                <a:schemeClr val="lt1"/>
-              </a:fontRef>
-            </p:style>
-            <p:txBody>
-              <a:bodyPr rtlCol="0" anchor="ctr"/>
-              <a:lstStyle/>
-              <a:p>
-                <a:pPr algn="ctr"/>
-                <a:r>
-                  <a:rPr lang="en-US" altLang="zh-CN" dirty="0"/>
-                  <a:t>Ribbon</a:t>
-                </a:r>
-                <a:endParaRPr lang="zh-CN" altLang="en-US" dirty="0"/>
-              </a:p>
-            </p:txBody>
-          </p:sp>
-        </p:grpSp>
+            <a:prstGeom prst="roundRect">
+              <a:avLst/>
+            </a:prstGeom>
+          </p:spPr>
+          <p:style>
+            <a:lnRef idx="0">
+              <a:schemeClr val="accent5"/>
+            </a:lnRef>
+            <a:fillRef idx="3">
+              <a:schemeClr val="accent5"/>
+            </a:fillRef>
+            <a:effectRef idx="3">
+              <a:schemeClr val="accent5"/>
+            </a:effectRef>
+            <a:fontRef idx="minor">
+              <a:schemeClr val="lt1"/>
+            </a:fontRef>
+          </p:style>
+          <p:txBody>
+            <a:bodyPr rtlCol="0" anchor="ctr"/>
+            <a:lstStyle/>
+            <a:p>
+              <a:pPr algn="ctr"/>
+              <a:r>
+                <a:rPr lang="en-US" altLang="zh-CN" dirty="0"/>
+                <a:t>Eureka Server</a:t>
+              </a:r>
+            </a:p>
+          </p:txBody>
+        </p:sp>
         <p:pic>
           <p:nvPicPr>
             <p:cNvPr id="32" name="图片 31">
@@ -5974,7 +5886,7 @@
           </p:blipFill>
           <p:spPr>
             <a:xfrm>
-              <a:off x="5862989" y="2846846"/>
+              <a:off x="5264970" y="1999127"/>
               <a:ext cx="604202" cy="604202"/>
             </a:xfrm>
             <a:prstGeom prst="rect">
@@ -6247,15 +6159,16 @@
               </a:extLst>
             </p:cNvPr>
             <p:cNvCxnSpPr>
+              <a:cxnSpLocks/>
               <a:stCxn id="32" idx="3"/>
               <a:endCxn id="29" idx="1"/>
             </p:cNvCxnSpPr>
             <p:nvPr/>
           </p:nvCxnSpPr>
           <p:spPr>
-            <a:xfrm flipV="1">
-              <a:off x="6467191" y="3143060"/>
-              <a:ext cx="772658" cy="5887"/>
+            <a:xfrm>
+              <a:off x="5869172" y="2301228"/>
+              <a:ext cx="1170481" cy="0"/>
             </a:xfrm>
             <a:prstGeom prst="straightConnector1">
               <a:avLst/>
@@ -6289,15 +6202,16 @@
               </a:extLst>
             </p:cNvPr>
             <p:cNvCxnSpPr>
-              <a:stCxn id="30" idx="3"/>
+              <a:cxnSpLocks/>
+              <a:stCxn id="45" idx="3"/>
               <a:endCxn id="35" idx="1"/>
             </p:cNvCxnSpPr>
             <p:nvPr/>
           </p:nvCxnSpPr>
           <p:spPr>
             <a:xfrm flipV="1">
-              <a:off x="8657589" y="2196435"/>
-              <a:ext cx="1227855" cy="1443399"/>
+              <a:off x="8468531" y="2196435"/>
+              <a:ext cx="1416913" cy="2521420"/>
             </a:xfrm>
             <a:prstGeom prst="straightConnector1">
               <a:avLst/>
@@ -6331,14 +6245,16 @@
               </a:extLst>
             </p:cNvPr>
             <p:cNvCxnSpPr>
+              <a:cxnSpLocks/>
+              <a:stCxn id="45" idx="3"/>
               <a:endCxn id="34" idx="1"/>
             </p:cNvCxnSpPr>
             <p:nvPr/>
           </p:nvCxnSpPr>
           <p:spPr>
             <a:xfrm flipV="1">
-              <a:off x="8676211" y="3201828"/>
-              <a:ext cx="1209233" cy="438005"/>
+              <a:off x="8468531" y="3201828"/>
+              <a:ext cx="1416913" cy="1516027"/>
             </a:xfrm>
             <a:prstGeom prst="straightConnector1">
               <a:avLst/>
@@ -6372,14 +6288,16 @@
               </a:extLst>
             </p:cNvPr>
             <p:cNvCxnSpPr>
+              <a:cxnSpLocks/>
+              <a:stCxn id="45" idx="3"/>
               <a:endCxn id="36" idx="1"/>
             </p:cNvCxnSpPr>
             <p:nvPr/>
           </p:nvCxnSpPr>
           <p:spPr>
-            <a:xfrm>
-              <a:off x="8675102" y="3668029"/>
-              <a:ext cx="1210342" cy="529968"/>
+            <a:xfrm flipV="1">
+              <a:off x="8468531" y="4197997"/>
+              <a:ext cx="1416913" cy="519858"/>
             </a:xfrm>
             <a:prstGeom prst="straightConnector1">
               <a:avLst/>
@@ -6417,7 +6335,7 @@
           </p:nvSpPr>
           <p:spPr>
             <a:xfrm>
-              <a:off x="7648578" y="4980492"/>
+              <a:off x="7696287" y="5357655"/>
               <a:ext cx="1723549" cy="276999"/>
             </a:xfrm>
             <a:prstGeom prst="rect">
@@ -6438,11 +6356,2437 @@
             </a:p>
           </p:txBody>
         </p:sp>
+        <p:sp>
+          <p:nvSpPr>
+            <p:cNvPr id="43" name="矩形: 圆角 42">
+              <a:extLst>
+                <a:ext uri="{FF2B5EF4-FFF2-40B4-BE49-F238E27FC236}">
+                  <a16:creationId xmlns:a16="http://schemas.microsoft.com/office/drawing/2014/main" id="{51974457-7BBD-4B52-98E8-5E473AEB714B}"/>
+                </a:ext>
+              </a:extLst>
+            </p:cNvPr>
+            <p:cNvSpPr/>
+            <p:nvPr/>
+          </p:nvSpPr>
+          <p:spPr>
+            <a:xfrm>
+              <a:off x="7039653" y="3200548"/>
+              <a:ext cx="1518408" cy="2010713"/>
+            </a:xfrm>
+            <a:prstGeom prst="roundRect">
+              <a:avLst/>
+            </a:prstGeom>
+          </p:spPr>
+          <p:style>
+            <a:lnRef idx="0">
+              <a:schemeClr val="accent5"/>
+            </a:lnRef>
+            <a:fillRef idx="3">
+              <a:schemeClr val="accent5"/>
+            </a:fillRef>
+            <a:effectRef idx="3">
+              <a:schemeClr val="accent5"/>
+            </a:effectRef>
+            <a:fontRef idx="minor">
+              <a:schemeClr val="lt1"/>
+            </a:fontRef>
+          </p:style>
+          <p:txBody>
+            <a:bodyPr rtlCol="0" anchor="ctr"/>
+            <a:lstStyle/>
+            <a:p>
+              <a:pPr algn="ctr"/>
+              <a:r>
+                <a:rPr lang="en-US" altLang="zh-CN" dirty="0"/>
+                <a:t>Eureka Client</a:t>
+              </a:r>
+            </a:p>
+            <a:p>
+              <a:pPr algn="ctr"/>
+              <a:r>
+                <a:rPr lang="en-US" altLang="zh-CN" sz="1600" dirty="0"/>
+                <a:t>(</a:t>
+              </a:r>
+              <a:r>
+                <a:rPr lang="zh-CN" altLang="en-US" sz="1600" dirty="0"/>
+                <a:t>服务消费者</a:t>
+              </a:r>
+              <a:r>
+                <a:rPr lang="en-US" altLang="zh-CN" sz="1600" dirty="0"/>
+                <a:t>)</a:t>
+              </a:r>
+            </a:p>
+            <a:p>
+              <a:pPr algn="ctr"/>
+              <a:endParaRPr lang="en-US" altLang="zh-CN" dirty="0"/>
+            </a:p>
+            <a:p>
+              <a:pPr algn="ctr"/>
+              <a:endParaRPr lang="en-US" altLang="zh-CN" dirty="0"/>
+            </a:p>
+            <a:p>
+              <a:pPr algn="ctr"/>
+              <a:endParaRPr lang="en-US" altLang="zh-CN" dirty="0"/>
+            </a:p>
+            <a:p>
+              <a:pPr algn="ctr"/>
+              <a:endParaRPr lang="zh-CN" altLang="en-US" dirty="0"/>
+            </a:p>
+          </p:txBody>
+        </p:sp>
+        <p:sp>
+          <p:nvSpPr>
+            <p:cNvPr id="45" name="矩形: 圆角 44">
+              <a:extLst>
+                <a:ext uri="{FF2B5EF4-FFF2-40B4-BE49-F238E27FC236}">
+                  <a16:creationId xmlns:a16="http://schemas.microsoft.com/office/drawing/2014/main" id="{416303B4-BF70-400B-99EF-D0162822E146}"/>
+                </a:ext>
+              </a:extLst>
+            </p:cNvPr>
+            <p:cNvSpPr/>
+            <p:nvPr/>
+          </p:nvSpPr>
+          <p:spPr>
+            <a:xfrm>
+              <a:off x="7151459" y="4343496"/>
+              <a:ext cx="1317072" cy="748717"/>
+            </a:xfrm>
+            <a:prstGeom prst="roundRect">
+              <a:avLst/>
+            </a:prstGeom>
+          </p:spPr>
+          <p:style>
+            <a:lnRef idx="0">
+              <a:schemeClr val="accent6"/>
+            </a:lnRef>
+            <a:fillRef idx="3">
+              <a:schemeClr val="accent6"/>
+            </a:fillRef>
+            <a:effectRef idx="3">
+              <a:schemeClr val="accent6"/>
+            </a:effectRef>
+            <a:fontRef idx="minor">
+              <a:schemeClr val="lt1"/>
+            </a:fontRef>
+          </p:style>
+          <p:txBody>
+            <a:bodyPr rtlCol="0" anchor="ctr"/>
+            <a:lstStyle/>
+            <a:p>
+              <a:pPr algn="ctr"/>
+              <a:r>
+                <a:rPr lang="en-US" altLang="zh-CN" dirty="0"/>
+                <a:t>Ribbon</a:t>
+              </a:r>
+              <a:endParaRPr lang="zh-CN" altLang="en-US" dirty="0"/>
+            </a:p>
+          </p:txBody>
+        </p:sp>
+        <p:cxnSp>
+          <p:nvCxnSpPr>
+            <p:cNvPr id="28" name="直接箭头连接符 27">
+              <a:extLst>
+                <a:ext uri="{FF2B5EF4-FFF2-40B4-BE49-F238E27FC236}">
+                  <a16:creationId xmlns:a16="http://schemas.microsoft.com/office/drawing/2014/main" id="{E282E4AB-D9F1-4C50-AF78-02550725EE31}"/>
+                </a:ext>
+              </a:extLst>
+            </p:cNvPr>
+            <p:cNvCxnSpPr>
+              <a:cxnSpLocks/>
+            </p:cNvCxnSpPr>
+            <p:nvPr/>
+          </p:nvCxnSpPr>
+          <p:spPr>
+            <a:xfrm flipV="1">
+              <a:off x="7597522" y="2898447"/>
+              <a:ext cx="0" cy="302101"/>
+            </a:xfrm>
+            <a:prstGeom prst="straightConnector1">
+              <a:avLst/>
+            </a:prstGeom>
+            <a:ln>
+              <a:prstDash val="sysDash"/>
+              <a:tailEnd type="triangle"/>
+            </a:ln>
+          </p:spPr>
+          <p:style>
+            <a:lnRef idx="1">
+              <a:schemeClr val="accent1"/>
+            </a:lnRef>
+            <a:fillRef idx="0">
+              <a:schemeClr val="accent1"/>
+            </a:fillRef>
+            <a:effectRef idx="0">
+              <a:schemeClr val="accent1"/>
+            </a:effectRef>
+            <a:fontRef idx="minor">
+              <a:schemeClr val="tx1"/>
+            </a:fontRef>
+          </p:style>
+        </p:cxnSp>
+        <p:cxnSp>
+          <p:nvCxnSpPr>
+            <p:cNvPr id="47" name="直接箭头连接符 46">
+              <a:extLst>
+                <a:ext uri="{FF2B5EF4-FFF2-40B4-BE49-F238E27FC236}">
+                  <a16:creationId xmlns:a16="http://schemas.microsoft.com/office/drawing/2014/main" id="{74D8E8EC-B12B-4541-847A-A62650084546}"/>
+                </a:ext>
+              </a:extLst>
+            </p:cNvPr>
+            <p:cNvCxnSpPr/>
+            <p:nvPr/>
+          </p:nvCxnSpPr>
+          <p:spPr>
+            <a:xfrm>
+              <a:off x="8036653" y="2898447"/>
+              <a:ext cx="0" cy="302101"/>
+            </a:xfrm>
+            <a:prstGeom prst="straightConnector1">
+              <a:avLst/>
+            </a:prstGeom>
+            <a:ln>
+              <a:tailEnd type="triangle"/>
+            </a:ln>
+          </p:spPr>
+          <p:style>
+            <a:lnRef idx="1">
+              <a:schemeClr val="accent1"/>
+            </a:lnRef>
+            <a:fillRef idx="0">
+              <a:schemeClr val="accent1"/>
+            </a:fillRef>
+            <a:effectRef idx="0">
+              <a:schemeClr val="accent1"/>
+            </a:effectRef>
+            <a:fontRef idx="minor">
+              <a:schemeClr val="tx1"/>
+            </a:fontRef>
+          </p:style>
+        </p:cxnSp>
       </p:grpSp>
     </p:spTree>
     <p:extLst>
       <p:ext uri="{BB962C8B-B14F-4D97-AF65-F5344CB8AC3E}">
         <p14:creationId xmlns:p14="http://schemas.microsoft.com/office/powerpoint/2010/main" val="1539322232"/>
+      </p:ext>
+    </p:extLst>
+  </p:cSld>
+  <p:clrMapOvr>
+    <a:masterClrMapping/>
+  </p:clrMapOvr>
+</p:sld>
+</file>
+
+<file path=ppt/slides/slide3.xml><?xml version="1.0" encoding="utf-8"?>
+<p:sld xmlns:a="http://schemas.openxmlformats.org/drawingml/2006/main" xmlns:r="http://schemas.openxmlformats.org/officeDocument/2006/relationships" xmlns:p="http://schemas.openxmlformats.org/presentationml/2006/main">
+  <p:cSld>
+    <p:spTree>
+      <p:nvGrpSpPr>
+        <p:cNvPr id="1" name=""/>
+        <p:cNvGrpSpPr/>
+        <p:nvPr/>
+      </p:nvGrpSpPr>
+      <p:grpSpPr>
+        <a:xfrm>
+          <a:off x="0" y="0"/>
+          <a:ext cx="0" cy="0"/>
+          <a:chOff x="0" y="0"/>
+          <a:chExt cx="0" cy="0"/>
+        </a:xfrm>
+      </p:grpSpPr>
+      <p:sp>
+        <p:nvSpPr>
+          <p:cNvPr id="4" name="文本框 3">
+            <a:extLst>
+              <a:ext uri="{FF2B5EF4-FFF2-40B4-BE49-F238E27FC236}">
+                <a16:creationId xmlns:a16="http://schemas.microsoft.com/office/drawing/2014/main" id="{8768485B-45F4-4A5B-9795-64C9B1451C74}"/>
+              </a:ext>
+            </a:extLst>
+          </p:cNvPr>
+          <p:cNvSpPr txBox="1"/>
+          <p:nvPr/>
+        </p:nvSpPr>
+        <p:spPr>
+          <a:xfrm>
+            <a:off x="253960" y="123991"/>
+            <a:ext cx="2525050" cy="369332"/>
+          </a:xfrm>
+          <a:prstGeom prst="rect">
+            <a:avLst/>
+          </a:prstGeom>
+          <a:noFill/>
+        </p:spPr>
+        <p:txBody>
+          <a:bodyPr wrap="none" rtlCol="0">
+            <a:spAutoFit/>
+          </a:bodyPr>
+          <a:lstStyle/>
+          <a:p>
+            <a:r>
+              <a:rPr lang="en-US" altLang="zh-CN" dirty="0"/>
+              <a:t>3.Hystrix</a:t>
+            </a:r>
+            <a:r>
+              <a:rPr lang="zh-CN" altLang="en-US" dirty="0"/>
+              <a:t>原理</a:t>
+            </a:r>
+            <a:r>
+              <a:rPr lang="en-US" altLang="zh-CN" dirty="0"/>
+              <a:t>-</a:t>
+            </a:r>
+            <a:r>
+              <a:rPr lang="zh-CN" altLang="en-US" dirty="0"/>
+              <a:t>命令模式</a:t>
+            </a:r>
+          </a:p>
+        </p:txBody>
+      </p:sp>
+      <p:sp>
+        <p:nvSpPr>
+          <p:cNvPr id="6" name="矩形 5">
+            <a:extLst>
+              <a:ext uri="{FF2B5EF4-FFF2-40B4-BE49-F238E27FC236}">
+                <a16:creationId xmlns:a16="http://schemas.microsoft.com/office/drawing/2014/main" id="{18812504-BFE2-458A-B10E-370A85302914}"/>
+              </a:ext>
+            </a:extLst>
+          </p:cNvPr>
+          <p:cNvSpPr/>
+          <p:nvPr/>
+        </p:nvSpPr>
+        <p:spPr>
+          <a:xfrm>
+            <a:off x="313189" y="452712"/>
+            <a:ext cx="11624851" cy="830997"/>
+          </a:xfrm>
+          <a:prstGeom prst="rect">
+            <a:avLst/>
+          </a:prstGeom>
+        </p:spPr>
+        <p:txBody>
+          <a:bodyPr wrap="square">
+            <a:spAutoFit/>
+          </a:bodyPr>
+          <a:lstStyle/>
+          <a:p>
+            <a:pPr>
+              <a:buFont typeface="Arial" panose="020B0604020202020204" pitchFamily="34" charset="0"/>
+              <a:buChar char="•"/>
+            </a:pPr>
+            <a:r>
+              <a:rPr lang="en-US" altLang="zh-CN" sz="1200" dirty="0">
+                <a:solidFill>
+                  <a:srgbClr val="000000"/>
+                </a:solidFill>
+                <a:latin typeface="Verdana" panose="020B0604030504040204" pitchFamily="34" charset="0"/>
+              </a:rPr>
+              <a:t>Receiver</a:t>
+            </a:r>
+            <a:r>
+              <a:rPr lang="zh-CN" altLang="en-US" sz="1200" dirty="0">
+                <a:solidFill>
+                  <a:srgbClr val="000000"/>
+                </a:solidFill>
+                <a:latin typeface="Verdana" panose="020B0604030504040204" pitchFamily="34" charset="0"/>
+              </a:rPr>
+              <a:t>：</a:t>
+            </a:r>
+            <a:r>
+              <a:rPr lang="zh-CN" altLang="en-US" sz="1200" dirty="0">
+                <a:solidFill>
+                  <a:srgbClr val="FF0000"/>
+                </a:solidFill>
+                <a:latin typeface="Verdana" panose="020B0604030504040204" pitchFamily="34" charset="0"/>
+              </a:rPr>
+              <a:t>接收者</a:t>
+            </a:r>
+            <a:r>
+              <a:rPr lang="zh-CN" altLang="en-US" sz="1200" dirty="0">
+                <a:solidFill>
+                  <a:srgbClr val="000000"/>
+                </a:solidFill>
+                <a:latin typeface="Verdana" panose="020B0604030504040204" pitchFamily="34" charset="0"/>
+              </a:rPr>
+              <a:t>，它知道如何处理具体的业务逻辑。</a:t>
+            </a:r>
+          </a:p>
+          <a:p>
+            <a:pPr>
+              <a:buFont typeface="Arial" panose="020B0604020202020204" pitchFamily="34" charset="0"/>
+              <a:buChar char="•"/>
+            </a:pPr>
+            <a:r>
+              <a:rPr lang="en-US" altLang="zh-CN" sz="1200" dirty="0">
+                <a:solidFill>
+                  <a:srgbClr val="000000"/>
+                </a:solidFill>
+                <a:latin typeface="Verdana" panose="020B0604030504040204" pitchFamily="34" charset="0"/>
+              </a:rPr>
+              <a:t>Command</a:t>
+            </a:r>
+            <a:r>
+              <a:rPr lang="zh-CN" altLang="en-US" sz="1200" dirty="0">
+                <a:solidFill>
+                  <a:srgbClr val="000000"/>
+                </a:solidFill>
+                <a:latin typeface="Verdana" panose="020B0604030504040204" pitchFamily="34" charset="0"/>
+              </a:rPr>
+              <a:t>：</a:t>
+            </a:r>
+            <a:r>
+              <a:rPr lang="zh-CN" altLang="en-US" sz="1200" dirty="0">
+                <a:solidFill>
+                  <a:srgbClr val="FF0000"/>
+                </a:solidFill>
+                <a:latin typeface="Verdana" panose="020B0604030504040204" pitchFamily="34" charset="0"/>
+              </a:rPr>
+              <a:t>抽象命令</a:t>
+            </a:r>
+            <a:r>
+              <a:rPr lang="zh-CN" altLang="en-US" sz="1200" dirty="0">
+                <a:solidFill>
+                  <a:srgbClr val="000000"/>
+                </a:solidFill>
+                <a:latin typeface="Verdana" panose="020B0604030504040204" pitchFamily="34" charset="0"/>
+              </a:rPr>
+              <a:t>，它定义了一个命令对象应具备的一系列命令操作，比如 </a:t>
+            </a:r>
+            <a:r>
+              <a:rPr lang="en-US" altLang="zh-CN" sz="1200" dirty="0">
+                <a:solidFill>
+                  <a:srgbClr val="000000"/>
+                </a:solidFill>
+                <a:latin typeface="Verdana" panose="020B0604030504040204" pitchFamily="34" charset="0"/>
+              </a:rPr>
+              <a:t>execute </a:t>
+            </a:r>
+            <a:r>
+              <a:rPr lang="zh-CN" altLang="en-US" sz="1200" dirty="0">
+                <a:solidFill>
+                  <a:srgbClr val="000000"/>
+                </a:solidFill>
+                <a:latin typeface="Verdana" panose="020B0604030504040204" pitchFamily="34" charset="0"/>
+              </a:rPr>
+              <a:t>等。当命令操作被调用的时候就会触发接收者去做具体命令对应的业务逻辑。</a:t>
+            </a:r>
+          </a:p>
+          <a:p>
+            <a:pPr>
+              <a:buFont typeface="Arial" panose="020B0604020202020204" pitchFamily="34" charset="0"/>
+              <a:buChar char="•"/>
+            </a:pPr>
+            <a:r>
+              <a:rPr lang="en-US" altLang="zh-CN" sz="1200" dirty="0" err="1">
+                <a:solidFill>
+                  <a:srgbClr val="000000"/>
+                </a:solidFill>
+                <a:latin typeface="Verdana" panose="020B0604030504040204" pitchFamily="34" charset="0"/>
+              </a:rPr>
+              <a:t>CommandImpl</a:t>
+            </a:r>
+            <a:r>
+              <a:rPr lang="zh-CN" altLang="en-US" sz="1200" dirty="0">
+                <a:solidFill>
+                  <a:srgbClr val="000000"/>
+                </a:solidFill>
+                <a:latin typeface="Verdana" panose="020B0604030504040204" pitchFamily="34" charset="0"/>
+              </a:rPr>
+              <a:t>：</a:t>
+            </a:r>
+            <a:r>
+              <a:rPr lang="zh-CN" altLang="en-US" sz="1200" dirty="0">
+                <a:solidFill>
+                  <a:srgbClr val="FF0000"/>
+                </a:solidFill>
+                <a:latin typeface="Verdana" panose="020B0604030504040204" pitchFamily="34" charset="0"/>
+              </a:rPr>
+              <a:t>具体的命令实现</a:t>
+            </a:r>
+            <a:r>
+              <a:rPr lang="zh-CN" altLang="en-US" sz="1200" dirty="0">
+                <a:solidFill>
+                  <a:srgbClr val="000000"/>
+                </a:solidFill>
+                <a:latin typeface="Verdana" panose="020B0604030504040204" pitchFamily="34" charset="0"/>
+              </a:rPr>
+              <a:t>，在这里它绑定了</a:t>
+            </a:r>
+            <a:r>
+              <a:rPr lang="zh-CN" altLang="en-US" sz="1200" dirty="0">
+                <a:solidFill>
+                  <a:srgbClr val="FF0000"/>
+                </a:solidFill>
+                <a:latin typeface="Verdana" panose="020B0604030504040204" pitchFamily="34" charset="0"/>
+              </a:rPr>
+              <a:t>命令操作</a:t>
+            </a:r>
+            <a:r>
+              <a:rPr lang="zh-CN" altLang="en-US" sz="1200" dirty="0">
+                <a:solidFill>
+                  <a:srgbClr val="000000"/>
+                </a:solidFill>
+                <a:latin typeface="Verdana" panose="020B0604030504040204" pitchFamily="34" charset="0"/>
+              </a:rPr>
+              <a:t>与</a:t>
+            </a:r>
+            <a:r>
+              <a:rPr lang="zh-CN" altLang="en-US" sz="1200" dirty="0">
+                <a:solidFill>
+                  <a:srgbClr val="FF0000"/>
+                </a:solidFill>
+                <a:latin typeface="Verdana" panose="020B0604030504040204" pitchFamily="34" charset="0"/>
+              </a:rPr>
+              <a:t>接收者</a:t>
+            </a:r>
+            <a:r>
+              <a:rPr lang="zh-CN" altLang="en-US" sz="1200" dirty="0">
+                <a:solidFill>
+                  <a:srgbClr val="000000"/>
+                </a:solidFill>
+                <a:latin typeface="Verdana" panose="020B0604030504040204" pitchFamily="34" charset="0"/>
+              </a:rPr>
+              <a:t>之间的关系，</a:t>
+            </a:r>
+            <a:r>
+              <a:rPr lang="en-US" altLang="zh-CN" sz="1200" dirty="0">
+                <a:solidFill>
+                  <a:srgbClr val="000000"/>
+                </a:solidFill>
+                <a:latin typeface="Verdana" panose="020B0604030504040204" pitchFamily="34" charset="0"/>
+              </a:rPr>
+              <a:t>execute </a:t>
+            </a:r>
+            <a:r>
+              <a:rPr lang="zh-CN" altLang="en-US" sz="1200" dirty="0">
+                <a:solidFill>
+                  <a:srgbClr val="000000"/>
+                </a:solidFill>
+                <a:latin typeface="Verdana" panose="020B0604030504040204" pitchFamily="34" charset="0"/>
+              </a:rPr>
+              <a:t>命令的实现委托给了 </a:t>
+            </a:r>
+            <a:r>
+              <a:rPr lang="en-US" altLang="zh-CN" sz="1200" dirty="0">
+                <a:solidFill>
+                  <a:srgbClr val="000000"/>
+                </a:solidFill>
+                <a:latin typeface="Verdana" panose="020B0604030504040204" pitchFamily="34" charset="0"/>
+              </a:rPr>
+              <a:t>Receiver </a:t>
+            </a:r>
+            <a:r>
+              <a:rPr lang="zh-CN" altLang="en-US" sz="1200" dirty="0">
+                <a:solidFill>
+                  <a:srgbClr val="000000"/>
+                </a:solidFill>
+                <a:latin typeface="Verdana" panose="020B0604030504040204" pitchFamily="34" charset="0"/>
+              </a:rPr>
+              <a:t>的 </a:t>
+            </a:r>
+            <a:r>
+              <a:rPr lang="en-US" altLang="zh-CN" sz="1200" dirty="0">
+                <a:solidFill>
+                  <a:srgbClr val="000000"/>
+                </a:solidFill>
+                <a:latin typeface="Verdana" panose="020B0604030504040204" pitchFamily="34" charset="0"/>
+              </a:rPr>
+              <a:t>action </a:t>
+            </a:r>
+            <a:r>
+              <a:rPr lang="zh-CN" altLang="en-US" sz="1200" dirty="0">
+                <a:solidFill>
+                  <a:srgbClr val="000000"/>
+                </a:solidFill>
+                <a:latin typeface="Verdana" panose="020B0604030504040204" pitchFamily="34" charset="0"/>
+              </a:rPr>
+              <a:t>函数。</a:t>
+            </a:r>
+          </a:p>
+          <a:p>
+            <a:pPr>
+              <a:buFont typeface="Arial" panose="020B0604020202020204" pitchFamily="34" charset="0"/>
+              <a:buChar char="•"/>
+            </a:pPr>
+            <a:r>
+              <a:rPr lang="en-US" altLang="zh-CN" sz="1200" dirty="0">
+                <a:solidFill>
+                  <a:srgbClr val="000000"/>
+                </a:solidFill>
+                <a:latin typeface="Verdana" panose="020B0604030504040204" pitchFamily="34" charset="0"/>
+              </a:rPr>
+              <a:t>Invoker</a:t>
+            </a:r>
+            <a:r>
+              <a:rPr lang="zh-CN" altLang="en-US" sz="1200" dirty="0">
+                <a:solidFill>
+                  <a:srgbClr val="000000"/>
+                </a:solidFill>
+                <a:latin typeface="Verdana" panose="020B0604030504040204" pitchFamily="34" charset="0"/>
+              </a:rPr>
+              <a:t>：</a:t>
+            </a:r>
+            <a:r>
+              <a:rPr lang="zh-CN" altLang="en-US" sz="1200" dirty="0">
+                <a:solidFill>
+                  <a:srgbClr val="FF0000"/>
+                </a:solidFill>
+                <a:latin typeface="Verdana" panose="020B0604030504040204" pitchFamily="34" charset="0"/>
+              </a:rPr>
+              <a:t>调用者</a:t>
+            </a:r>
+            <a:r>
+              <a:rPr lang="zh-CN" altLang="en-US" sz="1200" dirty="0">
+                <a:solidFill>
+                  <a:srgbClr val="000000"/>
+                </a:solidFill>
+                <a:latin typeface="Verdana" panose="020B0604030504040204" pitchFamily="34" charset="0"/>
+              </a:rPr>
+              <a:t>，它持有一个命令对象，并且可以在需要的时候通过命令对象完成具体的业务逻辑。</a:t>
+            </a:r>
+            <a:endParaRPr lang="zh-CN" altLang="en-US" sz="1200" b="0" i="0" dirty="0">
+              <a:solidFill>
+                <a:srgbClr val="000000"/>
+              </a:solidFill>
+              <a:effectLst/>
+              <a:latin typeface="Verdana" panose="020B0604030504040204" pitchFamily="34" charset="0"/>
+            </a:endParaRPr>
+          </a:p>
+        </p:txBody>
+      </p:sp>
+      <p:grpSp>
+        <p:nvGrpSpPr>
+          <p:cNvPr id="61" name="组合 60">
+            <a:extLst>
+              <a:ext uri="{FF2B5EF4-FFF2-40B4-BE49-F238E27FC236}">
+                <a16:creationId xmlns:a16="http://schemas.microsoft.com/office/drawing/2014/main" id="{6BE37A91-3395-4B3C-9CF9-442CDC489829}"/>
+              </a:ext>
+            </a:extLst>
+          </p:cNvPr>
+          <p:cNvGrpSpPr/>
+          <p:nvPr/>
+        </p:nvGrpSpPr>
+        <p:grpSpPr>
+          <a:xfrm>
+            <a:off x="544149" y="1451294"/>
+            <a:ext cx="11310748" cy="5158672"/>
+            <a:chOff x="544149" y="1451294"/>
+            <a:chExt cx="11310748" cy="5158672"/>
+          </a:xfrm>
+        </p:grpSpPr>
+        <p:grpSp>
+          <p:nvGrpSpPr>
+            <p:cNvPr id="9" name="组合 8">
+              <a:extLst>
+                <a:ext uri="{FF2B5EF4-FFF2-40B4-BE49-F238E27FC236}">
+                  <a16:creationId xmlns:a16="http://schemas.microsoft.com/office/drawing/2014/main" id="{FAA7540A-9385-46C9-95CD-A6B24B83A2DA}"/>
+                </a:ext>
+              </a:extLst>
+            </p:cNvPr>
+            <p:cNvGrpSpPr/>
+            <p:nvPr/>
+          </p:nvGrpSpPr>
+          <p:grpSpPr>
+            <a:xfrm>
+              <a:off x="547323" y="1451294"/>
+              <a:ext cx="2743202" cy="897623"/>
+              <a:chOff x="1216404" y="2147581"/>
+              <a:chExt cx="1562606" cy="545285"/>
+            </a:xfrm>
+          </p:grpSpPr>
+          <p:sp>
+            <p:nvSpPr>
+              <p:cNvPr id="7" name="矩形 6">
+                <a:extLst>
+                  <a:ext uri="{FF2B5EF4-FFF2-40B4-BE49-F238E27FC236}">
+                    <a16:creationId xmlns:a16="http://schemas.microsoft.com/office/drawing/2014/main" id="{DA5B5C6E-0A7D-4AD4-B5FF-4808B9DAB118}"/>
+                  </a:ext>
+                </a:extLst>
+              </p:cNvPr>
+              <p:cNvSpPr/>
+              <p:nvPr/>
+            </p:nvSpPr>
+            <p:spPr>
+              <a:xfrm>
+                <a:off x="1216404" y="2147581"/>
+                <a:ext cx="1562606" cy="545285"/>
+              </a:xfrm>
+              <a:prstGeom prst="rect">
+                <a:avLst/>
+              </a:prstGeom>
+              <a:solidFill>
+                <a:srgbClr val="00B050"/>
+              </a:solidFill>
+              <a:ln>
+                <a:solidFill>
+                  <a:srgbClr val="00B050"/>
+                </a:solidFill>
+              </a:ln>
+            </p:spPr>
+            <p:style>
+              <a:lnRef idx="2">
+                <a:schemeClr val="accent1">
+                  <a:shade val="50000"/>
+                </a:schemeClr>
+              </a:lnRef>
+              <a:fillRef idx="1">
+                <a:schemeClr val="accent1"/>
+              </a:fillRef>
+              <a:effectRef idx="0">
+                <a:schemeClr val="accent1"/>
+              </a:effectRef>
+              <a:fontRef idx="minor">
+                <a:schemeClr val="lt1"/>
+              </a:fontRef>
+            </p:style>
+            <p:txBody>
+              <a:bodyPr rtlCol="0" anchor="ctr"/>
+              <a:lstStyle/>
+              <a:p>
+                <a:pPr algn="ctr"/>
+                <a:r>
+                  <a:rPr lang="en-US" altLang="zh-CN" sz="1200" b="1" dirty="0"/>
+                  <a:t>Command </a:t>
+                </a:r>
+                <a:r>
+                  <a:rPr lang="zh-CN" altLang="en-US" sz="1200" b="1" dirty="0"/>
+                  <a:t>（接口）</a:t>
+                </a:r>
+                <a:endParaRPr lang="en-US" altLang="zh-CN" sz="1200" b="1" dirty="0"/>
+              </a:p>
+              <a:p>
+                <a:pPr algn="ctr"/>
+                <a:endParaRPr lang="en-US" altLang="zh-CN" sz="1200" dirty="0"/>
+              </a:p>
+              <a:p>
+                <a:pPr algn="ctr"/>
+                <a:endParaRPr lang="zh-CN" altLang="en-US" sz="1200" dirty="0"/>
+              </a:p>
+            </p:txBody>
+          </p:sp>
+          <p:sp>
+            <p:nvSpPr>
+              <p:cNvPr id="8" name="矩形 7">
+                <a:extLst>
+                  <a:ext uri="{FF2B5EF4-FFF2-40B4-BE49-F238E27FC236}">
+                    <a16:creationId xmlns:a16="http://schemas.microsoft.com/office/drawing/2014/main" id="{A59E4049-11EE-4661-BDD6-6316D6EEA3C9}"/>
+                  </a:ext>
+                </a:extLst>
+              </p:cNvPr>
+              <p:cNvSpPr/>
+              <p:nvPr/>
+            </p:nvSpPr>
+            <p:spPr>
+              <a:xfrm>
+                <a:off x="1262211" y="2430771"/>
+                <a:ext cx="1466446" cy="193031"/>
+              </a:xfrm>
+              <a:prstGeom prst="rect">
+                <a:avLst/>
+              </a:prstGeom>
+              <a:solidFill>
+                <a:srgbClr val="002060"/>
+              </a:solidFill>
+            </p:spPr>
+            <p:style>
+              <a:lnRef idx="0">
+                <a:schemeClr val="accent5"/>
+              </a:lnRef>
+              <a:fillRef idx="3">
+                <a:schemeClr val="accent5"/>
+              </a:fillRef>
+              <a:effectRef idx="3">
+                <a:schemeClr val="accent5"/>
+              </a:effectRef>
+              <a:fontRef idx="minor">
+                <a:schemeClr val="lt1"/>
+              </a:fontRef>
+            </p:style>
+            <p:txBody>
+              <a:bodyPr rtlCol="0" anchor="ctr"/>
+              <a:lstStyle/>
+              <a:p>
+                <a:r>
+                  <a:rPr lang="en-US" altLang="zh-CN" sz="1100" dirty="0"/>
+                  <a:t>public void execute</a:t>
+                </a:r>
+                <a:r>
+                  <a:rPr lang="en-US" altLang="zh-CN" sz="1200" dirty="0"/>
+                  <a:t>();</a:t>
+                </a:r>
+                <a:endParaRPr lang="zh-CN" altLang="en-US" sz="1200" dirty="0"/>
+              </a:p>
+            </p:txBody>
+          </p:sp>
+        </p:grpSp>
+        <p:grpSp>
+          <p:nvGrpSpPr>
+            <p:cNvPr id="16" name="组合 15">
+              <a:extLst>
+                <a:ext uri="{FF2B5EF4-FFF2-40B4-BE49-F238E27FC236}">
+                  <a16:creationId xmlns:a16="http://schemas.microsoft.com/office/drawing/2014/main" id="{0D3912E2-EA6C-4EA7-9EB2-5CDBCA375029}"/>
+                </a:ext>
+              </a:extLst>
+            </p:cNvPr>
+            <p:cNvGrpSpPr/>
+            <p:nvPr/>
+          </p:nvGrpSpPr>
+          <p:grpSpPr>
+            <a:xfrm>
+              <a:off x="544149" y="2815091"/>
+              <a:ext cx="2755162" cy="1982077"/>
+              <a:chOff x="1216404" y="3156357"/>
+              <a:chExt cx="2223082" cy="545285"/>
+            </a:xfrm>
+          </p:grpSpPr>
+          <p:sp>
+            <p:nvSpPr>
+              <p:cNvPr id="11" name="矩形 10">
+                <a:extLst>
+                  <a:ext uri="{FF2B5EF4-FFF2-40B4-BE49-F238E27FC236}">
+                    <a16:creationId xmlns:a16="http://schemas.microsoft.com/office/drawing/2014/main" id="{C63D80C0-915C-4680-8D05-65F286147679}"/>
+                  </a:ext>
+                </a:extLst>
+              </p:cNvPr>
+              <p:cNvSpPr/>
+              <p:nvPr/>
+            </p:nvSpPr>
+            <p:spPr>
+              <a:xfrm>
+                <a:off x="1216404" y="3156357"/>
+                <a:ext cx="2223082" cy="545285"/>
+              </a:xfrm>
+              <a:prstGeom prst="rect">
+                <a:avLst/>
+              </a:prstGeom>
+              <a:solidFill>
+                <a:srgbClr val="00B050"/>
+              </a:solidFill>
+              <a:ln>
+                <a:solidFill>
+                  <a:srgbClr val="00B050"/>
+                </a:solidFill>
+              </a:ln>
+            </p:spPr>
+            <p:style>
+              <a:lnRef idx="2">
+                <a:schemeClr val="accent1">
+                  <a:shade val="50000"/>
+                </a:schemeClr>
+              </a:lnRef>
+              <a:fillRef idx="1">
+                <a:schemeClr val="accent1"/>
+              </a:fillRef>
+              <a:effectRef idx="0">
+                <a:schemeClr val="accent1"/>
+              </a:effectRef>
+              <a:fontRef idx="minor">
+                <a:schemeClr val="lt1"/>
+              </a:fontRef>
+            </p:style>
+            <p:txBody>
+              <a:bodyPr rtlCol="0" anchor="ctr"/>
+              <a:lstStyle/>
+              <a:p>
+                <a:pPr algn="ctr"/>
+                <a:r>
+                  <a:rPr lang="en-US" altLang="zh-CN" sz="1200" b="1" dirty="0" err="1"/>
+                  <a:t>CommandImpl</a:t>
+                </a:r>
+                <a:r>
+                  <a:rPr lang="zh-CN" altLang="en-US" sz="1200" b="1" dirty="0"/>
+                  <a:t>（接口实现）</a:t>
+                </a:r>
+                <a:endParaRPr lang="en-US" altLang="zh-CN" sz="1200" b="1" dirty="0"/>
+              </a:p>
+              <a:p>
+                <a:pPr algn="ctr"/>
+                <a:endParaRPr lang="en-US" altLang="zh-CN" sz="1200" dirty="0"/>
+              </a:p>
+              <a:p>
+                <a:pPr algn="ctr"/>
+                <a:endParaRPr lang="en-US" altLang="zh-CN" sz="1200" dirty="0"/>
+              </a:p>
+              <a:p>
+                <a:pPr algn="ctr"/>
+                <a:endParaRPr lang="en-US" altLang="zh-CN" sz="1200" dirty="0"/>
+              </a:p>
+              <a:p>
+                <a:pPr algn="ctr"/>
+                <a:endParaRPr lang="en-US" altLang="zh-CN" sz="1200" dirty="0"/>
+              </a:p>
+              <a:p>
+                <a:pPr algn="ctr"/>
+                <a:endParaRPr lang="en-US" altLang="zh-CN" sz="1200" dirty="0"/>
+              </a:p>
+              <a:p>
+                <a:pPr algn="ctr"/>
+                <a:endParaRPr lang="en-US" altLang="zh-CN" sz="1200" dirty="0"/>
+              </a:p>
+              <a:p>
+                <a:pPr algn="ctr"/>
+                <a:endParaRPr lang="en-US" altLang="zh-CN" sz="1200" dirty="0"/>
+              </a:p>
+              <a:p>
+                <a:pPr algn="ctr"/>
+                <a:endParaRPr lang="en-US" altLang="zh-CN" sz="1200" dirty="0"/>
+              </a:p>
+              <a:p>
+                <a:pPr algn="ctr"/>
+                <a:endParaRPr lang="zh-CN" altLang="en-US" sz="1200" dirty="0"/>
+              </a:p>
+            </p:txBody>
+          </p:sp>
+          <p:sp>
+            <p:nvSpPr>
+              <p:cNvPr id="12" name="矩形 11">
+                <a:extLst>
+                  <a:ext uri="{FF2B5EF4-FFF2-40B4-BE49-F238E27FC236}">
+                    <a16:creationId xmlns:a16="http://schemas.microsoft.com/office/drawing/2014/main" id="{6FCA1B85-CE6D-4170-9BC2-CE977743576D}"/>
+                  </a:ext>
+                </a:extLst>
+              </p:cNvPr>
+              <p:cNvSpPr/>
+              <p:nvPr/>
+            </p:nvSpPr>
+            <p:spPr>
+              <a:xfrm>
+                <a:off x="1268655" y="3262785"/>
+                <a:ext cx="2092740" cy="128938"/>
+              </a:xfrm>
+              <a:prstGeom prst="rect">
+                <a:avLst/>
+              </a:prstGeom>
+              <a:solidFill>
+                <a:srgbClr val="FF0000"/>
+              </a:solidFill>
+            </p:spPr>
+            <p:style>
+              <a:lnRef idx="0">
+                <a:schemeClr val="accent5"/>
+              </a:lnRef>
+              <a:fillRef idx="3">
+                <a:schemeClr val="accent5"/>
+              </a:fillRef>
+              <a:effectRef idx="3">
+                <a:schemeClr val="accent5"/>
+              </a:effectRef>
+              <a:fontRef idx="minor">
+                <a:schemeClr val="lt1"/>
+              </a:fontRef>
+            </p:style>
+            <p:txBody>
+              <a:bodyPr rtlCol="0" anchor="ctr"/>
+              <a:lstStyle/>
+              <a:p>
+                <a:pPr algn="ctr"/>
+                <a:r>
+                  <a:rPr lang="en-US" altLang="zh-CN" sz="1200" dirty="0">
+                    <a:solidFill>
+                      <a:srgbClr val="000000"/>
+                    </a:solidFill>
+                    <a:latin typeface="Courier New" panose="02070309020205020404" pitchFamily="49" charset="0"/>
+                    <a:cs typeface="Courier New" panose="02070309020205020404" pitchFamily="49" charset="0"/>
+                  </a:rPr>
+                  <a:t>private R</a:t>
+                </a:r>
+                <a:r>
+                  <a:rPr lang="zh-CN" altLang="zh-CN" sz="1200" dirty="0">
+                    <a:solidFill>
+                      <a:srgbClr val="000000"/>
+                    </a:solidFill>
+                    <a:latin typeface="Courier New" panose="02070309020205020404" pitchFamily="49" charset="0"/>
+                    <a:cs typeface="Courier New" panose="02070309020205020404" pitchFamily="49" charset="0"/>
+                  </a:rPr>
+                  <a:t>eceiver</a:t>
+                </a:r>
+                <a:r>
+                  <a:rPr lang="en-US" altLang="zh-CN" sz="1200" dirty="0">
+                    <a:solidFill>
+                      <a:srgbClr val="000000"/>
+                    </a:solidFill>
+                    <a:latin typeface="Courier New" panose="02070309020205020404" pitchFamily="49" charset="0"/>
+                    <a:cs typeface="Courier New" panose="02070309020205020404" pitchFamily="49" charset="0"/>
+                  </a:rPr>
+                  <a:t> receiver;</a:t>
+                </a:r>
+                <a:endParaRPr lang="zh-CN" altLang="en-US" sz="1200" dirty="0"/>
+              </a:p>
+            </p:txBody>
+          </p:sp>
+          <p:sp>
+            <p:nvSpPr>
+              <p:cNvPr id="13" name="矩形 12">
+                <a:extLst>
+                  <a:ext uri="{FF2B5EF4-FFF2-40B4-BE49-F238E27FC236}">
+                    <a16:creationId xmlns:a16="http://schemas.microsoft.com/office/drawing/2014/main" id="{712F4976-C898-4F99-A6BE-CB300A33D537}"/>
+                  </a:ext>
+                </a:extLst>
+              </p:cNvPr>
+              <p:cNvSpPr/>
+              <p:nvPr/>
+            </p:nvSpPr>
+            <p:spPr>
+              <a:xfrm>
+                <a:off x="1268654" y="3413652"/>
+                <a:ext cx="2092741" cy="256570"/>
+              </a:xfrm>
+              <a:prstGeom prst="rect">
+                <a:avLst/>
+              </a:prstGeom>
+              <a:solidFill>
+                <a:srgbClr val="002060"/>
+              </a:solidFill>
+            </p:spPr>
+            <p:style>
+              <a:lnRef idx="0">
+                <a:schemeClr val="accent5"/>
+              </a:lnRef>
+              <a:fillRef idx="3">
+                <a:schemeClr val="accent5"/>
+              </a:fillRef>
+              <a:effectRef idx="3">
+                <a:schemeClr val="accent5"/>
+              </a:effectRef>
+              <a:fontRef idx="minor">
+                <a:schemeClr val="lt1"/>
+              </a:fontRef>
+            </p:style>
+            <p:txBody>
+              <a:bodyPr rtlCol="0" anchor="ctr"/>
+              <a:lstStyle/>
+              <a:p>
+                <a:r>
+                  <a:rPr lang="en-US" altLang="zh-CN" sz="1100" dirty="0"/>
+                  <a:t>@Override</a:t>
+                </a:r>
+              </a:p>
+              <a:p>
+                <a:r>
+                  <a:rPr lang="en-US" altLang="zh-CN" sz="1100" dirty="0"/>
+                  <a:t>public </a:t>
+                </a:r>
+                <a:r>
+                  <a:rPr lang="en-US" altLang="zh-CN" sz="1100" dirty="0" err="1"/>
+                  <a:t>voide</a:t>
+                </a:r>
+                <a:r>
+                  <a:rPr lang="en-US" altLang="zh-CN" sz="1100" dirty="0"/>
+                  <a:t> execute</a:t>
+                </a:r>
+                <a:r>
+                  <a:rPr lang="en-US" altLang="zh-CN" sz="1200" dirty="0"/>
+                  <a:t>()</a:t>
+                </a:r>
+              </a:p>
+              <a:p>
+                <a:r>
+                  <a:rPr lang="en-US" altLang="zh-CN" sz="1200" dirty="0"/>
+                  <a:t>{</a:t>
+                </a:r>
+              </a:p>
+              <a:p>
+                <a:r>
+                  <a:rPr lang="en-US" altLang="zh-CN" sz="1200" dirty="0"/>
+                  <a:t>    </a:t>
+                </a:r>
+                <a:r>
+                  <a:rPr lang="en-US" altLang="zh-CN" sz="1200" dirty="0" err="1"/>
+                  <a:t>this.receiver.active</a:t>
+                </a:r>
+                <a:r>
+                  <a:rPr lang="en-US" altLang="zh-CN" sz="1200" dirty="0"/>
+                  <a:t>();</a:t>
+                </a:r>
+              </a:p>
+              <a:p>
+                <a:r>
+                  <a:rPr lang="en-US" altLang="zh-CN" sz="1200" dirty="0"/>
+                  <a:t>}</a:t>
+                </a:r>
+                <a:endParaRPr lang="zh-CN" altLang="en-US" sz="1200" dirty="0"/>
+              </a:p>
+            </p:txBody>
+          </p:sp>
+        </p:grpSp>
+        <p:cxnSp>
+          <p:nvCxnSpPr>
+            <p:cNvPr id="18" name="连接符: 肘形 17">
+              <a:extLst>
+                <a:ext uri="{FF2B5EF4-FFF2-40B4-BE49-F238E27FC236}">
+                  <a16:creationId xmlns:a16="http://schemas.microsoft.com/office/drawing/2014/main" id="{65A27B0E-7929-421C-87F7-C123F14F79C0}"/>
+                </a:ext>
+              </a:extLst>
+            </p:cNvPr>
+            <p:cNvCxnSpPr>
+              <a:cxnSpLocks/>
+              <a:stCxn id="11" idx="0"/>
+              <a:endCxn id="7" idx="2"/>
+            </p:cNvCxnSpPr>
+            <p:nvPr/>
+          </p:nvCxnSpPr>
+          <p:spPr>
+            <a:xfrm rot="16200000" flipV="1">
+              <a:off x="1687240" y="2580601"/>
+              <a:ext cx="466174" cy="2806"/>
+            </a:xfrm>
+            <a:prstGeom prst="bentConnector3">
+              <a:avLst/>
+            </a:prstGeom>
+            <a:ln w="12700">
+              <a:solidFill>
+                <a:srgbClr val="002060"/>
+              </a:solidFill>
+              <a:prstDash val="dash"/>
+              <a:tailEnd type="triangle"/>
+            </a:ln>
+          </p:spPr>
+          <p:style>
+            <a:lnRef idx="1">
+              <a:schemeClr val="accent1"/>
+            </a:lnRef>
+            <a:fillRef idx="0">
+              <a:schemeClr val="accent1"/>
+            </a:fillRef>
+            <a:effectRef idx="0">
+              <a:schemeClr val="accent1"/>
+            </a:effectRef>
+            <a:fontRef idx="minor">
+              <a:schemeClr val="tx1"/>
+            </a:fontRef>
+          </p:style>
+        </p:cxnSp>
+        <p:grpSp>
+          <p:nvGrpSpPr>
+            <p:cNvPr id="34" name="组合 33">
+              <a:extLst>
+                <a:ext uri="{FF2B5EF4-FFF2-40B4-BE49-F238E27FC236}">
+                  <a16:creationId xmlns:a16="http://schemas.microsoft.com/office/drawing/2014/main" id="{7932E83D-015F-4342-B07C-A433062566E8}"/>
+                </a:ext>
+              </a:extLst>
+            </p:cNvPr>
+            <p:cNvGrpSpPr/>
+            <p:nvPr/>
+          </p:nvGrpSpPr>
+          <p:grpSpPr>
+            <a:xfrm>
+              <a:off x="544149" y="5278615"/>
+              <a:ext cx="2749550" cy="1331351"/>
+              <a:chOff x="1206880" y="5060501"/>
+              <a:chExt cx="2749550" cy="1331351"/>
+            </a:xfrm>
+          </p:grpSpPr>
+          <p:sp>
+            <p:nvSpPr>
+              <p:cNvPr id="20" name="矩形 19">
+                <a:extLst>
+                  <a:ext uri="{FF2B5EF4-FFF2-40B4-BE49-F238E27FC236}">
+                    <a16:creationId xmlns:a16="http://schemas.microsoft.com/office/drawing/2014/main" id="{170C605B-82F8-4F6A-83FC-297C5C963E31}"/>
+                  </a:ext>
+                </a:extLst>
+              </p:cNvPr>
+              <p:cNvSpPr/>
+              <p:nvPr/>
+            </p:nvSpPr>
+            <p:spPr>
+              <a:xfrm>
+                <a:off x="1206880" y="5060501"/>
+                <a:ext cx="2749550" cy="1331351"/>
+              </a:xfrm>
+              <a:prstGeom prst="rect">
+                <a:avLst/>
+              </a:prstGeom>
+              <a:solidFill>
+                <a:srgbClr val="FF0000"/>
+              </a:solidFill>
+              <a:ln>
+                <a:solidFill>
+                  <a:srgbClr val="FF0000"/>
+                </a:solidFill>
+              </a:ln>
+            </p:spPr>
+            <p:style>
+              <a:lnRef idx="2">
+                <a:schemeClr val="accent1">
+                  <a:shade val="50000"/>
+                </a:schemeClr>
+              </a:lnRef>
+              <a:fillRef idx="1">
+                <a:schemeClr val="accent1"/>
+              </a:fillRef>
+              <a:effectRef idx="0">
+                <a:schemeClr val="accent1"/>
+              </a:effectRef>
+              <a:fontRef idx="minor">
+                <a:schemeClr val="lt1"/>
+              </a:fontRef>
+            </p:style>
+            <p:txBody>
+              <a:bodyPr rtlCol="0" anchor="ctr"/>
+              <a:lstStyle/>
+              <a:p>
+                <a:pPr algn="ctr"/>
+                <a:r>
+                  <a:rPr lang="en-US" altLang="zh-CN" sz="1200" b="1" dirty="0">
+                    <a:solidFill>
+                      <a:schemeClr val="bg1"/>
+                    </a:solidFill>
+                  </a:rPr>
+                  <a:t>Receiver</a:t>
+                </a:r>
+                <a:r>
+                  <a:rPr lang="zh-CN" altLang="en-US" sz="1200" b="1" dirty="0">
+                    <a:solidFill>
+                      <a:schemeClr val="bg1"/>
+                    </a:solidFill>
+                  </a:rPr>
+                  <a:t>（接收者）</a:t>
+                </a:r>
+                <a:endParaRPr lang="en-US" altLang="zh-CN" sz="1200" b="1" dirty="0">
+                  <a:solidFill>
+                    <a:schemeClr val="bg1"/>
+                  </a:solidFill>
+                </a:endParaRPr>
+              </a:p>
+              <a:p>
+                <a:pPr algn="ctr"/>
+                <a:endParaRPr lang="en-US" altLang="zh-CN" sz="1200" b="1" dirty="0">
+                  <a:solidFill>
+                    <a:schemeClr val="bg1"/>
+                  </a:solidFill>
+                </a:endParaRPr>
+              </a:p>
+              <a:p>
+                <a:pPr algn="ctr"/>
+                <a:endParaRPr lang="en-US" altLang="zh-CN" sz="1200" dirty="0">
+                  <a:solidFill>
+                    <a:schemeClr val="tx1"/>
+                  </a:solidFill>
+                </a:endParaRPr>
+              </a:p>
+              <a:p>
+                <a:pPr algn="ctr"/>
+                <a:endParaRPr lang="en-US" altLang="zh-CN" sz="1200" dirty="0">
+                  <a:solidFill>
+                    <a:schemeClr val="tx1"/>
+                  </a:solidFill>
+                </a:endParaRPr>
+              </a:p>
+              <a:p>
+                <a:pPr algn="ctr"/>
+                <a:r>
+                  <a:rPr lang="zh-CN" altLang="en-US" sz="1200" dirty="0">
+                    <a:solidFill>
+                      <a:schemeClr val="tx1"/>
+                    </a:solidFill>
+                  </a:rPr>
+                  <a:t>（）</a:t>
+                </a:r>
+                <a:endParaRPr lang="en-US" altLang="zh-CN" sz="1200" dirty="0">
+                  <a:solidFill>
+                    <a:schemeClr val="tx1"/>
+                  </a:solidFill>
+                </a:endParaRPr>
+              </a:p>
+              <a:p>
+                <a:pPr algn="ctr"/>
+                <a:endParaRPr lang="zh-CN" altLang="en-US" sz="1200" dirty="0">
+                  <a:solidFill>
+                    <a:schemeClr val="tx1"/>
+                  </a:solidFill>
+                </a:endParaRPr>
+              </a:p>
+            </p:txBody>
+          </p:sp>
+          <p:sp>
+            <p:nvSpPr>
+              <p:cNvPr id="22" name="矩形 21">
+                <a:extLst>
+                  <a:ext uri="{FF2B5EF4-FFF2-40B4-BE49-F238E27FC236}">
+                    <a16:creationId xmlns:a16="http://schemas.microsoft.com/office/drawing/2014/main" id="{446BFC42-8C3A-4F6C-84C9-589E0534BE38}"/>
+                  </a:ext>
+                </a:extLst>
+              </p:cNvPr>
+              <p:cNvSpPr/>
+              <p:nvPr/>
+            </p:nvSpPr>
+            <p:spPr>
+              <a:xfrm>
+                <a:off x="1280878" y="5393010"/>
+                <a:ext cx="2590329" cy="907121"/>
+              </a:xfrm>
+              <a:prstGeom prst="rect">
+                <a:avLst/>
+              </a:prstGeom>
+              <a:solidFill>
+                <a:srgbClr val="002060"/>
+              </a:solidFill>
+              <a:ln/>
+            </p:spPr>
+            <p:style>
+              <a:lnRef idx="0">
+                <a:schemeClr val="accent5"/>
+              </a:lnRef>
+              <a:fillRef idx="3">
+                <a:schemeClr val="accent5"/>
+              </a:fillRef>
+              <a:effectRef idx="3">
+                <a:schemeClr val="accent5"/>
+              </a:effectRef>
+              <a:fontRef idx="minor">
+                <a:schemeClr val="lt1"/>
+              </a:fontRef>
+            </p:style>
+            <p:txBody>
+              <a:bodyPr rtlCol="0" anchor="ctr"/>
+              <a:lstStyle/>
+              <a:p>
+                <a:r>
+                  <a:rPr lang="en-US" altLang="zh-CN" sz="1100" dirty="0">
+                    <a:solidFill>
+                      <a:schemeClr val="bg1"/>
+                    </a:solidFill>
+                  </a:rPr>
+                  <a:t>public </a:t>
+                </a:r>
+                <a:r>
+                  <a:rPr lang="en-US" altLang="zh-CN" sz="1100" dirty="0" err="1">
+                    <a:solidFill>
+                      <a:schemeClr val="bg1"/>
+                    </a:solidFill>
+                  </a:rPr>
+                  <a:t>voide</a:t>
+                </a:r>
+                <a:r>
+                  <a:rPr lang="en-US" altLang="zh-CN" sz="1100" dirty="0">
+                    <a:solidFill>
+                      <a:schemeClr val="bg1"/>
+                    </a:solidFill>
+                  </a:rPr>
+                  <a:t> active</a:t>
+                </a:r>
+                <a:r>
+                  <a:rPr lang="en-US" altLang="zh-CN" sz="1200" dirty="0">
+                    <a:solidFill>
+                      <a:schemeClr val="bg1"/>
+                    </a:solidFill>
+                  </a:rPr>
+                  <a:t>()</a:t>
+                </a:r>
+              </a:p>
+              <a:p>
+                <a:r>
+                  <a:rPr lang="en-US" altLang="zh-CN" sz="1200" dirty="0">
+                    <a:solidFill>
+                      <a:schemeClr val="bg1"/>
+                    </a:solidFill>
+                  </a:rPr>
+                  <a:t>{</a:t>
+                </a:r>
+              </a:p>
+              <a:p>
+                <a:r>
+                  <a:rPr lang="en-US" altLang="zh-CN" sz="1200" dirty="0">
+                    <a:solidFill>
+                      <a:schemeClr val="bg1"/>
+                    </a:solidFill>
+                  </a:rPr>
+                  <a:t>   …do something</a:t>
+                </a:r>
+                <a:r>
+                  <a:rPr lang="zh-CN" altLang="en-US" sz="1200" dirty="0">
+                    <a:solidFill>
+                      <a:schemeClr val="bg1"/>
+                    </a:solidFill>
+                  </a:rPr>
+                  <a:t>（业务逻辑）</a:t>
+                </a:r>
+                <a:endParaRPr lang="en-US" altLang="zh-CN" sz="1200" dirty="0">
+                  <a:solidFill>
+                    <a:schemeClr val="bg1"/>
+                  </a:solidFill>
+                </a:endParaRPr>
+              </a:p>
+              <a:p>
+                <a:r>
+                  <a:rPr lang="en-US" altLang="zh-CN" sz="1200" dirty="0">
+                    <a:solidFill>
+                      <a:schemeClr val="bg1"/>
+                    </a:solidFill>
+                  </a:rPr>
+                  <a:t>}</a:t>
+                </a:r>
+                <a:endParaRPr lang="zh-CN" altLang="en-US" sz="1200" dirty="0">
+                  <a:solidFill>
+                    <a:schemeClr val="bg1"/>
+                  </a:solidFill>
+                </a:endParaRPr>
+              </a:p>
+            </p:txBody>
+          </p:sp>
+        </p:grpSp>
+        <p:cxnSp>
+          <p:nvCxnSpPr>
+            <p:cNvPr id="25" name="连接符: 肘形 24">
+              <a:extLst>
+                <a:ext uri="{FF2B5EF4-FFF2-40B4-BE49-F238E27FC236}">
+                  <a16:creationId xmlns:a16="http://schemas.microsoft.com/office/drawing/2014/main" id="{4BF42C85-1E81-4E9E-A0E0-C1170624D752}"/>
+                </a:ext>
+              </a:extLst>
+            </p:cNvPr>
+            <p:cNvCxnSpPr>
+              <a:cxnSpLocks/>
+              <a:stCxn id="12" idx="1"/>
+              <a:endCxn id="20" idx="1"/>
+            </p:cNvCxnSpPr>
+            <p:nvPr/>
+          </p:nvCxnSpPr>
+          <p:spPr>
+            <a:xfrm rot="10800000" flipV="1">
+              <a:off x="544150" y="3436291"/>
+              <a:ext cx="64757" cy="2508000"/>
+            </a:xfrm>
+            <a:prstGeom prst="bentConnector3">
+              <a:avLst>
+                <a:gd name="adj1" fmla="val 453012"/>
+              </a:avLst>
+            </a:prstGeom>
+            <a:ln w="12700">
+              <a:solidFill>
+                <a:srgbClr val="C00000"/>
+              </a:solidFill>
+              <a:tailEnd type="triangle"/>
+            </a:ln>
+          </p:spPr>
+          <p:style>
+            <a:lnRef idx="1">
+              <a:schemeClr val="accent1"/>
+            </a:lnRef>
+            <a:fillRef idx="0">
+              <a:schemeClr val="accent1"/>
+            </a:fillRef>
+            <a:effectRef idx="0">
+              <a:schemeClr val="accent1"/>
+            </a:effectRef>
+            <a:fontRef idx="minor">
+              <a:schemeClr val="tx1"/>
+            </a:fontRef>
+          </p:style>
+        </p:cxnSp>
+        <p:grpSp>
+          <p:nvGrpSpPr>
+            <p:cNvPr id="45" name="组合 44">
+              <a:extLst>
+                <a:ext uri="{FF2B5EF4-FFF2-40B4-BE49-F238E27FC236}">
+                  <a16:creationId xmlns:a16="http://schemas.microsoft.com/office/drawing/2014/main" id="{6CA9F328-D2DE-4F45-A181-7992B9126DC8}"/>
+                </a:ext>
+              </a:extLst>
+            </p:cNvPr>
+            <p:cNvGrpSpPr/>
+            <p:nvPr/>
+          </p:nvGrpSpPr>
+          <p:grpSpPr>
+            <a:xfrm>
+              <a:off x="4151244" y="2818133"/>
+              <a:ext cx="3504467" cy="2508001"/>
+              <a:chOff x="4918080" y="2815091"/>
+              <a:chExt cx="2743202" cy="1982077"/>
+            </a:xfrm>
+          </p:grpSpPr>
+          <p:grpSp>
+            <p:nvGrpSpPr>
+              <p:cNvPr id="37" name="组合 36">
+                <a:extLst>
+                  <a:ext uri="{FF2B5EF4-FFF2-40B4-BE49-F238E27FC236}">
+                    <a16:creationId xmlns:a16="http://schemas.microsoft.com/office/drawing/2014/main" id="{97619534-19CA-40ED-A416-8AA4A999AF35}"/>
+                  </a:ext>
+                </a:extLst>
+              </p:cNvPr>
+              <p:cNvGrpSpPr/>
+              <p:nvPr/>
+            </p:nvGrpSpPr>
+            <p:grpSpPr>
+              <a:xfrm>
+                <a:off x="4918080" y="2815091"/>
+                <a:ext cx="2743202" cy="1982077"/>
+                <a:chOff x="1216404" y="2147581"/>
+                <a:chExt cx="1562606" cy="1080105"/>
+              </a:xfrm>
+            </p:grpSpPr>
+            <p:sp>
+              <p:nvSpPr>
+                <p:cNvPr id="38" name="矩形 37">
+                  <a:extLst>
+                    <a:ext uri="{FF2B5EF4-FFF2-40B4-BE49-F238E27FC236}">
+                      <a16:creationId xmlns:a16="http://schemas.microsoft.com/office/drawing/2014/main" id="{FE3006F4-1033-43AC-A4FB-3371C94C62F5}"/>
+                    </a:ext>
+                  </a:extLst>
+                </p:cNvPr>
+                <p:cNvSpPr/>
+                <p:nvPr/>
+              </p:nvSpPr>
+              <p:spPr>
+                <a:xfrm>
+                  <a:off x="1216404" y="2147581"/>
+                  <a:ext cx="1562606" cy="1080105"/>
+                </a:xfrm>
+                <a:prstGeom prst="rect">
+                  <a:avLst/>
+                </a:prstGeom>
+                <a:solidFill>
+                  <a:srgbClr val="002060"/>
+                </a:solidFill>
+                <a:ln>
+                  <a:solidFill>
+                    <a:srgbClr val="002060"/>
+                  </a:solidFill>
+                </a:ln>
+              </p:spPr>
+              <p:style>
+                <a:lnRef idx="2">
+                  <a:schemeClr val="accent1">
+                    <a:shade val="50000"/>
+                  </a:schemeClr>
+                </a:lnRef>
+                <a:fillRef idx="1">
+                  <a:schemeClr val="accent1"/>
+                </a:fillRef>
+                <a:effectRef idx="0">
+                  <a:schemeClr val="accent1"/>
+                </a:effectRef>
+                <a:fontRef idx="minor">
+                  <a:schemeClr val="lt1"/>
+                </a:fontRef>
+              </p:style>
+              <p:txBody>
+                <a:bodyPr rtlCol="0" anchor="ctr"/>
+                <a:lstStyle/>
+                <a:p>
+                  <a:pPr algn="ctr"/>
+                  <a:r>
+                    <a:rPr lang="en-US" altLang="zh-CN" sz="1200" b="1" dirty="0"/>
+                    <a:t>Invoker </a:t>
+                  </a:r>
+                  <a:r>
+                    <a:rPr lang="zh-CN" altLang="en-US" sz="1200" b="1" dirty="0"/>
+                    <a:t>（客户端调用）</a:t>
+                  </a:r>
+                  <a:endParaRPr lang="en-US" altLang="zh-CN" sz="1200" b="1" dirty="0"/>
+                </a:p>
+                <a:p>
+                  <a:pPr algn="ctr"/>
+                  <a:endParaRPr lang="en-US" altLang="zh-CN" sz="1200" b="1" dirty="0"/>
+                </a:p>
+                <a:p>
+                  <a:pPr algn="ctr"/>
+                  <a:endParaRPr lang="en-US" altLang="zh-CN" sz="1200" b="1" dirty="0"/>
+                </a:p>
+                <a:p>
+                  <a:pPr algn="ctr"/>
+                  <a:endParaRPr lang="en-US" altLang="zh-CN" sz="1200" b="1" dirty="0"/>
+                </a:p>
+                <a:p>
+                  <a:pPr algn="ctr"/>
+                  <a:endParaRPr lang="en-US" altLang="zh-CN" sz="1200" b="1" dirty="0"/>
+                </a:p>
+                <a:p>
+                  <a:pPr algn="ctr"/>
+                  <a:endParaRPr lang="en-US" altLang="zh-CN" sz="1200" b="1" dirty="0"/>
+                </a:p>
+                <a:p>
+                  <a:pPr algn="ctr"/>
+                  <a:endParaRPr lang="en-US" altLang="zh-CN" sz="1200" b="1" dirty="0"/>
+                </a:p>
+                <a:p>
+                  <a:pPr algn="ctr"/>
+                  <a:endParaRPr lang="en-US" altLang="zh-CN" sz="1200" b="1" dirty="0"/>
+                </a:p>
+                <a:p>
+                  <a:pPr algn="ctr"/>
+                  <a:endParaRPr lang="en-US" altLang="zh-CN" sz="1200" b="1" dirty="0"/>
+                </a:p>
+                <a:p>
+                  <a:pPr algn="ctr"/>
+                  <a:endParaRPr lang="en-US" altLang="zh-CN" sz="1200" b="1" dirty="0"/>
+                </a:p>
+                <a:p>
+                  <a:pPr algn="ctr"/>
+                  <a:endParaRPr lang="en-US" altLang="zh-CN" sz="1200" b="1" dirty="0"/>
+                </a:p>
+                <a:p>
+                  <a:pPr algn="ctr"/>
+                  <a:endParaRPr lang="en-US" altLang="zh-CN" sz="1200" dirty="0"/>
+                </a:p>
+                <a:p>
+                  <a:pPr algn="ctr"/>
+                  <a:endParaRPr lang="zh-CN" altLang="en-US" sz="1200" dirty="0"/>
+                </a:p>
+              </p:txBody>
+            </p:sp>
+            <p:sp>
+              <p:nvSpPr>
+                <p:cNvPr id="39" name="矩形 38">
+                  <a:extLst>
+                    <a:ext uri="{FF2B5EF4-FFF2-40B4-BE49-F238E27FC236}">
+                      <a16:creationId xmlns:a16="http://schemas.microsoft.com/office/drawing/2014/main" id="{E14F5618-9BCE-47C6-B9DB-1FB3E632F493}"/>
+                    </a:ext>
+                  </a:extLst>
+                </p:cNvPr>
+                <p:cNvSpPr/>
+                <p:nvPr/>
+              </p:nvSpPr>
+              <p:spPr>
+                <a:xfrm>
+                  <a:off x="1264484" y="2793766"/>
+                  <a:ext cx="1484451" cy="351785"/>
+                </a:xfrm>
+                <a:prstGeom prst="rect">
+                  <a:avLst/>
+                </a:prstGeom>
+                <a:solidFill>
+                  <a:srgbClr val="FFC000"/>
+                </a:solidFill>
+                <a:ln>
+                  <a:solidFill>
+                    <a:srgbClr val="002060"/>
+                  </a:solidFill>
+                </a:ln>
+              </p:spPr>
+              <p:style>
+                <a:lnRef idx="0">
+                  <a:schemeClr val="accent5"/>
+                </a:lnRef>
+                <a:fillRef idx="3">
+                  <a:schemeClr val="accent5"/>
+                </a:fillRef>
+                <a:effectRef idx="3">
+                  <a:schemeClr val="accent5"/>
+                </a:effectRef>
+                <a:fontRef idx="minor">
+                  <a:schemeClr val="lt1"/>
+                </a:fontRef>
+              </p:style>
+              <p:txBody>
+                <a:bodyPr rtlCol="0" anchor="ctr"/>
+                <a:lstStyle/>
+                <a:p>
+                  <a:r>
+                    <a:rPr lang="en-US" altLang="zh-CN" sz="1100" dirty="0">
+                      <a:solidFill>
+                        <a:schemeClr val="tx1"/>
+                      </a:solidFill>
+                    </a:rPr>
+                    <a:t>public void active</a:t>
+                  </a:r>
+                  <a:r>
+                    <a:rPr lang="en-US" altLang="zh-CN" sz="1200" dirty="0">
+                      <a:solidFill>
+                        <a:schemeClr val="tx1"/>
+                      </a:solidFill>
+                    </a:rPr>
+                    <a:t>()</a:t>
+                  </a:r>
+                </a:p>
+                <a:p>
+                  <a:r>
+                    <a:rPr lang="en-US" altLang="zh-CN" sz="1200" dirty="0">
+                      <a:solidFill>
+                        <a:schemeClr val="tx1"/>
+                      </a:solidFill>
+                    </a:rPr>
+                    <a:t>{</a:t>
+                  </a:r>
+                </a:p>
+                <a:p>
+                  <a:r>
+                    <a:rPr lang="en-US" altLang="zh-CN" sz="1200" dirty="0">
+                      <a:solidFill>
+                        <a:schemeClr val="tx1"/>
+                      </a:solidFill>
+                    </a:rPr>
+                    <a:t>    </a:t>
+                  </a:r>
+                  <a:r>
+                    <a:rPr lang="en-US" altLang="zh-CN" sz="1200" dirty="0" err="1">
+                      <a:solidFill>
+                        <a:schemeClr val="tx1"/>
+                      </a:solidFill>
+                    </a:rPr>
+                    <a:t>this.command.execute</a:t>
+                  </a:r>
+                  <a:r>
+                    <a:rPr lang="en-US" altLang="zh-CN" sz="1200" dirty="0">
+                      <a:solidFill>
+                        <a:schemeClr val="tx1"/>
+                      </a:solidFill>
+                    </a:rPr>
+                    <a:t>();</a:t>
+                  </a:r>
+                </a:p>
+                <a:p>
+                  <a:r>
+                    <a:rPr lang="en-US" altLang="zh-CN" sz="1200" dirty="0">
+                      <a:solidFill>
+                        <a:schemeClr val="tx1"/>
+                      </a:solidFill>
+                    </a:rPr>
+                    <a:t>}</a:t>
+                  </a:r>
+                  <a:endParaRPr lang="zh-CN" altLang="en-US" sz="1200" dirty="0">
+                    <a:solidFill>
+                      <a:schemeClr val="tx1"/>
+                    </a:solidFill>
+                  </a:endParaRPr>
+                </a:p>
+              </p:txBody>
+            </p:sp>
+          </p:grpSp>
+          <p:sp>
+            <p:nvSpPr>
+              <p:cNvPr id="41" name="矩形 40">
+                <a:extLst>
+                  <a:ext uri="{FF2B5EF4-FFF2-40B4-BE49-F238E27FC236}">
+                    <a16:creationId xmlns:a16="http://schemas.microsoft.com/office/drawing/2014/main" id="{F98488A5-F2DC-4E39-A53F-074DDF60E045}"/>
+                  </a:ext>
+                </a:extLst>
+              </p:cNvPr>
+              <p:cNvSpPr/>
+              <p:nvPr/>
+            </p:nvSpPr>
+            <p:spPr>
+              <a:xfrm>
+                <a:off x="5014860" y="3170582"/>
+                <a:ext cx="2593624" cy="718618"/>
+              </a:xfrm>
+              <a:prstGeom prst="rect">
+                <a:avLst/>
+              </a:prstGeom>
+              <a:solidFill>
+                <a:srgbClr val="00B050"/>
+              </a:solidFill>
+            </p:spPr>
+            <p:style>
+              <a:lnRef idx="0">
+                <a:schemeClr val="accent5"/>
+              </a:lnRef>
+              <a:fillRef idx="3">
+                <a:schemeClr val="accent5"/>
+              </a:fillRef>
+              <a:effectRef idx="3">
+                <a:schemeClr val="accent5"/>
+              </a:effectRef>
+              <a:fontRef idx="minor">
+                <a:schemeClr val="lt1"/>
+              </a:fontRef>
+            </p:style>
+            <p:txBody>
+              <a:bodyPr rtlCol="0" anchor="ctr"/>
+              <a:lstStyle/>
+              <a:p>
+                <a:r>
+                  <a:rPr lang="en-US" altLang="zh-CN" sz="1200" dirty="0">
+                    <a:solidFill>
+                      <a:srgbClr val="000000"/>
+                    </a:solidFill>
+                    <a:latin typeface="Courier New" panose="02070309020205020404" pitchFamily="49" charset="0"/>
+                    <a:cs typeface="Courier New" panose="02070309020205020404" pitchFamily="49" charset="0"/>
+                  </a:rPr>
+                  <a:t>private Command </a:t>
+                </a:r>
+                <a:r>
+                  <a:rPr lang="en-US" altLang="zh-CN" sz="1200" dirty="0" err="1">
+                    <a:solidFill>
+                      <a:srgbClr val="000000"/>
+                    </a:solidFill>
+                    <a:latin typeface="Courier New" panose="02070309020205020404" pitchFamily="49" charset="0"/>
+                    <a:cs typeface="Courier New" panose="02070309020205020404" pitchFamily="49" charset="0"/>
+                  </a:rPr>
+                  <a:t>command</a:t>
+                </a:r>
+                <a:r>
+                  <a:rPr lang="en-US" altLang="zh-CN" sz="1200" dirty="0">
+                    <a:solidFill>
+                      <a:srgbClr val="000000"/>
+                    </a:solidFill>
+                    <a:latin typeface="Courier New" panose="02070309020205020404" pitchFamily="49" charset="0"/>
+                    <a:cs typeface="Courier New" panose="02070309020205020404" pitchFamily="49" charset="0"/>
+                  </a:rPr>
+                  <a:t>;</a:t>
+                </a:r>
+              </a:p>
+              <a:p>
+                <a:r>
+                  <a:rPr lang="en-US" altLang="zh-CN" sz="1200" dirty="0">
+                    <a:solidFill>
+                      <a:srgbClr val="000000"/>
+                    </a:solidFill>
+                    <a:latin typeface="Courier New" panose="02070309020205020404" pitchFamily="49" charset="0"/>
+                    <a:cs typeface="Courier New" panose="02070309020205020404" pitchFamily="49" charset="0"/>
+                  </a:rPr>
+                  <a:t>public </a:t>
+                </a:r>
+                <a:r>
+                  <a:rPr lang="en-US" altLang="zh-CN" sz="1200" dirty="0" err="1">
+                    <a:solidFill>
+                      <a:srgbClr val="000000"/>
+                    </a:solidFill>
+                    <a:latin typeface="Courier New" panose="02070309020205020404" pitchFamily="49" charset="0"/>
+                    <a:cs typeface="Courier New" panose="02070309020205020404" pitchFamily="49" charset="0"/>
+                  </a:rPr>
+                  <a:t>voide</a:t>
+                </a:r>
+                <a:r>
+                  <a:rPr lang="en-US" altLang="zh-CN" sz="1200" dirty="0">
+                    <a:solidFill>
+                      <a:srgbClr val="000000"/>
+                    </a:solidFill>
+                    <a:latin typeface="Courier New" panose="02070309020205020404" pitchFamily="49" charset="0"/>
+                    <a:cs typeface="Courier New" panose="02070309020205020404" pitchFamily="49" charset="0"/>
+                  </a:rPr>
+                  <a:t> </a:t>
+                </a:r>
+                <a:r>
+                  <a:rPr lang="en-US" altLang="zh-CN" sz="1200" dirty="0" err="1">
+                    <a:solidFill>
+                      <a:srgbClr val="000000"/>
+                    </a:solidFill>
+                    <a:latin typeface="Courier New" panose="02070309020205020404" pitchFamily="49" charset="0"/>
+                    <a:cs typeface="Courier New" panose="02070309020205020404" pitchFamily="49" charset="0"/>
+                  </a:rPr>
+                  <a:t>setCommand</a:t>
+                </a:r>
+                <a:r>
+                  <a:rPr lang="en-US" altLang="zh-CN" sz="1200" dirty="0">
+                    <a:solidFill>
+                      <a:srgbClr val="000000"/>
+                    </a:solidFill>
+                    <a:latin typeface="Courier New" panose="02070309020205020404" pitchFamily="49" charset="0"/>
+                    <a:cs typeface="Courier New" panose="02070309020205020404" pitchFamily="49" charset="0"/>
+                  </a:rPr>
+                  <a:t>(Command c)</a:t>
+                </a:r>
+              </a:p>
+              <a:p>
+                <a:r>
+                  <a:rPr lang="en-US" altLang="zh-CN" sz="1200" dirty="0">
+                    <a:solidFill>
+                      <a:srgbClr val="000000"/>
+                    </a:solidFill>
+                    <a:latin typeface="Courier New" panose="02070309020205020404" pitchFamily="49" charset="0"/>
+                    <a:cs typeface="Courier New" panose="02070309020205020404" pitchFamily="49" charset="0"/>
+                  </a:rPr>
+                  <a:t>{</a:t>
+                </a:r>
+              </a:p>
+              <a:p>
+                <a:r>
+                  <a:rPr lang="en-US" altLang="zh-CN" sz="1200" dirty="0">
+                    <a:solidFill>
+                      <a:srgbClr val="000000"/>
+                    </a:solidFill>
+                    <a:latin typeface="Courier New" panose="02070309020205020404" pitchFamily="49" charset="0"/>
+                    <a:cs typeface="Courier New" panose="02070309020205020404" pitchFamily="49" charset="0"/>
+                  </a:rPr>
+                  <a:t>  </a:t>
+                </a:r>
+                <a:r>
+                  <a:rPr lang="en-US" altLang="zh-CN" sz="1200" dirty="0" err="1">
+                    <a:solidFill>
+                      <a:srgbClr val="000000"/>
+                    </a:solidFill>
+                    <a:latin typeface="Courier New" panose="02070309020205020404" pitchFamily="49" charset="0"/>
+                    <a:cs typeface="Courier New" panose="02070309020205020404" pitchFamily="49" charset="0"/>
+                  </a:rPr>
+                  <a:t>this.command</a:t>
+                </a:r>
+                <a:r>
+                  <a:rPr lang="en-US" altLang="zh-CN" sz="1200" dirty="0">
+                    <a:solidFill>
+                      <a:srgbClr val="000000"/>
+                    </a:solidFill>
+                    <a:latin typeface="Courier New" panose="02070309020205020404" pitchFamily="49" charset="0"/>
+                    <a:cs typeface="Courier New" panose="02070309020205020404" pitchFamily="49" charset="0"/>
+                  </a:rPr>
+                  <a:t>=c;</a:t>
+                </a:r>
+              </a:p>
+              <a:p>
+                <a:r>
+                  <a:rPr lang="en-US" altLang="zh-CN" sz="1200" dirty="0">
+                    <a:solidFill>
+                      <a:srgbClr val="000000"/>
+                    </a:solidFill>
+                    <a:latin typeface="Courier New" panose="02070309020205020404" pitchFamily="49" charset="0"/>
+                    <a:cs typeface="Courier New" panose="02070309020205020404" pitchFamily="49" charset="0"/>
+                  </a:rPr>
+                  <a:t>}</a:t>
+                </a:r>
+                <a:endParaRPr lang="zh-CN" altLang="en-US" sz="1200" dirty="0"/>
+              </a:p>
+            </p:txBody>
+          </p:sp>
+        </p:grpSp>
+        <p:cxnSp>
+          <p:nvCxnSpPr>
+            <p:cNvPr id="43" name="连接符: 肘形 42">
+              <a:extLst>
+                <a:ext uri="{FF2B5EF4-FFF2-40B4-BE49-F238E27FC236}">
+                  <a16:creationId xmlns:a16="http://schemas.microsoft.com/office/drawing/2014/main" id="{1F08F54E-D458-4605-975F-0090CACD5E37}"/>
+                </a:ext>
+              </a:extLst>
+            </p:cNvPr>
+            <p:cNvCxnSpPr>
+              <a:cxnSpLocks/>
+              <a:stCxn id="38" idx="1"/>
+            </p:cNvCxnSpPr>
+            <p:nvPr/>
+          </p:nvCxnSpPr>
+          <p:spPr>
+            <a:xfrm rot="10800000">
+              <a:off x="3267290" y="3722598"/>
+              <a:ext cx="883955" cy="349536"/>
+            </a:xfrm>
+            <a:prstGeom prst="bentConnector3">
+              <a:avLst/>
+            </a:prstGeom>
+            <a:ln w="12700">
+              <a:solidFill>
+                <a:srgbClr val="002060"/>
+              </a:solidFill>
+              <a:tailEnd type="triangle"/>
+            </a:ln>
+          </p:spPr>
+          <p:style>
+            <a:lnRef idx="1">
+              <a:schemeClr val="accent1"/>
+            </a:lnRef>
+            <a:fillRef idx="0">
+              <a:schemeClr val="accent1"/>
+            </a:fillRef>
+            <a:effectRef idx="0">
+              <a:schemeClr val="accent1"/>
+            </a:effectRef>
+            <a:fontRef idx="minor">
+              <a:schemeClr val="tx1"/>
+            </a:fontRef>
+          </p:style>
+        </p:cxnSp>
+        <p:grpSp>
+          <p:nvGrpSpPr>
+            <p:cNvPr id="47" name="组合 46">
+              <a:extLst>
+                <a:ext uri="{FF2B5EF4-FFF2-40B4-BE49-F238E27FC236}">
+                  <a16:creationId xmlns:a16="http://schemas.microsoft.com/office/drawing/2014/main" id="{65AB98E7-896C-450A-B6BF-7452F1E9B3B6}"/>
+                </a:ext>
+              </a:extLst>
+            </p:cNvPr>
+            <p:cNvGrpSpPr/>
+            <p:nvPr/>
+          </p:nvGrpSpPr>
+          <p:grpSpPr>
+            <a:xfrm>
+              <a:off x="8350431" y="2818134"/>
+              <a:ext cx="3504466" cy="2508001"/>
+              <a:chOff x="1216404" y="2085344"/>
+              <a:chExt cx="1562606" cy="1080105"/>
+            </a:xfrm>
+            <a:solidFill>
+              <a:srgbClr val="00B0F0"/>
+            </a:solidFill>
+          </p:grpSpPr>
+          <p:sp>
+            <p:nvSpPr>
+              <p:cNvPr id="49" name="矩形 48">
+                <a:extLst>
+                  <a:ext uri="{FF2B5EF4-FFF2-40B4-BE49-F238E27FC236}">
+                    <a16:creationId xmlns:a16="http://schemas.microsoft.com/office/drawing/2014/main" id="{5AB2E31E-1B17-43FB-AD44-FA8E9A32780E}"/>
+                  </a:ext>
+                </a:extLst>
+              </p:cNvPr>
+              <p:cNvSpPr/>
+              <p:nvPr/>
+            </p:nvSpPr>
+            <p:spPr>
+              <a:xfrm>
+                <a:off x="1216404" y="2085344"/>
+                <a:ext cx="1562606" cy="1080105"/>
+              </a:xfrm>
+              <a:prstGeom prst="rect">
+                <a:avLst/>
+              </a:prstGeom>
+              <a:grpFill/>
+              <a:ln w="3175">
+                <a:solidFill>
+                  <a:srgbClr val="0070C0"/>
+                </a:solidFill>
+              </a:ln>
+            </p:spPr>
+            <p:style>
+              <a:lnRef idx="2">
+                <a:schemeClr val="accent1">
+                  <a:shade val="50000"/>
+                </a:schemeClr>
+              </a:lnRef>
+              <a:fillRef idx="1">
+                <a:schemeClr val="accent1"/>
+              </a:fillRef>
+              <a:effectRef idx="0">
+                <a:schemeClr val="accent1"/>
+              </a:effectRef>
+              <a:fontRef idx="minor">
+                <a:schemeClr val="lt1"/>
+              </a:fontRef>
+            </p:style>
+            <p:txBody>
+              <a:bodyPr rtlCol="0" anchor="ctr"/>
+              <a:lstStyle/>
+              <a:p>
+                <a:pPr algn="ctr"/>
+                <a:r>
+                  <a:rPr lang="en-US" altLang="zh-CN" sz="1200" b="1" dirty="0"/>
+                  <a:t>Client </a:t>
+                </a:r>
+                <a:r>
+                  <a:rPr lang="zh-CN" altLang="en-US" sz="1200" b="1" dirty="0"/>
+                  <a:t>（客户端）</a:t>
+                </a:r>
+                <a:endParaRPr lang="en-US" altLang="zh-CN" sz="1200" b="1" dirty="0"/>
+              </a:p>
+              <a:p>
+                <a:pPr algn="ctr"/>
+                <a:endParaRPr lang="en-US" altLang="zh-CN" sz="1200" b="1" dirty="0"/>
+              </a:p>
+              <a:p>
+                <a:pPr algn="ctr"/>
+                <a:endParaRPr lang="en-US" altLang="zh-CN" sz="1200" b="1" dirty="0"/>
+              </a:p>
+              <a:p>
+                <a:pPr algn="ctr"/>
+                <a:endParaRPr lang="en-US" altLang="zh-CN" sz="1200" b="1" dirty="0"/>
+              </a:p>
+              <a:p>
+                <a:pPr algn="ctr"/>
+                <a:endParaRPr lang="en-US" altLang="zh-CN" sz="1200" b="1" dirty="0"/>
+              </a:p>
+              <a:p>
+                <a:pPr algn="ctr"/>
+                <a:endParaRPr lang="en-US" altLang="zh-CN" sz="1200" b="1" dirty="0"/>
+              </a:p>
+              <a:p>
+                <a:pPr algn="ctr"/>
+                <a:endParaRPr lang="en-US" altLang="zh-CN" sz="1200" b="1" dirty="0"/>
+              </a:p>
+              <a:p>
+                <a:pPr algn="ctr"/>
+                <a:endParaRPr lang="en-US" altLang="zh-CN" sz="1200" b="1" dirty="0"/>
+              </a:p>
+              <a:p>
+                <a:pPr algn="ctr"/>
+                <a:endParaRPr lang="en-US" altLang="zh-CN" sz="1200" b="1" dirty="0"/>
+              </a:p>
+              <a:p>
+                <a:pPr algn="ctr"/>
+                <a:endParaRPr lang="en-US" altLang="zh-CN" sz="1200" b="1" dirty="0"/>
+              </a:p>
+              <a:p>
+                <a:pPr algn="ctr"/>
+                <a:endParaRPr lang="en-US" altLang="zh-CN" sz="1200" b="1" dirty="0"/>
+              </a:p>
+              <a:p>
+                <a:pPr algn="ctr"/>
+                <a:endParaRPr lang="en-US" altLang="zh-CN" sz="1200" dirty="0"/>
+              </a:p>
+              <a:p>
+                <a:pPr algn="ctr"/>
+                <a:endParaRPr lang="zh-CN" altLang="en-US" sz="1200" dirty="0"/>
+              </a:p>
+            </p:txBody>
+          </p:sp>
+          <p:sp>
+            <p:nvSpPr>
+              <p:cNvPr id="50" name="矩形 49">
+                <a:extLst>
+                  <a:ext uri="{FF2B5EF4-FFF2-40B4-BE49-F238E27FC236}">
+                    <a16:creationId xmlns:a16="http://schemas.microsoft.com/office/drawing/2014/main" id="{B91519C4-AD0D-4FFA-B726-361BE7631A15}"/>
+                  </a:ext>
+                </a:extLst>
+              </p:cNvPr>
+              <p:cNvSpPr/>
+              <p:nvPr/>
+            </p:nvSpPr>
+            <p:spPr>
+              <a:xfrm>
+                <a:off x="1264484" y="2279063"/>
+                <a:ext cx="1466446" cy="814828"/>
+              </a:xfrm>
+              <a:prstGeom prst="rect">
+                <a:avLst/>
+              </a:prstGeom>
+              <a:solidFill>
+                <a:srgbClr val="FFC000"/>
+              </a:solidFill>
+              <a:ln w="3175">
+                <a:solidFill>
+                  <a:srgbClr val="0070C0"/>
+                </a:solidFill>
+              </a:ln>
+            </p:spPr>
+            <p:style>
+              <a:lnRef idx="0">
+                <a:schemeClr val="accent5"/>
+              </a:lnRef>
+              <a:fillRef idx="3">
+                <a:schemeClr val="accent5"/>
+              </a:fillRef>
+              <a:effectRef idx="3">
+                <a:schemeClr val="accent5"/>
+              </a:effectRef>
+              <a:fontRef idx="minor">
+                <a:schemeClr val="lt1"/>
+              </a:fontRef>
+            </p:style>
+            <p:txBody>
+              <a:bodyPr rtlCol="0" anchor="ctr"/>
+              <a:lstStyle/>
+              <a:p>
+                <a:r>
+                  <a:rPr lang="en-US" altLang="zh-CN" sz="1200" dirty="0">
+                    <a:solidFill>
+                      <a:schemeClr val="tx1"/>
+                    </a:solidFill>
+                  </a:rPr>
+                  <a:t>public </a:t>
+                </a:r>
+                <a:r>
+                  <a:rPr lang="en-US" altLang="zh-CN" sz="1200" dirty="0" err="1">
+                    <a:solidFill>
+                      <a:schemeClr val="tx1"/>
+                    </a:solidFill>
+                  </a:rPr>
+                  <a:t>voide</a:t>
+                </a:r>
+                <a:r>
+                  <a:rPr lang="en-US" altLang="zh-CN" sz="1200" dirty="0">
+                    <a:solidFill>
+                      <a:schemeClr val="tx1"/>
+                    </a:solidFill>
+                  </a:rPr>
+                  <a:t> main(String[] </a:t>
+                </a:r>
+                <a:r>
+                  <a:rPr lang="en-US" altLang="zh-CN" sz="1200" dirty="0" err="1">
+                    <a:solidFill>
+                      <a:schemeClr val="tx1"/>
+                    </a:solidFill>
+                  </a:rPr>
+                  <a:t>args</a:t>
+                </a:r>
+                <a:r>
+                  <a:rPr lang="en-US" altLang="zh-CN" sz="1200" dirty="0">
+                    <a:solidFill>
+                      <a:schemeClr val="tx1"/>
+                    </a:solidFill>
+                  </a:rPr>
+                  <a:t>)</a:t>
+                </a:r>
+              </a:p>
+              <a:p>
+                <a:r>
+                  <a:rPr lang="en-US" altLang="zh-CN" sz="1200" dirty="0">
+                    <a:solidFill>
+                      <a:schemeClr val="tx1"/>
+                    </a:solidFill>
+                  </a:rPr>
+                  <a:t>{</a:t>
+                </a:r>
+              </a:p>
+              <a:p>
+                <a:r>
+                  <a:rPr lang="en-US" altLang="zh-CN" sz="1200" dirty="0">
+                    <a:solidFill>
+                      <a:schemeClr val="tx1"/>
+                    </a:solidFill>
+                  </a:rPr>
+                  <a:t>    </a:t>
+                </a:r>
+                <a:r>
+                  <a:rPr lang="en-US" altLang="zh-CN" sz="1200" dirty="0" err="1">
+                    <a:solidFill>
+                      <a:schemeClr val="tx1"/>
+                    </a:solidFill>
+                  </a:rPr>
+                  <a:t>Recevier</a:t>
+                </a:r>
+                <a:r>
+                  <a:rPr lang="en-US" altLang="zh-CN" sz="1200" dirty="0">
+                    <a:solidFill>
+                      <a:schemeClr val="tx1"/>
+                    </a:solidFill>
+                  </a:rPr>
+                  <a:t> </a:t>
+                </a:r>
+                <a:r>
+                  <a:rPr lang="en-US" altLang="zh-CN" sz="1200" dirty="0" err="1">
+                    <a:solidFill>
+                      <a:schemeClr val="tx1"/>
+                    </a:solidFill>
+                  </a:rPr>
+                  <a:t>recevier</a:t>
+                </a:r>
+                <a:r>
+                  <a:rPr lang="en-US" altLang="zh-CN" sz="1200" dirty="0">
+                    <a:solidFill>
+                      <a:schemeClr val="tx1"/>
+                    </a:solidFill>
+                  </a:rPr>
+                  <a:t> = new </a:t>
+                </a:r>
+                <a:r>
+                  <a:rPr lang="en-US" altLang="zh-CN" sz="1200" dirty="0" err="1">
+                    <a:solidFill>
+                      <a:schemeClr val="tx1"/>
+                    </a:solidFill>
+                  </a:rPr>
+                  <a:t>Recevier</a:t>
+                </a:r>
+                <a:r>
+                  <a:rPr lang="en-US" altLang="zh-CN" sz="1200" dirty="0">
+                    <a:solidFill>
+                      <a:schemeClr val="tx1"/>
+                    </a:solidFill>
+                  </a:rPr>
+                  <a:t>();</a:t>
+                </a:r>
+              </a:p>
+              <a:p>
+                <a:r>
+                  <a:rPr lang="en-US" altLang="zh-CN" sz="1200" dirty="0">
+                    <a:solidFill>
+                      <a:schemeClr val="tx1"/>
+                    </a:solidFill>
+                  </a:rPr>
+                  <a:t>    Command command= new  	</a:t>
+                </a:r>
+                <a:r>
+                  <a:rPr lang="en-US" altLang="zh-CN" sz="1200" dirty="0" err="1">
+                    <a:solidFill>
+                      <a:schemeClr val="tx1"/>
+                    </a:solidFill>
+                  </a:rPr>
+                  <a:t>CommandImpl</a:t>
+                </a:r>
+                <a:r>
+                  <a:rPr lang="en-US" altLang="zh-CN" sz="1200" dirty="0">
+                    <a:solidFill>
+                      <a:schemeClr val="tx1"/>
+                    </a:solidFill>
+                  </a:rPr>
+                  <a:t>(</a:t>
+                </a:r>
+                <a:r>
+                  <a:rPr lang="en-US" altLang="zh-CN" sz="1200" dirty="0" err="1">
+                    <a:solidFill>
+                      <a:schemeClr val="tx1"/>
+                    </a:solidFill>
+                  </a:rPr>
+                  <a:t>recevier</a:t>
+                </a:r>
+                <a:r>
+                  <a:rPr lang="en-US" altLang="zh-CN" sz="1200" dirty="0">
+                    <a:solidFill>
+                      <a:schemeClr val="tx1"/>
+                    </a:solidFill>
+                  </a:rPr>
+                  <a:t>);</a:t>
+                </a:r>
+              </a:p>
+              <a:p>
+                <a:r>
+                  <a:rPr lang="en-US" altLang="zh-CN" sz="1200" dirty="0">
+                    <a:solidFill>
+                      <a:schemeClr val="tx1"/>
+                    </a:solidFill>
+                  </a:rPr>
+                  <a:t>    Invoker invoker= new Invoker();</a:t>
+                </a:r>
+              </a:p>
+              <a:p>
+                <a:r>
+                  <a:rPr lang="en-US" altLang="zh-CN" sz="1200" dirty="0">
+                    <a:solidFill>
+                      <a:schemeClr val="tx1"/>
+                    </a:solidFill>
+                  </a:rPr>
+                  <a:t>    </a:t>
+                </a:r>
+                <a:r>
+                  <a:rPr lang="en-US" altLang="zh-CN" sz="1200" dirty="0" err="1">
+                    <a:solidFill>
+                      <a:schemeClr val="tx1"/>
+                    </a:solidFill>
+                  </a:rPr>
+                  <a:t>invoker.setCommand</a:t>
+                </a:r>
+                <a:r>
+                  <a:rPr lang="en-US" altLang="zh-CN" sz="1200" dirty="0">
+                    <a:solidFill>
+                      <a:schemeClr val="tx1"/>
+                    </a:solidFill>
+                  </a:rPr>
+                  <a:t>(command);</a:t>
+                </a:r>
+              </a:p>
+              <a:p>
+                <a:r>
+                  <a:rPr lang="en-US" altLang="zh-CN" sz="1200" dirty="0">
+                    <a:solidFill>
+                      <a:schemeClr val="tx1"/>
+                    </a:solidFill>
+                  </a:rPr>
+                  <a:t>    </a:t>
+                </a:r>
+                <a:r>
+                  <a:rPr lang="en-US" altLang="zh-CN" sz="1200" dirty="0" err="1">
+                    <a:solidFill>
+                      <a:schemeClr val="tx1"/>
+                    </a:solidFill>
+                  </a:rPr>
+                  <a:t>invoker.active</a:t>
+                </a:r>
+                <a:r>
+                  <a:rPr lang="en-US" altLang="zh-CN" sz="1200" dirty="0">
+                    <a:solidFill>
+                      <a:schemeClr val="tx1"/>
+                    </a:solidFill>
+                  </a:rPr>
+                  <a:t>();</a:t>
+                </a:r>
+              </a:p>
+              <a:p>
+                <a:r>
+                  <a:rPr lang="en-US" altLang="zh-CN" sz="1200" dirty="0">
+                    <a:solidFill>
+                      <a:schemeClr val="tx1"/>
+                    </a:solidFill>
+                  </a:rPr>
+                  <a:t>}</a:t>
+                </a:r>
+                <a:endParaRPr lang="zh-CN" altLang="en-US" sz="1200" dirty="0">
+                  <a:solidFill>
+                    <a:schemeClr val="tx1"/>
+                  </a:solidFill>
+                </a:endParaRPr>
+              </a:p>
+            </p:txBody>
+          </p:sp>
+        </p:grpSp>
+        <p:cxnSp>
+          <p:nvCxnSpPr>
+            <p:cNvPr id="60" name="直接箭头连接符 59">
+              <a:extLst>
+                <a:ext uri="{FF2B5EF4-FFF2-40B4-BE49-F238E27FC236}">
+                  <a16:creationId xmlns:a16="http://schemas.microsoft.com/office/drawing/2014/main" id="{4BB7977C-DAF7-46EF-8AF8-ADE81A1E4834}"/>
+                </a:ext>
+              </a:extLst>
+            </p:cNvPr>
+            <p:cNvCxnSpPr>
+              <a:stCxn id="49" idx="1"/>
+              <a:endCxn id="38" idx="3"/>
+            </p:cNvCxnSpPr>
+            <p:nvPr/>
+          </p:nvCxnSpPr>
+          <p:spPr>
+            <a:xfrm flipH="1" flipV="1">
+              <a:off x="7655711" y="4072134"/>
+              <a:ext cx="694720" cy="1"/>
+            </a:xfrm>
+            <a:prstGeom prst="straightConnector1">
+              <a:avLst/>
+            </a:prstGeom>
+            <a:ln w="12700">
+              <a:solidFill>
+                <a:srgbClr val="002060"/>
+              </a:solidFill>
+              <a:tailEnd type="triangle"/>
+            </a:ln>
+          </p:spPr>
+          <p:style>
+            <a:lnRef idx="1">
+              <a:schemeClr val="accent1"/>
+            </a:lnRef>
+            <a:fillRef idx="0">
+              <a:schemeClr val="accent1"/>
+            </a:fillRef>
+            <a:effectRef idx="0">
+              <a:schemeClr val="accent1"/>
+            </a:effectRef>
+            <a:fontRef idx="minor">
+              <a:schemeClr val="tx1"/>
+            </a:fontRef>
+          </p:style>
+        </p:cxnSp>
+      </p:grpSp>
+      <p:sp>
+        <p:nvSpPr>
+          <p:cNvPr id="62" name="文本框 61">
+            <a:extLst>
+              <a:ext uri="{FF2B5EF4-FFF2-40B4-BE49-F238E27FC236}">
+                <a16:creationId xmlns:a16="http://schemas.microsoft.com/office/drawing/2014/main" id="{1008FF3E-9E2D-4856-BCA0-30B81B6F9858}"/>
+              </a:ext>
+            </a:extLst>
+          </p:cNvPr>
+          <p:cNvSpPr txBox="1"/>
+          <p:nvPr/>
+        </p:nvSpPr>
+        <p:spPr>
+          <a:xfrm>
+            <a:off x="4274881" y="5721292"/>
+            <a:ext cx="7314823" cy="369332"/>
+          </a:xfrm>
+          <a:prstGeom prst="rect">
+            <a:avLst/>
+          </a:prstGeom>
+          <a:noFill/>
+        </p:spPr>
+        <p:txBody>
+          <a:bodyPr wrap="none" rtlCol="0">
+            <a:spAutoFit/>
+          </a:bodyPr>
+          <a:lstStyle/>
+          <a:p>
+            <a:r>
+              <a:rPr lang="zh-CN" altLang="en-US" dirty="0"/>
+              <a:t>调用者 </a:t>
+            </a:r>
+            <a:r>
+              <a:rPr lang="en-US" altLang="zh-CN" dirty="0"/>
+              <a:t>Invoker </a:t>
+            </a:r>
+            <a:r>
+              <a:rPr lang="zh-CN" altLang="en-US" dirty="0"/>
+              <a:t>与操作者 </a:t>
+            </a:r>
+            <a:r>
+              <a:rPr lang="en-US" altLang="zh-CN" dirty="0"/>
+              <a:t>Receiver </a:t>
+            </a:r>
+            <a:r>
+              <a:rPr lang="zh-CN" altLang="en-US" dirty="0"/>
+              <a:t>通过 </a:t>
+            </a:r>
+            <a:r>
+              <a:rPr lang="en-US" altLang="zh-CN" dirty="0"/>
+              <a:t>Command </a:t>
+            </a:r>
+            <a:r>
+              <a:rPr lang="zh-CN" altLang="en-US" dirty="0"/>
+              <a:t>命令接口实现了解耦</a:t>
+            </a:r>
+          </a:p>
+        </p:txBody>
+      </p:sp>
+    </p:spTree>
+    <p:extLst>
+      <p:ext uri="{BB962C8B-B14F-4D97-AF65-F5344CB8AC3E}">
+        <p14:creationId xmlns:p14="http://schemas.microsoft.com/office/powerpoint/2010/main" val="2582219373"/>
       </p:ext>
     </p:extLst>
   </p:cSld>

--- a/SpringCloud Note.pptx
+++ b/SpringCloud Note.pptx
@@ -8,6 +8,7 @@
     <p:sldId id="256" r:id="rId2"/>
     <p:sldId id="257" r:id="rId3"/>
     <p:sldId id="258" r:id="rId4"/>
+    <p:sldId id="259" r:id="rId5"/>
   </p:sldIdLst>
   <p:sldSz cx="12192000" cy="6858000"/>
   <p:notesSz cx="6858000" cy="9144000"/>
@@ -261,7 +262,7 @@
           <a:p>
             <a:fld id="{14E75282-4EAA-4288-90D7-2CF7660DE332}" type="datetimeFigureOut">
               <a:rPr lang="zh-CN" altLang="en-US" smtClean="0"/>
-              <a:t>2018/12/25</a:t>
+              <a:t>2019/1/16</a:t>
             </a:fld>
             <a:endParaRPr lang="zh-CN" altLang="en-US"/>
           </a:p>
@@ -459,7 +460,7 @@
           <a:p>
             <a:fld id="{14E75282-4EAA-4288-90D7-2CF7660DE332}" type="datetimeFigureOut">
               <a:rPr lang="zh-CN" altLang="en-US" smtClean="0"/>
-              <a:t>2018/12/25</a:t>
+              <a:t>2019/1/16</a:t>
             </a:fld>
             <a:endParaRPr lang="zh-CN" altLang="en-US"/>
           </a:p>
@@ -667,7 +668,7 @@
           <a:p>
             <a:fld id="{14E75282-4EAA-4288-90D7-2CF7660DE332}" type="datetimeFigureOut">
               <a:rPr lang="zh-CN" altLang="en-US" smtClean="0"/>
-              <a:t>2018/12/25</a:t>
+              <a:t>2019/1/16</a:t>
             </a:fld>
             <a:endParaRPr lang="zh-CN" altLang="en-US"/>
           </a:p>
@@ -865,7 +866,7 @@
           <a:p>
             <a:fld id="{14E75282-4EAA-4288-90D7-2CF7660DE332}" type="datetimeFigureOut">
               <a:rPr lang="zh-CN" altLang="en-US" smtClean="0"/>
-              <a:t>2018/12/25</a:t>
+              <a:t>2019/1/16</a:t>
             </a:fld>
             <a:endParaRPr lang="zh-CN" altLang="en-US"/>
           </a:p>
@@ -1140,7 +1141,7 @@
           <a:p>
             <a:fld id="{14E75282-4EAA-4288-90D7-2CF7660DE332}" type="datetimeFigureOut">
               <a:rPr lang="zh-CN" altLang="en-US" smtClean="0"/>
-              <a:t>2018/12/25</a:t>
+              <a:t>2019/1/16</a:t>
             </a:fld>
             <a:endParaRPr lang="zh-CN" altLang="en-US"/>
           </a:p>
@@ -1405,7 +1406,7 @@
           <a:p>
             <a:fld id="{14E75282-4EAA-4288-90D7-2CF7660DE332}" type="datetimeFigureOut">
               <a:rPr lang="zh-CN" altLang="en-US" smtClean="0"/>
-              <a:t>2018/12/25</a:t>
+              <a:t>2019/1/16</a:t>
             </a:fld>
             <a:endParaRPr lang="zh-CN" altLang="en-US"/>
           </a:p>
@@ -1817,7 +1818,7 @@
           <a:p>
             <a:fld id="{14E75282-4EAA-4288-90D7-2CF7660DE332}" type="datetimeFigureOut">
               <a:rPr lang="zh-CN" altLang="en-US" smtClean="0"/>
-              <a:t>2018/12/25</a:t>
+              <a:t>2019/1/16</a:t>
             </a:fld>
             <a:endParaRPr lang="zh-CN" altLang="en-US"/>
           </a:p>
@@ -1958,7 +1959,7 @@
           <a:p>
             <a:fld id="{14E75282-4EAA-4288-90D7-2CF7660DE332}" type="datetimeFigureOut">
               <a:rPr lang="zh-CN" altLang="en-US" smtClean="0"/>
-              <a:t>2018/12/25</a:t>
+              <a:t>2019/1/16</a:t>
             </a:fld>
             <a:endParaRPr lang="zh-CN" altLang="en-US"/>
           </a:p>
@@ -2071,7 +2072,7 @@
           <a:p>
             <a:fld id="{14E75282-4EAA-4288-90D7-2CF7660DE332}" type="datetimeFigureOut">
               <a:rPr lang="zh-CN" altLang="en-US" smtClean="0"/>
-              <a:t>2018/12/25</a:t>
+              <a:t>2019/1/16</a:t>
             </a:fld>
             <a:endParaRPr lang="zh-CN" altLang="en-US"/>
           </a:p>
@@ -2382,7 +2383,7 @@
           <a:p>
             <a:fld id="{14E75282-4EAA-4288-90D7-2CF7660DE332}" type="datetimeFigureOut">
               <a:rPr lang="zh-CN" altLang="en-US" smtClean="0"/>
-              <a:t>2018/12/25</a:t>
+              <a:t>2019/1/16</a:t>
             </a:fld>
             <a:endParaRPr lang="zh-CN" altLang="en-US"/>
           </a:p>
@@ -2670,7 +2671,7 @@
           <a:p>
             <a:fld id="{14E75282-4EAA-4288-90D7-2CF7660DE332}" type="datetimeFigureOut">
               <a:rPr lang="zh-CN" altLang="en-US" smtClean="0"/>
-              <a:t>2018/12/25</a:t>
+              <a:t>2019/1/16</a:t>
             </a:fld>
             <a:endParaRPr lang="zh-CN" altLang="en-US"/>
           </a:p>
@@ -2911,7 +2912,7 @@
           <a:p>
             <a:fld id="{14E75282-4EAA-4288-90D7-2CF7660DE332}" type="datetimeFigureOut">
               <a:rPr lang="zh-CN" altLang="en-US" smtClean="0"/>
-              <a:t>2018/12/25</a:t>
+              <a:t>2019/1/16</a:t>
             </a:fld>
             <a:endParaRPr lang="zh-CN" altLang="en-US"/>
           </a:p>
@@ -8796,6 +8797,1698 @@
 </p:sld>
 </file>
 
+<file path=ppt/slides/slide4.xml><?xml version="1.0" encoding="utf-8"?>
+<p:sld xmlns:a="http://schemas.openxmlformats.org/drawingml/2006/main" xmlns:r="http://schemas.openxmlformats.org/officeDocument/2006/relationships" xmlns:p="http://schemas.openxmlformats.org/presentationml/2006/main">
+  <p:cSld>
+    <p:spTree>
+      <p:nvGrpSpPr>
+        <p:cNvPr id="1" name=""/>
+        <p:cNvGrpSpPr/>
+        <p:nvPr/>
+      </p:nvGrpSpPr>
+      <p:grpSpPr>
+        <a:xfrm>
+          <a:off x="0" y="0"/>
+          <a:ext cx="0" cy="0"/>
+          <a:chOff x="0" y="0"/>
+          <a:chExt cx="0" cy="0"/>
+        </a:xfrm>
+      </p:grpSpPr>
+      <p:sp>
+        <p:nvSpPr>
+          <p:cNvPr id="4" name="文本框 3">
+            <a:extLst>
+              <a:ext uri="{FF2B5EF4-FFF2-40B4-BE49-F238E27FC236}">
+                <a16:creationId xmlns:a16="http://schemas.microsoft.com/office/drawing/2014/main" id="{F9AC6DA2-6978-4A11-9488-02C4502A6378}"/>
+              </a:ext>
+            </a:extLst>
+          </p:cNvPr>
+          <p:cNvSpPr txBox="1"/>
+          <p:nvPr/>
+        </p:nvSpPr>
+        <p:spPr>
+          <a:xfrm>
+            <a:off x="209725" y="151002"/>
+            <a:ext cx="3398687" cy="369332"/>
+          </a:xfrm>
+          <a:prstGeom prst="rect">
+            <a:avLst/>
+          </a:prstGeom>
+          <a:noFill/>
+        </p:spPr>
+        <p:txBody>
+          <a:bodyPr wrap="none" rtlCol="0">
+            <a:spAutoFit/>
+          </a:bodyPr>
+          <a:lstStyle/>
+          <a:p>
+            <a:r>
+              <a:rPr lang="en-US" altLang="zh-CN" dirty="0"/>
+              <a:t>Spring Cloud Config Server </a:t>
+            </a:r>
+            <a:r>
+              <a:rPr lang="zh-CN" altLang="en-US" dirty="0"/>
+              <a:t>原理</a:t>
+            </a:r>
+          </a:p>
+        </p:txBody>
+      </p:sp>
+      <p:sp>
+        <p:nvSpPr>
+          <p:cNvPr id="42" name="矩形 41">
+            <a:extLst>
+              <a:ext uri="{FF2B5EF4-FFF2-40B4-BE49-F238E27FC236}">
+                <a16:creationId xmlns:a16="http://schemas.microsoft.com/office/drawing/2014/main" id="{86BF1B3A-75E9-4EDC-BE74-53D6D39C0A32}"/>
+              </a:ext>
+            </a:extLst>
+          </p:cNvPr>
+          <p:cNvSpPr/>
+          <p:nvPr/>
+        </p:nvSpPr>
+        <p:spPr>
+          <a:xfrm>
+            <a:off x="456670" y="5183185"/>
+            <a:ext cx="11278659" cy="1015663"/>
+          </a:xfrm>
+          <a:prstGeom prst="rect">
+            <a:avLst/>
+          </a:prstGeom>
+        </p:spPr>
+        <p:txBody>
+          <a:bodyPr wrap="square">
+            <a:spAutoFit/>
+          </a:bodyPr>
+          <a:lstStyle/>
+          <a:p>
+            <a:r>
+              <a:rPr lang="zh-CN" altLang="en-US" sz="1200" b="1" dirty="0">
+                <a:solidFill>
+                  <a:srgbClr val="333333"/>
+                </a:solidFill>
+                <a:latin typeface="Verdana" panose="020B0604030504040204" pitchFamily="34" charset="0"/>
+              </a:rPr>
+              <a:t>启动流程：</a:t>
+            </a:r>
+          </a:p>
+          <a:p>
+            <a:pPr>
+              <a:buFont typeface="+mj-lt"/>
+              <a:buAutoNum type="arabicPeriod"/>
+            </a:pPr>
+            <a:r>
+              <a:rPr lang="zh-CN" altLang="en-US" sz="1200" dirty="0">
+                <a:solidFill>
+                  <a:srgbClr val="333333"/>
+                </a:solidFill>
+                <a:latin typeface="Verdana" panose="020B0604030504040204" pitchFamily="34" charset="0"/>
+              </a:rPr>
+              <a:t>微服务应用启动，根据</a:t>
+            </a:r>
+            <a:r>
+              <a:rPr lang="en-US" altLang="zh-CN" sz="1200" dirty="0" err="1">
+                <a:solidFill>
+                  <a:srgbClr val="333333"/>
+                </a:solidFill>
+                <a:latin typeface="Verdana" panose="020B0604030504040204" pitchFamily="34" charset="0"/>
+              </a:rPr>
+              <a:t>bootstrap.yml</a:t>
+            </a:r>
+            <a:r>
+              <a:rPr lang="zh-CN" altLang="en-US" sz="1200" dirty="0">
+                <a:solidFill>
+                  <a:srgbClr val="333333"/>
+                </a:solidFill>
+                <a:latin typeface="Verdana" panose="020B0604030504040204" pitchFamily="34" charset="0"/>
+              </a:rPr>
+              <a:t>（</a:t>
+            </a:r>
+            <a:r>
+              <a:rPr lang="en-US" altLang="zh-CN" sz="1200" dirty="0">
+                <a:solidFill>
+                  <a:srgbClr val="333333"/>
+                </a:solidFill>
+                <a:latin typeface="Verdana" panose="020B0604030504040204" pitchFamily="34" charset="0"/>
+              </a:rPr>
+              <a:t>properties</a:t>
+            </a:r>
+            <a:r>
+              <a:rPr lang="zh-CN" altLang="en-US" sz="1200" dirty="0">
+                <a:solidFill>
+                  <a:srgbClr val="333333"/>
+                </a:solidFill>
+                <a:latin typeface="Verdana" panose="020B0604030504040204" pitchFamily="34" charset="0"/>
+              </a:rPr>
+              <a:t>）中配置的应用名（</a:t>
+            </a:r>
+            <a:r>
+              <a:rPr lang="en-US" altLang="zh-CN" sz="1200" dirty="0">
+                <a:solidFill>
+                  <a:srgbClr val="333333"/>
+                </a:solidFill>
+                <a:latin typeface="Verdana" panose="020B0604030504040204" pitchFamily="34" charset="0"/>
+              </a:rPr>
+              <a:t>application</a:t>
+            </a:r>
+            <a:r>
+              <a:rPr lang="zh-CN" altLang="en-US" sz="1200" dirty="0">
+                <a:solidFill>
+                  <a:srgbClr val="333333"/>
+                </a:solidFill>
+                <a:latin typeface="Verdana" panose="020B0604030504040204" pitchFamily="34" charset="0"/>
+              </a:rPr>
+              <a:t>）、环境名（</a:t>
+            </a:r>
+            <a:r>
+              <a:rPr lang="en-US" altLang="zh-CN" sz="1200" dirty="0">
+                <a:solidFill>
+                  <a:srgbClr val="333333"/>
+                </a:solidFill>
+                <a:latin typeface="Verdana" panose="020B0604030504040204" pitchFamily="34" charset="0"/>
+              </a:rPr>
+              <a:t>profile</a:t>
+            </a:r>
+            <a:r>
+              <a:rPr lang="zh-CN" altLang="en-US" sz="1200" dirty="0">
+                <a:solidFill>
+                  <a:srgbClr val="333333"/>
+                </a:solidFill>
+                <a:latin typeface="Verdana" panose="020B0604030504040204" pitchFamily="34" charset="0"/>
+              </a:rPr>
+              <a:t>）、分支名（</a:t>
+            </a:r>
+            <a:r>
+              <a:rPr lang="en-US" altLang="zh-CN" sz="1200" dirty="0">
+                <a:solidFill>
+                  <a:srgbClr val="333333"/>
+                </a:solidFill>
+                <a:latin typeface="Verdana" panose="020B0604030504040204" pitchFamily="34" charset="0"/>
+              </a:rPr>
+              <a:t>label</a:t>
+            </a:r>
+            <a:r>
+              <a:rPr lang="zh-CN" altLang="en-US" sz="1200" dirty="0">
+                <a:solidFill>
+                  <a:srgbClr val="333333"/>
+                </a:solidFill>
+                <a:latin typeface="Verdana" panose="020B0604030504040204" pitchFamily="34" charset="0"/>
+              </a:rPr>
+              <a:t>），向</a:t>
+            </a:r>
+            <a:r>
+              <a:rPr lang="en-US" altLang="zh-CN" sz="1200" dirty="0">
+                <a:solidFill>
+                  <a:srgbClr val="333333"/>
+                </a:solidFill>
+                <a:latin typeface="Verdana" panose="020B0604030504040204" pitchFamily="34" charset="0"/>
+              </a:rPr>
+              <a:t>Config Server</a:t>
+            </a:r>
+            <a:r>
+              <a:rPr lang="zh-CN" altLang="en-US" sz="1200" dirty="0">
+                <a:solidFill>
+                  <a:srgbClr val="333333"/>
+                </a:solidFill>
+                <a:latin typeface="Verdana" panose="020B0604030504040204" pitchFamily="34" charset="0"/>
+              </a:rPr>
+              <a:t>请求配置信息</a:t>
+            </a:r>
+          </a:p>
+          <a:p>
+            <a:pPr>
+              <a:buFont typeface="+mj-lt"/>
+              <a:buAutoNum type="arabicPeriod"/>
+            </a:pPr>
+            <a:r>
+              <a:rPr lang="en-US" altLang="zh-CN" sz="1200" dirty="0">
+                <a:solidFill>
+                  <a:srgbClr val="333333"/>
+                </a:solidFill>
+                <a:latin typeface="Verdana" panose="020B0604030504040204" pitchFamily="34" charset="0"/>
+              </a:rPr>
+              <a:t>Config Server </a:t>
+            </a:r>
+            <a:r>
+              <a:rPr lang="zh-CN" altLang="en-US" sz="1200" dirty="0">
+                <a:solidFill>
+                  <a:srgbClr val="333333"/>
+                </a:solidFill>
+                <a:latin typeface="Verdana" panose="020B0604030504040204" pitchFamily="34" charset="0"/>
+              </a:rPr>
+              <a:t>根据自己</a:t>
+            </a:r>
+            <a:r>
+              <a:rPr lang="en-US" altLang="zh-CN" sz="1200" dirty="0" err="1">
+                <a:solidFill>
+                  <a:srgbClr val="333333"/>
+                </a:solidFill>
+                <a:latin typeface="Verdana" panose="020B0604030504040204" pitchFamily="34" charset="0"/>
+              </a:rPr>
+              <a:t>bootstrap.yml</a:t>
+            </a:r>
+            <a:r>
+              <a:rPr lang="zh-CN" altLang="en-US" sz="1200" dirty="0">
+                <a:solidFill>
+                  <a:srgbClr val="333333"/>
+                </a:solidFill>
+                <a:latin typeface="Verdana" panose="020B0604030504040204" pitchFamily="34" charset="0"/>
+              </a:rPr>
+              <a:t>（</a:t>
+            </a:r>
+            <a:r>
+              <a:rPr lang="en-US" altLang="zh-CN" sz="1200" dirty="0">
+                <a:solidFill>
+                  <a:srgbClr val="333333"/>
+                </a:solidFill>
+                <a:latin typeface="Verdana" panose="020B0604030504040204" pitchFamily="34" charset="0"/>
+              </a:rPr>
+              <a:t>properties</a:t>
+            </a:r>
+            <a:r>
+              <a:rPr lang="zh-CN" altLang="en-US" sz="1200" dirty="0">
+                <a:solidFill>
+                  <a:srgbClr val="333333"/>
+                </a:solidFill>
+                <a:latin typeface="Verdana" panose="020B0604030504040204" pitchFamily="34" charset="0"/>
+              </a:rPr>
+              <a:t>）中的</a:t>
+            </a:r>
+            <a:r>
+              <a:rPr lang="en-US" altLang="zh-CN" sz="1200" dirty="0">
+                <a:solidFill>
+                  <a:srgbClr val="333333"/>
+                </a:solidFill>
+                <a:latin typeface="Verdana" panose="020B0604030504040204" pitchFamily="34" charset="0"/>
+              </a:rPr>
+              <a:t>Git</a:t>
+            </a:r>
+            <a:r>
+              <a:rPr lang="zh-CN" altLang="en-US" sz="1200" dirty="0">
+                <a:solidFill>
+                  <a:srgbClr val="333333"/>
+                </a:solidFill>
+                <a:latin typeface="Verdana" panose="020B0604030504040204" pitchFamily="34" charset="0"/>
+              </a:rPr>
+              <a:t>（或</a:t>
+            </a:r>
+            <a:r>
+              <a:rPr lang="en-US" altLang="zh-CN" sz="1200" dirty="0">
+                <a:solidFill>
+                  <a:srgbClr val="333333"/>
+                </a:solidFill>
+                <a:latin typeface="Verdana" panose="020B0604030504040204" pitchFamily="34" charset="0"/>
+              </a:rPr>
+              <a:t>SVN</a:t>
+            </a:r>
+            <a:r>
+              <a:rPr lang="zh-CN" altLang="en-US" sz="1200" dirty="0">
+                <a:solidFill>
+                  <a:srgbClr val="333333"/>
+                </a:solidFill>
+                <a:latin typeface="Verdana" panose="020B0604030504040204" pitchFamily="34" charset="0"/>
+              </a:rPr>
+              <a:t>）仓库信息加上客户端传来的配置定位信息去查配置信息的路径</a:t>
+            </a:r>
+          </a:p>
+          <a:p>
+            <a:pPr>
+              <a:buFont typeface="+mj-lt"/>
+              <a:buAutoNum type="arabicPeriod"/>
+            </a:pPr>
+            <a:r>
+              <a:rPr lang="en-US" altLang="zh-CN" sz="1200" dirty="0">
+                <a:solidFill>
+                  <a:srgbClr val="333333"/>
+                </a:solidFill>
+                <a:latin typeface="Verdana" panose="020B0604030504040204" pitchFamily="34" charset="0"/>
+              </a:rPr>
+              <a:t>Config Server </a:t>
+            </a:r>
+            <a:r>
+              <a:rPr lang="zh-CN" altLang="en-US" sz="1200" dirty="0">
+                <a:solidFill>
+                  <a:srgbClr val="333333"/>
+                </a:solidFill>
+                <a:latin typeface="Verdana" panose="020B0604030504040204" pitchFamily="34" charset="0"/>
+              </a:rPr>
+              <a:t>执行</a:t>
+            </a:r>
+            <a:r>
+              <a:rPr lang="en-US" altLang="zh-CN" sz="1200" dirty="0">
+                <a:solidFill>
+                  <a:srgbClr val="333333"/>
+                </a:solidFill>
+                <a:latin typeface="Verdana" panose="020B0604030504040204" pitchFamily="34" charset="0"/>
+              </a:rPr>
+              <a:t>git clone</a:t>
+            </a:r>
+            <a:r>
+              <a:rPr lang="zh-CN" altLang="en-US" sz="1200" dirty="0">
+                <a:solidFill>
+                  <a:srgbClr val="333333"/>
+                </a:solidFill>
+                <a:latin typeface="Verdana" panose="020B0604030504040204" pitchFamily="34" charset="0"/>
+              </a:rPr>
+              <a:t>命令，将配置信息下载到本地</a:t>
+            </a:r>
+            <a:r>
+              <a:rPr lang="en-US" altLang="zh-CN" sz="1200" dirty="0">
+                <a:solidFill>
+                  <a:srgbClr val="333333"/>
+                </a:solidFill>
+                <a:latin typeface="Verdana" panose="020B0604030504040204" pitchFamily="34" charset="0"/>
+              </a:rPr>
+              <a:t>Git</a:t>
+            </a:r>
+            <a:r>
+              <a:rPr lang="zh-CN" altLang="en-US" sz="1200" dirty="0">
+                <a:solidFill>
+                  <a:srgbClr val="333333"/>
+                </a:solidFill>
+                <a:latin typeface="Verdana" panose="020B0604030504040204" pitchFamily="34" charset="0"/>
+              </a:rPr>
+              <a:t>仓库中，将配置信息加载到</a:t>
+            </a:r>
+            <a:r>
+              <a:rPr lang="en-US" altLang="zh-CN" sz="1200" dirty="0">
+                <a:solidFill>
+                  <a:srgbClr val="333333"/>
+                </a:solidFill>
+                <a:latin typeface="Verdana" panose="020B0604030504040204" pitchFamily="34" charset="0"/>
+              </a:rPr>
+              <a:t>Spring</a:t>
+            </a:r>
+            <a:r>
+              <a:rPr lang="zh-CN" altLang="en-US" sz="1200" dirty="0">
+                <a:solidFill>
+                  <a:srgbClr val="333333"/>
+                </a:solidFill>
+                <a:latin typeface="Verdana" panose="020B0604030504040204" pitchFamily="34" charset="0"/>
+              </a:rPr>
+              <a:t>的</a:t>
+            </a:r>
+            <a:r>
+              <a:rPr lang="en-US" altLang="zh-CN" sz="1200" dirty="0" err="1">
+                <a:solidFill>
+                  <a:srgbClr val="333333"/>
+                </a:solidFill>
+                <a:latin typeface="Verdana" panose="020B0604030504040204" pitchFamily="34" charset="0"/>
+              </a:rPr>
+              <a:t>ApplicationContext</a:t>
+            </a:r>
+            <a:r>
+              <a:rPr lang="zh-CN" altLang="en-US" sz="1200" dirty="0">
+                <a:solidFill>
+                  <a:srgbClr val="333333"/>
+                </a:solidFill>
+                <a:latin typeface="Verdana" panose="020B0604030504040204" pitchFamily="34" charset="0"/>
+              </a:rPr>
+              <a:t>读取内容返回给客户端（微服务应用）</a:t>
+            </a:r>
+          </a:p>
+          <a:p>
+            <a:pPr>
+              <a:buFont typeface="+mj-lt"/>
+              <a:buAutoNum type="arabicPeriod"/>
+            </a:pPr>
+            <a:r>
+              <a:rPr lang="zh-CN" altLang="en-US" sz="1200" dirty="0">
+                <a:solidFill>
+                  <a:srgbClr val="333333"/>
+                </a:solidFill>
+                <a:latin typeface="Verdana" panose="020B0604030504040204" pitchFamily="34" charset="0"/>
+              </a:rPr>
+              <a:t>客户端将内容加载到</a:t>
+            </a:r>
+            <a:r>
+              <a:rPr lang="en-US" altLang="zh-CN" sz="1200" dirty="0" err="1">
+                <a:solidFill>
+                  <a:srgbClr val="333333"/>
+                </a:solidFill>
+                <a:latin typeface="Verdana" panose="020B0604030504040204" pitchFamily="34" charset="0"/>
+              </a:rPr>
+              <a:t>ApplicationContext</a:t>
+            </a:r>
+            <a:r>
+              <a:rPr lang="zh-CN" altLang="en-US" sz="1200" dirty="0">
+                <a:solidFill>
+                  <a:srgbClr val="333333"/>
+                </a:solidFill>
+                <a:latin typeface="Verdana" panose="020B0604030504040204" pitchFamily="34" charset="0"/>
+              </a:rPr>
+              <a:t>，配置内容的优先级大于客户端内部的配置内容，进行忽略</a:t>
+            </a:r>
+            <a:endParaRPr lang="zh-CN" altLang="en-US" sz="1200" b="0" i="0" dirty="0">
+              <a:solidFill>
+                <a:srgbClr val="333333"/>
+              </a:solidFill>
+              <a:effectLst/>
+              <a:latin typeface="Verdana" panose="020B0604030504040204" pitchFamily="34" charset="0"/>
+            </a:endParaRPr>
+          </a:p>
+        </p:txBody>
+      </p:sp>
+      <p:grpSp>
+        <p:nvGrpSpPr>
+          <p:cNvPr id="59" name="组合 58">
+            <a:extLst>
+              <a:ext uri="{FF2B5EF4-FFF2-40B4-BE49-F238E27FC236}">
+                <a16:creationId xmlns:a16="http://schemas.microsoft.com/office/drawing/2014/main" id="{836B1466-2DF5-4AE5-819F-351F27B91BBD}"/>
+              </a:ext>
+            </a:extLst>
+          </p:cNvPr>
+          <p:cNvGrpSpPr/>
+          <p:nvPr/>
+        </p:nvGrpSpPr>
+        <p:grpSpPr>
+          <a:xfrm>
+            <a:off x="1765533" y="766898"/>
+            <a:ext cx="7719452" cy="4126118"/>
+            <a:chOff x="1765533" y="766898"/>
+            <a:chExt cx="7719452" cy="4126118"/>
+          </a:xfrm>
+        </p:grpSpPr>
+        <p:grpSp>
+          <p:nvGrpSpPr>
+            <p:cNvPr id="43" name="组合 42">
+              <a:extLst>
+                <a:ext uri="{FF2B5EF4-FFF2-40B4-BE49-F238E27FC236}">
+                  <a16:creationId xmlns:a16="http://schemas.microsoft.com/office/drawing/2014/main" id="{D8CE0F9F-F4E3-4051-9464-61232D68ADAE}"/>
+                </a:ext>
+              </a:extLst>
+            </p:cNvPr>
+            <p:cNvGrpSpPr/>
+            <p:nvPr/>
+          </p:nvGrpSpPr>
+          <p:grpSpPr>
+            <a:xfrm>
+              <a:off x="1765533" y="1754851"/>
+              <a:ext cx="7719452" cy="3138165"/>
+              <a:chOff x="1866201" y="639115"/>
+              <a:chExt cx="7719452" cy="3138165"/>
+            </a:xfrm>
+          </p:grpSpPr>
+          <p:grpSp>
+            <p:nvGrpSpPr>
+              <p:cNvPr id="14" name="组合 13">
+                <a:extLst>
+                  <a:ext uri="{FF2B5EF4-FFF2-40B4-BE49-F238E27FC236}">
+                    <a16:creationId xmlns:a16="http://schemas.microsoft.com/office/drawing/2014/main" id="{A6DFFC29-BAFA-4232-9D9A-A12199D48C97}"/>
+                  </a:ext>
+                </a:extLst>
+              </p:cNvPr>
+              <p:cNvGrpSpPr/>
+              <p:nvPr/>
+            </p:nvGrpSpPr>
+            <p:grpSpPr>
+              <a:xfrm>
+                <a:off x="1866201" y="1673075"/>
+                <a:ext cx="728427" cy="1039478"/>
+                <a:chOff x="1866201" y="1673075"/>
+                <a:chExt cx="728427" cy="1039478"/>
+              </a:xfrm>
+            </p:grpSpPr>
+            <p:pic>
+              <p:nvPicPr>
+                <p:cNvPr id="6" name="图片 5">
+                  <a:extLst>
+                    <a:ext uri="{FF2B5EF4-FFF2-40B4-BE49-F238E27FC236}">
+                      <a16:creationId xmlns:a16="http://schemas.microsoft.com/office/drawing/2014/main" id="{9D18AA01-F55C-4D9D-9742-B410E8331EF5}"/>
+                    </a:ext>
+                  </a:extLst>
+                </p:cNvPr>
+                <p:cNvPicPr>
+                  <a:picLocks noChangeAspect="1"/>
+                </p:cNvPicPr>
+                <p:nvPr/>
+              </p:nvPicPr>
+              <p:blipFill>
+                <a:blip r:embed="rId2">
+                  <a:extLst>
+                    <a:ext uri="{28A0092B-C50C-407E-A947-70E740481C1C}">
+                      <a14:useLocalDpi xmlns:a14="http://schemas.microsoft.com/office/drawing/2010/main" val="0"/>
+                    </a:ext>
+                  </a:extLst>
+                </a:blip>
+                <a:stretch>
+                  <a:fillRect/>
+                </a:stretch>
+              </p:blipFill>
+              <p:spPr>
+                <a:xfrm>
+                  <a:off x="1866201" y="1673075"/>
+                  <a:ext cx="728427" cy="710661"/>
+                </a:xfrm>
+                <a:prstGeom prst="rect">
+                  <a:avLst/>
+                </a:prstGeom>
+              </p:spPr>
+            </p:pic>
+            <p:sp>
+              <p:nvSpPr>
+                <p:cNvPr id="12" name="文本框 11">
+                  <a:extLst>
+                    <a:ext uri="{FF2B5EF4-FFF2-40B4-BE49-F238E27FC236}">
+                      <a16:creationId xmlns:a16="http://schemas.microsoft.com/office/drawing/2014/main" id="{EA261DB7-89DE-44A9-8656-A701AA33A517}"/>
+                    </a:ext>
+                  </a:extLst>
+                </p:cNvPr>
+                <p:cNvSpPr txBox="1"/>
+                <p:nvPr/>
+              </p:nvSpPr>
+              <p:spPr>
+                <a:xfrm>
+                  <a:off x="2044305" y="2435554"/>
+                  <a:ext cx="372218" cy="276999"/>
+                </a:xfrm>
+                <a:prstGeom prst="rect">
+                  <a:avLst/>
+                </a:prstGeom>
+                <a:noFill/>
+              </p:spPr>
+              <p:txBody>
+                <a:bodyPr wrap="none" rtlCol="0">
+                  <a:spAutoFit/>
+                </a:bodyPr>
+                <a:lstStyle/>
+                <a:p>
+                  <a:r>
+                    <a:rPr lang="en-US" altLang="zh-CN" sz="1200" dirty="0"/>
+                    <a:t>Git</a:t>
+                  </a:r>
+                  <a:endParaRPr lang="zh-CN" altLang="en-US" sz="1200" dirty="0"/>
+                </a:p>
+              </p:txBody>
+            </p:sp>
+          </p:grpSp>
+          <p:grpSp>
+            <p:nvGrpSpPr>
+              <p:cNvPr id="15" name="组合 14">
+                <a:extLst>
+                  <a:ext uri="{FF2B5EF4-FFF2-40B4-BE49-F238E27FC236}">
+                    <a16:creationId xmlns:a16="http://schemas.microsoft.com/office/drawing/2014/main" id="{52FA2103-AE94-4E59-88D5-7838CD37B48D}"/>
+                  </a:ext>
+                </a:extLst>
+              </p:cNvPr>
+              <p:cNvGrpSpPr/>
+              <p:nvPr/>
+            </p:nvGrpSpPr>
+            <p:grpSpPr>
+              <a:xfrm>
+                <a:off x="3784754" y="1673076"/>
+                <a:ext cx="1075936" cy="1039476"/>
+                <a:chOff x="3784754" y="1673076"/>
+                <a:chExt cx="1075936" cy="1039476"/>
+              </a:xfrm>
+            </p:grpSpPr>
+            <p:pic>
+              <p:nvPicPr>
+                <p:cNvPr id="8" name="图片 7">
+                  <a:extLst>
+                    <a:ext uri="{FF2B5EF4-FFF2-40B4-BE49-F238E27FC236}">
+                      <a16:creationId xmlns:a16="http://schemas.microsoft.com/office/drawing/2014/main" id="{2131502B-E4D3-47D3-AC2A-E4903F926FD2}"/>
+                    </a:ext>
+                  </a:extLst>
+                </p:cNvPr>
+                <p:cNvPicPr>
+                  <a:picLocks noChangeAspect="1"/>
+                </p:cNvPicPr>
+                <p:nvPr/>
+              </p:nvPicPr>
+              <p:blipFill>
+                <a:blip r:embed="rId3">
+                  <a:extLst>
+                    <a:ext uri="{28A0092B-C50C-407E-A947-70E740481C1C}">
+                      <a14:useLocalDpi xmlns:a14="http://schemas.microsoft.com/office/drawing/2010/main" val="0"/>
+                    </a:ext>
+                  </a:extLst>
+                </a:blip>
+                <a:stretch>
+                  <a:fillRect/>
+                </a:stretch>
+              </p:blipFill>
+              <p:spPr>
+                <a:xfrm>
+                  <a:off x="3967392" y="1673076"/>
+                  <a:ext cx="710661" cy="710661"/>
+                </a:xfrm>
+                <a:prstGeom prst="rect">
+                  <a:avLst/>
+                </a:prstGeom>
+              </p:spPr>
+            </p:pic>
+            <p:sp>
+              <p:nvSpPr>
+                <p:cNvPr id="13" name="文本框 12">
+                  <a:extLst>
+                    <a:ext uri="{FF2B5EF4-FFF2-40B4-BE49-F238E27FC236}">
+                      <a16:creationId xmlns:a16="http://schemas.microsoft.com/office/drawing/2014/main" id="{BC1F3767-EB5A-4EC1-B96A-B6FFF0AA5D28}"/>
+                    </a:ext>
+                  </a:extLst>
+                </p:cNvPr>
+                <p:cNvSpPr txBox="1"/>
+                <p:nvPr/>
+              </p:nvSpPr>
+              <p:spPr>
+                <a:xfrm>
+                  <a:off x="3784754" y="2435553"/>
+                  <a:ext cx="1075936" cy="276999"/>
+                </a:xfrm>
+                <a:prstGeom prst="rect">
+                  <a:avLst/>
+                </a:prstGeom>
+                <a:noFill/>
+              </p:spPr>
+              <p:txBody>
+                <a:bodyPr wrap="none" rtlCol="0">
+                  <a:spAutoFit/>
+                </a:bodyPr>
+                <a:lstStyle/>
+                <a:p>
+                  <a:r>
+                    <a:rPr lang="en-US" altLang="zh-CN" sz="1200" dirty="0"/>
+                    <a:t>Config Server</a:t>
+                  </a:r>
+                  <a:endParaRPr lang="zh-CN" altLang="en-US" sz="1200" dirty="0"/>
+                </a:p>
+              </p:txBody>
+            </p:sp>
+          </p:grpSp>
+          <p:grpSp>
+            <p:nvGrpSpPr>
+              <p:cNvPr id="22" name="组合 21">
+                <a:extLst>
+                  <a:ext uri="{FF2B5EF4-FFF2-40B4-BE49-F238E27FC236}">
+                    <a16:creationId xmlns:a16="http://schemas.microsoft.com/office/drawing/2014/main" id="{F5818F83-EB87-493E-BD63-225E7B359A01}"/>
+                  </a:ext>
+                </a:extLst>
+              </p:cNvPr>
+              <p:cNvGrpSpPr/>
+              <p:nvPr/>
+            </p:nvGrpSpPr>
+            <p:grpSpPr>
+              <a:xfrm>
+                <a:off x="6306566" y="1717692"/>
+                <a:ext cx="1189749" cy="961303"/>
+                <a:chOff x="5803226" y="1751248"/>
+                <a:chExt cx="1189749" cy="961303"/>
+              </a:xfrm>
+            </p:grpSpPr>
+            <p:pic>
+              <p:nvPicPr>
+                <p:cNvPr id="9" name="图片 8">
+                  <a:extLst>
+                    <a:ext uri="{FF2B5EF4-FFF2-40B4-BE49-F238E27FC236}">
+                      <a16:creationId xmlns:a16="http://schemas.microsoft.com/office/drawing/2014/main" id="{7B90156F-F55F-4896-8346-F443353CE77D}"/>
+                    </a:ext>
+                  </a:extLst>
+                </p:cNvPr>
+                <p:cNvPicPr>
+                  <a:picLocks noChangeAspect="1"/>
+                </p:cNvPicPr>
+                <p:nvPr/>
+              </p:nvPicPr>
+              <p:blipFill>
+                <a:blip r:embed="rId4">
+                  <a:extLst>
+                    <a:ext uri="{28A0092B-C50C-407E-A947-70E740481C1C}">
+                      <a14:useLocalDpi xmlns:a14="http://schemas.microsoft.com/office/drawing/2010/main" val="0"/>
+                    </a:ext>
+                  </a:extLst>
+                </a:blip>
+                <a:stretch>
+                  <a:fillRect/>
+                </a:stretch>
+              </p:blipFill>
+              <p:spPr>
+                <a:xfrm>
+                  <a:off x="6096000" y="1751248"/>
+                  <a:ext cx="689412" cy="632488"/>
+                </a:xfrm>
+                <a:prstGeom prst="rect">
+                  <a:avLst/>
+                </a:prstGeom>
+              </p:spPr>
+            </p:pic>
+            <p:sp>
+              <p:nvSpPr>
+                <p:cNvPr id="17" name="文本框 16">
+                  <a:extLst>
+                    <a:ext uri="{FF2B5EF4-FFF2-40B4-BE49-F238E27FC236}">
+                      <a16:creationId xmlns:a16="http://schemas.microsoft.com/office/drawing/2014/main" id="{5C3227E9-A54A-4673-9036-7313B89F83CB}"/>
+                    </a:ext>
+                  </a:extLst>
+                </p:cNvPr>
+                <p:cNvSpPr txBox="1"/>
+                <p:nvPr/>
+              </p:nvSpPr>
+              <p:spPr>
+                <a:xfrm>
+                  <a:off x="5803226" y="2435552"/>
+                  <a:ext cx="1189749" cy="276999"/>
+                </a:xfrm>
+                <a:prstGeom prst="rect">
+                  <a:avLst/>
+                </a:prstGeom>
+                <a:noFill/>
+              </p:spPr>
+              <p:txBody>
+                <a:bodyPr wrap="none" rtlCol="0">
+                  <a:spAutoFit/>
+                </a:bodyPr>
+                <a:lstStyle/>
+                <a:p>
+                  <a:r>
+                    <a:rPr lang="en-US" altLang="zh-CN" sz="1200" dirty="0"/>
+                    <a:t>Micro Service 2</a:t>
+                  </a:r>
+                  <a:endParaRPr lang="zh-CN" altLang="en-US" sz="1200" dirty="0"/>
+                </a:p>
+              </p:txBody>
+            </p:sp>
+          </p:grpSp>
+          <p:grpSp>
+            <p:nvGrpSpPr>
+              <p:cNvPr id="21" name="组合 20">
+                <a:extLst>
+                  <a:ext uri="{FF2B5EF4-FFF2-40B4-BE49-F238E27FC236}">
+                    <a16:creationId xmlns:a16="http://schemas.microsoft.com/office/drawing/2014/main" id="{960C6ACC-4787-4F6D-89E3-DA58136E4082}"/>
+                  </a:ext>
+                </a:extLst>
+              </p:cNvPr>
+              <p:cNvGrpSpPr/>
+              <p:nvPr/>
+            </p:nvGrpSpPr>
+            <p:grpSpPr>
+              <a:xfrm>
+                <a:off x="6306566" y="639115"/>
+                <a:ext cx="1189749" cy="910935"/>
+                <a:chOff x="5803226" y="639115"/>
+                <a:chExt cx="1189749" cy="910935"/>
+              </a:xfrm>
+            </p:grpSpPr>
+            <p:sp>
+              <p:nvSpPr>
+                <p:cNvPr id="16" name="文本框 15">
+                  <a:extLst>
+                    <a:ext uri="{FF2B5EF4-FFF2-40B4-BE49-F238E27FC236}">
+                      <a16:creationId xmlns:a16="http://schemas.microsoft.com/office/drawing/2014/main" id="{72534527-F401-4517-BB36-99766954DD4D}"/>
+                    </a:ext>
+                  </a:extLst>
+                </p:cNvPr>
+                <p:cNvSpPr txBox="1"/>
+                <p:nvPr/>
+              </p:nvSpPr>
+              <p:spPr>
+                <a:xfrm>
+                  <a:off x="5803226" y="1273051"/>
+                  <a:ext cx="1189749" cy="276999"/>
+                </a:xfrm>
+                <a:prstGeom prst="rect">
+                  <a:avLst/>
+                </a:prstGeom>
+                <a:noFill/>
+              </p:spPr>
+              <p:txBody>
+                <a:bodyPr wrap="none" rtlCol="0">
+                  <a:spAutoFit/>
+                </a:bodyPr>
+                <a:lstStyle/>
+                <a:p>
+                  <a:r>
+                    <a:rPr lang="en-US" altLang="zh-CN" sz="1200" dirty="0"/>
+                    <a:t>Micro Service 1</a:t>
+                  </a:r>
+                  <a:endParaRPr lang="zh-CN" altLang="en-US" sz="1200" dirty="0"/>
+                </a:p>
+              </p:txBody>
+            </p:sp>
+            <p:pic>
+              <p:nvPicPr>
+                <p:cNvPr id="19" name="图片 18">
+                  <a:extLst>
+                    <a:ext uri="{FF2B5EF4-FFF2-40B4-BE49-F238E27FC236}">
+                      <a16:creationId xmlns:a16="http://schemas.microsoft.com/office/drawing/2014/main" id="{5188E632-0983-4ECE-BA82-A0BA2B8C5CDB}"/>
+                    </a:ext>
+                  </a:extLst>
+                </p:cNvPr>
+                <p:cNvPicPr>
+                  <a:picLocks noChangeAspect="1"/>
+                </p:cNvPicPr>
+                <p:nvPr/>
+              </p:nvPicPr>
+              <p:blipFill>
+                <a:blip r:embed="rId4">
+                  <a:extLst>
+                    <a:ext uri="{28A0092B-C50C-407E-A947-70E740481C1C}">
+                      <a14:useLocalDpi xmlns:a14="http://schemas.microsoft.com/office/drawing/2010/main" val="0"/>
+                    </a:ext>
+                  </a:extLst>
+                </a:blip>
+                <a:stretch>
+                  <a:fillRect/>
+                </a:stretch>
+              </p:blipFill>
+              <p:spPr>
+                <a:xfrm>
+                  <a:off x="6053394" y="639115"/>
+                  <a:ext cx="689412" cy="632488"/>
+                </a:xfrm>
+                <a:prstGeom prst="rect">
+                  <a:avLst/>
+                </a:prstGeom>
+              </p:spPr>
+            </p:pic>
+          </p:grpSp>
+          <p:grpSp>
+            <p:nvGrpSpPr>
+              <p:cNvPr id="23" name="组合 22">
+                <a:extLst>
+                  <a:ext uri="{FF2B5EF4-FFF2-40B4-BE49-F238E27FC236}">
+                    <a16:creationId xmlns:a16="http://schemas.microsoft.com/office/drawing/2014/main" id="{F6CC8371-EA76-4018-8A0B-556083109517}"/>
+                  </a:ext>
+                </a:extLst>
+              </p:cNvPr>
+              <p:cNvGrpSpPr/>
+              <p:nvPr/>
+            </p:nvGrpSpPr>
+            <p:grpSpPr>
+              <a:xfrm>
+                <a:off x="6306566" y="2864897"/>
+                <a:ext cx="1189749" cy="912383"/>
+                <a:chOff x="5803226" y="2965565"/>
+                <a:chExt cx="1189749" cy="912383"/>
+              </a:xfrm>
+            </p:grpSpPr>
+            <p:sp>
+              <p:nvSpPr>
+                <p:cNvPr id="18" name="文本框 17">
+                  <a:extLst>
+                    <a:ext uri="{FF2B5EF4-FFF2-40B4-BE49-F238E27FC236}">
+                      <a16:creationId xmlns:a16="http://schemas.microsoft.com/office/drawing/2014/main" id="{6EA10437-DF9D-45F9-9008-2ACDF9372B1E}"/>
+                    </a:ext>
+                  </a:extLst>
+                </p:cNvPr>
+                <p:cNvSpPr txBox="1"/>
+                <p:nvPr/>
+              </p:nvSpPr>
+              <p:spPr>
+                <a:xfrm>
+                  <a:off x="5803226" y="3600949"/>
+                  <a:ext cx="1189749" cy="276999"/>
+                </a:xfrm>
+                <a:prstGeom prst="rect">
+                  <a:avLst/>
+                </a:prstGeom>
+                <a:noFill/>
+              </p:spPr>
+              <p:txBody>
+                <a:bodyPr wrap="none" rtlCol="0">
+                  <a:spAutoFit/>
+                </a:bodyPr>
+                <a:lstStyle/>
+                <a:p>
+                  <a:r>
+                    <a:rPr lang="en-US" altLang="zh-CN" sz="1200" dirty="0"/>
+                    <a:t>Micro Service 3</a:t>
+                  </a:r>
+                  <a:endParaRPr lang="zh-CN" altLang="en-US" sz="1200" dirty="0"/>
+                </a:p>
+              </p:txBody>
+            </p:sp>
+            <p:pic>
+              <p:nvPicPr>
+                <p:cNvPr id="20" name="图片 19">
+                  <a:extLst>
+                    <a:ext uri="{FF2B5EF4-FFF2-40B4-BE49-F238E27FC236}">
+                      <a16:creationId xmlns:a16="http://schemas.microsoft.com/office/drawing/2014/main" id="{E19F530B-9E5D-416D-A3DC-94B52A00B83C}"/>
+                    </a:ext>
+                  </a:extLst>
+                </p:cNvPr>
+                <p:cNvPicPr>
+                  <a:picLocks noChangeAspect="1"/>
+                </p:cNvPicPr>
+                <p:nvPr/>
+              </p:nvPicPr>
+              <p:blipFill>
+                <a:blip r:embed="rId4">
+                  <a:extLst>
+                    <a:ext uri="{28A0092B-C50C-407E-A947-70E740481C1C}">
+                      <a14:useLocalDpi xmlns:a14="http://schemas.microsoft.com/office/drawing/2010/main" val="0"/>
+                    </a:ext>
+                  </a:extLst>
+                </a:blip>
+                <a:stretch>
+                  <a:fillRect/>
+                </a:stretch>
+              </p:blipFill>
+              <p:spPr>
+                <a:xfrm>
+                  <a:off x="6053394" y="2965565"/>
+                  <a:ext cx="689412" cy="632488"/>
+                </a:xfrm>
+                <a:prstGeom prst="rect">
+                  <a:avLst/>
+                </a:prstGeom>
+              </p:spPr>
+            </p:pic>
+          </p:grpSp>
+          <p:sp>
+            <p:nvSpPr>
+              <p:cNvPr id="24" name="右大括号 23">
+                <a:extLst>
+                  <a:ext uri="{FF2B5EF4-FFF2-40B4-BE49-F238E27FC236}">
+                    <a16:creationId xmlns:a16="http://schemas.microsoft.com/office/drawing/2014/main" id="{CB8881E5-FDC7-4B3D-9B6F-C7CD8CDAB2BE}"/>
+                  </a:ext>
+                </a:extLst>
+              </p:cNvPr>
+              <p:cNvSpPr/>
+              <p:nvPr/>
+            </p:nvSpPr>
+            <p:spPr>
+              <a:xfrm>
+                <a:off x="7819151" y="709855"/>
+                <a:ext cx="311059" cy="2637100"/>
+              </a:xfrm>
+              <a:prstGeom prst="rightBrace">
+                <a:avLst/>
+              </a:prstGeom>
+              <a:ln w="12700">
+                <a:solidFill>
+                  <a:srgbClr val="002060"/>
+                </a:solidFill>
+              </a:ln>
+            </p:spPr>
+            <p:style>
+              <a:lnRef idx="1">
+                <a:schemeClr val="accent1"/>
+              </a:lnRef>
+              <a:fillRef idx="0">
+                <a:schemeClr val="accent1"/>
+              </a:fillRef>
+              <a:effectRef idx="0">
+                <a:schemeClr val="accent1"/>
+              </a:effectRef>
+              <a:fontRef idx="minor">
+                <a:schemeClr val="tx1"/>
+              </a:fontRef>
+            </p:style>
+            <p:txBody>
+              <a:bodyPr rtlCol="0" anchor="ctr"/>
+              <a:lstStyle/>
+              <a:p>
+                <a:pPr algn="ctr"/>
+                <a:endParaRPr lang="zh-CN" altLang="en-US" dirty="0"/>
+              </a:p>
+            </p:txBody>
+          </p:sp>
+          <p:sp>
+            <p:nvSpPr>
+              <p:cNvPr id="25" name="文本框 24">
+                <a:extLst>
+                  <a:ext uri="{FF2B5EF4-FFF2-40B4-BE49-F238E27FC236}">
+                    <a16:creationId xmlns:a16="http://schemas.microsoft.com/office/drawing/2014/main" id="{DBEFC3AB-1224-444A-9354-448A8C75D4F3}"/>
+                  </a:ext>
+                </a:extLst>
+              </p:cNvPr>
+              <p:cNvSpPr txBox="1"/>
+              <p:nvPr/>
+            </p:nvSpPr>
+            <p:spPr>
+              <a:xfrm>
+                <a:off x="8259649" y="1859128"/>
+                <a:ext cx="1326004" cy="338554"/>
+              </a:xfrm>
+              <a:prstGeom prst="rect">
+                <a:avLst/>
+              </a:prstGeom>
+              <a:noFill/>
+            </p:spPr>
+            <p:txBody>
+              <a:bodyPr wrap="none" rtlCol="0">
+                <a:spAutoFit/>
+              </a:bodyPr>
+              <a:lstStyle/>
+              <a:p>
+                <a:r>
+                  <a:rPr lang="en-US" altLang="zh-CN" sz="1600" dirty="0"/>
+                  <a:t>Config Client</a:t>
+                </a:r>
+                <a:endParaRPr lang="zh-CN" altLang="en-US" sz="1600" dirty="0"/>
+              </a:p>
+            </p:txBody>
+          </p:sp>
+          <p:cxnSp>
+            <p:nvCxnSpPr>
+              <p:cNvPr id="27" name="直接箭头连接符 26">
+                <a:extLst>
+                  <a:ext uri="{FF2B5EF4-FFF2-40B4-BE49-F238E27FC236}">
+                    <a16:creationId xmlns:a16="http://schemas.microsoft.com/office/drawing/2014/main" id="{12827501-924B-47CC-9D47-7C63356DD286}"/>
+                  </a:ext>
+                </a:extLst>
+              </p:cNvPr>
+              <p:cNvCxnSpPr>
+                <a:cxnSpLocks/>
+              </p:cNvCxnSpPr>
+              <p:nvPr/>
+            </p:nvCxnSpPr>
+            <p:spPr>
+              <a:xfrm>
+                <a:off x="2649802" y="2027414"/>
+                <a:ext cx="1372764" cy="1"/>
+              </a:xfrm>
+              <a:prstGeom prst="straightConnector1">
+                <a:avLst/>
+              </a:prstGeom>
+              <a:ln w="12700">
+                <a:solidFill>
+                  <a:srgbClr val="002060"/>
+                </a:solidFill>
+                <a:tailEnd type="triangle"/>
+              </a:ln>
+            </p:spPr>
+            <p:style>
+              <a:lnRef idx="1">
+                <a:schemeClr val="accent1"/>
+              </a:lnRef>
+              <a:fillRef idx="0">
+                <a:schemeClr val="accent1"/>
+              </a:fillRef>
+              <a:effectRef idx="0">
+                <a:schemeClr val="accent1"/>
+              </a:effectRef>
+              <a:fontRef idx="minor">
+                <a:schemeClr val="tx1"/>
+              </a:fontRef>
+            </p:style>
+          </p:cxnSp>
+          <p:cxnSp>
+            <p:nvCxnSpPr>
+              <p:cNvPr id="31" name="连接符: 肘形 30">
+                <a:extLst>
+                  <a:ext uri="{FF2B5EF4-FFF2-40B4-BE49-F238E27FC236}">
+                    <a16:creationId xmlns:a16="http://schemas.microsoft.com/office/drawing/2014/main" id="{CC6E45B5-4DB9-41DF-AFDD-A9AB324480E2}"/>
+                  </a:ext>
+                </a:extLst>
+              </p:cNvPr>
+              <p:cNvCxnSpPr>
+                <a:stCxn id="8" idx="3"/>
+                <a:endCxn id="19" idx="1"/>
+              </p:cNvCxnSpPr>
+              <p:nvPr/>
+            </p:nvCxnSpPr>
+            <p:spPr>
+              <a:xfrm flipV="1">
+                <a:off x="4678053" y="955359"/>
+                <a:ext cx="1878681" cy="1073048"/>
+              </a:xfrm>
+              <a:prstGeom prst="bentConnector3">
+                <a:avLst>
+                  <a:gd name="adj1" fmla="val 66968"/>
+                </a:avLst>
+              </a:prstGeom>
+              <a:ln w="12700">
+                <a:solidFill>
+                  <a:srgbClr val="002060"/>
+                </a:solidFill>
+                <a:tailEnd type="triangle"/>
+              </a:ln>
+            </p:spPr>
+            <p:style>
+              <a:lnRef idx="1">
+                <a:schemeClr val="accent1"/>
+              </a:lnRef>
+              <a:fillRef idx="0">
+                <a:schemeClr val="accent1"/>
+              </a:fillRef>
+              <a:effectRef idx="0">
+                <a:schemeClr val="accent1"/>
+              </a:effectRef>
+              <a:fontRef idx="minor">
+                <a:schemeClr val="tx1"/>
+              </a:fontRef>
+            </p:style>
+          </p:cxnSp>
+          <p:cxnSp>
+            <p:nvCxnSpPr>
+              <p:cNvPr id="33" name="连接符: 肘形 32">
+                <a:extLst>
+                  <a:ext uri="{FF2B5EF4-FFF2-40B4-BE49-F238E27FC236}">
+                    <a16:creationId xmlns:a16="http://schemas.microsoft.com/office/drawing/2014/main" id="{DA78FEC6-9FD2-41E6-9814-06345C8B2A86}"/>
+                  </a:ext>
+                </a:extLst>
+              </p:cNvPr>
+              <p:cNvCxnSpPr>
+                <a:stCxn id="8" idx="3"/>
+                <a:endCxn id="20" idx="1"/>
+              </p:cNvCxnSpPr>
+              <p:nvPr/>
+            </p:nvCxnSpPr>
+            <p:spPr>
+              <a:xfrm>
+                <a:off x="4678053" y="2028407"/>
+                <a:ext cx="1878681" cy="1152734"/>
+              </a:xfrm>
+              <a:prstGeom prst="bentConnector3">
+                <a:avLst>
+                  <a:gd name="adj1" fmla="val 66968"/>
+                </a:avLst>
+              </a:prstGeom>
+              <a:ln w="12700">
+                <a:solidFill>
+                  <a:srgbClr val="002060"/>
+                </a:solidFill>
+                <a:tailEnd type="triangle"/>
+              </a:ln>
+            </p:spPr>
+            <p:style>
+              <a:lnRef idx="1">
+                <a:schemeClr val="accent1"/>
+              </a:lnRef>
+              <a:fillRef idx="0">
+                <a:schemeClr val="accent1"/>
+              </a:fillRef>
+              <a:effectRef idx="0">
+                <a:schemeClr val="accent1"/>
+              </a:effectRef>
+              <a:fontRef idx="minor">
+                <a:schemeClr val="tx1"/>
+              </a:fontRef>
+            </p:style>
+          </p:cxnSp>
+          <p:cxnSp>
+            <p:nvCxnSpPr>
+              <p:cNvPr id="35" name="直接箭头连接符 34">
+                <a:extLst>
+                  <a:ext uri="{FF2B5EF4-FFF2-40B4-BE49-F238E27FC236}">
+                    <a16:creationId xmlns:a16="http://schemas.microsoft.com/office/drawing/2014/main" id="{A94AB0E0-4838-467B-A705-400542FB381B}"/>
+                  </a:ext>
+                </a:extLst>
+              </p:cNvPr>
+              <p:cNvCxnSpPr>
+                <a:stCxn id="8" idx="3"/>
+                <a:endCxn id="9" idx="1"/>
+              </p:cNvCxnSpPr>
+              <p:nvPr/>
+            </p:nvCxnSpPr>
+            <p:spPr>
+              <a:xfrm>
+                <a:off x="4678053" y="2028407"/>
+                <a:ext cx="1921287" cy="5529"/>
+              </a:xfrm>
+              <a:prstGeom prst="straightConnector1">
+                <a:avLst/>
+              </a:prstGeom>
+              <a:ln w="12700">
+                <a:solidFill>
+                  <a:srgbClr val="002060"/>
+                </a:solidFill>
+                <a:tailEnd type="triangle"/>
+              </a:ln>
+            </p:spPr>
+            <p:style>
+              <a:lnRef idx="1">
+                <a:schemeClr val="accent1"/>
+              </a:lnRef>
+              <a:fillRef idx="0">
+                <a:schemeClr val="accent1"/>
+              </a:fillRef>
+              <a:effectRef idx="0">
+                <a:schemeClr val="accent1"/>
+              </a:effectRef>
+              <a:fontRef idx="minor">
+                <a:schemeClr val="tx1"/>
+              </a:fontRef>
+            </p:style>
+          </p:cxnSp>
+          <p:pic>
+            <p:nvPicPr>
+              <p:cNvPr id="37" name="图片 36">
+                <a:extLst>
+                  <a:ext uri="{FF2B5EF4-FFF2-40B4-BE49-F238E27FC236}">
+                    <a16:creationId xmlns:a16="http://schemas.microsoft.com/office/drawing/2014/main" id="{5E53870F-6217-4140-96B9-4AD8C154C759}"/>
+                  </a:ext>
+                </a:extLst>
+              </p:cNvPr>
+              <p:cNvPicPr>
+                <a:picLocks noChangeAspect="1"/>
+              </p:cNvPicPr>
+              <p:nvPr/>
+            </p:nvPicPr>
+            <p:blipFill>
+              <a:blip r:embed="rId5">
+                <a:extLst>
+                  <a:ext uri="{28A0092B-C50C-407E-A947-70E740481C1C}">
+                    <a14:useLocalDpi xmlns:a14="http://schemas.microsoft.com/office/drawing/2010/main" val="0"/>
+                  </a:ext>
+                </a:extLst>
+              </a:blip>
+              <a:stretch>
+                <a:fillRect/>
+              </a:stretch>
+            </p:blipFill>
+            <p:spPr>
+              <a:xfrm>
+                <a:off x="3097069" y="1671092"/>
+                <a:ext cx="336572" cy="336572"/>
+              </a:xfrm>
+              <a:prstGeom prst="rect">
+                <a:avLst/>
+              </a:prstGeom>
+            </p:spPr>
+          </p:pic>
+          <p:sp>
+            <p:nvSpPr>
+              <p:cNvPr id="38" name="文本框 37">
+                <a:extLst>
+                  <a:ext uri="{FF2B5EF4-FFF2-40B4-BE49-F238E27FC236}">
+                    <a16:creationId xmlns:a16="http://schemas.microsoft.com/office/drawing/2014/main" id="{70013F91-FAB2-4E98-A299-4022EAFBDEB4}"/>
+                  </a:ext>
+                </a:extLst>
+              </p:cNvPr>
+              <p:cNvSpPr txBox="1"/>
+              <p:nvPr/>
+            </p:nvSpPr>
+            <p:spPr>
+              <a:xfrm>
+                <a:off x="3010317" y="2007664"/>
+                <a:ext cx="510076" cy="261610"/>
+              </a:xfrm>
+              <a:prstGeom prst="rect">
+                <a:avLst/>
+              </a:prstGeom>
+              <a:noFill/>
+            </p:spPr>
+            <p:txBody>
+              <a:bodyPr wrap="none" rtlCol="0">
+                <a:spAutoFit/>
+              </a:bodyPr>
+              <a:lstStyle/>
+              <a:p>
+                <a:r>
+                  <a:rPr lang="en-US" altLang="zh-CN" sz="1100" dirty="0"/>
+                  <a:t>clone</a:t>
+                </a:r>
+                <a:endParaRPr lang="zh-CN" altLang="en-US" sz="1100" dirty="0"/>
+              </a:p>
+            </p:txBody>
+          </p:sp>
+          <p:sp>
+            <p:nvSpPr>
+              <p:cNvPr id="41" name="文本框 40">
+                <a:extLst>
+                  <a:ext uri="{FF2B5EF4-FFF2-40B4-BE49-F238E27FC236}">
+                    <a16:creationId xmlns:a16="http://schemas.microsoft.com/office/drawing/2014/main" id="{659C0553-1975-40E7-ABED-81AB76B219D1}"/>
+                  </a:ext>
+                </a:extLst>
+              </p:cNvPr>
+              <p:cNvSpPr txBox="1"/>
+              <p:nvPr/>
+            </p:nvSpPr>
+            <p:spPr>
+              <a:xfrm>
+                <a:off x="3637331" y="2623013"/>
+                <a:ext cx="1975221" cy="553998"/>
+              </a:xfrm>
+              <a:prstGeom prst="rect">
+                <a:avLst/>
+              </a:prstGeom>
+              <a:noFill/>
+            </p:spPr>
+            <p:txBody>
+              <a:bodyPr wrap="none" rtlCol="0">
+                <a:spAutoFit/>
+              </a:bodyPr>
+              <a:lstStyle/>
+              <a:p>
+                <a:r>
+                  <a:rPr lang="en-US" altLang="zh-CN" sz="1000" dirty="0">
+                    <a:solidFill>
+                      <a:srgbClr val="FF0000"/>
+                    </a:solidFill>
+                  </a:rPr>
+                  <a:t>git clone</a:t>
+                </a:r>
+                <a:r>
+                  <a:rPr lang="zh-CN" altLang="en-US" sz="1000" dirty="0">
+                    <a:solidFill>
+                      <a:srgbClr val="FF0000"/>
+                    </a:solidFill>
+                  </a:rPr>
+                  <a:t>生成本地仓库：</a:t>
+                </a:r>
+                <a:endParaRPr lang="en-US" altLang="zh-CN" sz="1000" dirty="0">
+                  <a:solidFill>
+                    <a:srgbClr val="FF0000"/>
+                  </a:solidFill>
+                </a:endParaRPr>
+              </a:p>
+              <a:p>
+                <a:r>
+                  <a:rPr lang="en-US" altLang="zh-CN" sz="1000" dirty="0">
+                    <a:solidFill>
+                      <a:srgbClr val="FF0000"/>
+                    </a:solidFill>
+                  </a:rPr>
+                  <a:t>1.</a:t>
+                </a:r>
+                <a:r>
+                  <a:rPr lang="zh-CN" altLang="en-US" sz="1000" dirty="0">
+                    <a:solidFill>
+                      <a:srgbClr val="FF0000"/>
+                    </a:solidFill>
+                  </a:rPr>
+                  <a:t>有网络则访问</a:t>
+                </a:r>
+                <a:r>
+                  <a:rPr lang="en-US" altLang="zh-CN" sz="1000" dirty="0">
+                    <a:solidFill>
+                      <a:srgbClr val="FF0000"/>
+                    </a:solidFill>
+                  </a:rPr>
+                  <a:t>Git</a:t>
+                </a:r>
+                <a:r>
+                  <a:rPr lang="zh-CN" altLang="en-US" sz="1000" dirty="0">
+                    <a:solidFill>
+                      <a:srgbClr val="FF0000"/>
+                    </a:solidFill>
+                  </a:rPr>
+                  <a:t>仓库配置</a:t>
+                </a:r>
+                <a:endParaRPr lang="en-US" altLang="zh-CN" sz="1000" dirty="0">
+                  <a:solidFill>
+                    <a:srgbClr val="FF0000"/>
+                  </a:solidFill>
+                </a:endParaRPr>
+              </a:p>
+              <a:p>
+                <a:r>
+                  <a:rPr lang="en-US" altLang="zh-CN" sz="1000" dirty="0">
+                    <a:solidFill>
+                      <a:srgbClr val="FF0000"/>
+                    </a:solidFill>
+                  </a:rPr>
+                  <a:t>2.</a:t>
+                </a:r>
+                <a:r>
+                  <a:rPr lang="zh-CN" altLang="en-US" sz="1000" dirty="0">
+                    <a:solidFill>
+                      <a:srgbClr val="FF0000"/>
+                    </a:solidFill>
+                  </a:rPr>
+                  <a:t>没有网络则使用本地仓库配置</a:t>
+                </a:r>
+              </a:p>
+            </p:txBody>
+          </p:sp>
+        </p:grpSp>
+        <p:grpSp>
+          <p:nvGrpSpPr>
+            <p:cNvPr id="58" name="组合 57">
+              <a:extLst>
+                <a:ext uri="{FF2B5EF4-FFF2-40B4-BE49-F238E27FC236}">
+                  <a16:creationId xmlns:a16="http://schemas.microsoft.com/office/drawing/2014/main" id="{5D80FD91-3D5B-4B4A-8C63-F9D377EF256F}"/>
+                </a:ext>
+              </a:extLst>
+            </p:cNvPr>
+            <p:cNvGrpSpPr/>
+            <p:nvPr/>
+          </p:nvGrpSpPr>
+          <p:grpSpPr>
+            <a:xfrm>
+              <a:off x="3752908" y="766898"/>
+              <a:ext cx="1005403" cy="1971677"/>
+              <a:chOff x="3752908" y="766898"/>
+              <a:chExt cx="1005403" cy="1971677"/>
+            </a:xfrm>
+          </p:grpSpPr>
+          <p:grpSp>
+            <p:nvGrpSpPr>
+              <p:cNvPr id="47" name="组合 46">
+                <a:extLst>
+                  <a:ext uri="{FF2B5EF4-FFF2-40B4-BE49-F238E27FC236}">
+                    <a16:creationId xmlns:a16="http://schemas.microsoft.com/office/drawing/2014/main" id="{82E89132-EAD5-45A2-9DC3-5EF5FEE249C5}"/>
+                  </a:ext>
+                </a:extLst>
+              </p:cNvPr>
+              <p:cNvGrpSpPr/>
+              <p:nvPr/>
+            </p:nvGrpSpPr>
+            <p:grpSpPr>
+              <a:xfrm>
+                <a:off x="3752908" y="766898"/>
+                <a:ext cx="1005403" cy="1001897"/>
+                <a:chOff x="3752908" y="766898"/>
+                <a:chExt cx="1005403" cy="1001897"/>
+              </a:xfrm>
+            </p:grpSpPr>
+            <p:pic>
+              <p:nvPicPr>
+                <p:cNvPr id="45" name="图片 44">
+                  <a:extLst>
+                    <a:ext uri="{FF2B5EF4-FFF2-40B4-BE49-F238E27FC236}">
+                      <a16:creationId xmlns:a16="http://schemas.microsoft.com/office/drawing/2014/main" id="{8690E0E5-49F5-47A8-BC03-A2CAAD49342B}"/>
+                    </a:ext>
+                  </a:extLst>
+                </p:cNvPr>
+                <p:cNvPicPr>
+                  <a:picLocks noChangeAspect="1"/>
+                </p:cNvPicPr>
+                <p:nvPr/>
+              </p:nvPicPr>
+              <p:blipFill>
+                <a:blip r:embed="rId6">
+                  <a:extLst>
+                    <a:ext uri="{28A0092B-C50C-407E-A947-70E740481C1C}">
+                      <a14:useLocalDpi xmlns:a14="http://schemas.microsoft.com/office/drawing/2010/main" val="0"/>
+                    </a:ext>
+                  </a:extLst>
+                </a:blip>
+                <a:stretch>
+                  <a:fillRect/>
+                </a:stretch>
+              </p:blipFill>
+              <p:spPr>
+                <a:xfrm>
+                  <a:off x="3835683" y="766898"/>
+                  <a:ext cx="772742" cy="772742"/>
+                </a:xfrm>
+                <a:prstGeom prst="rect">
+                  <a:avLst/>
+                </a:prstGeom>
+              </p:spPr>
+            </p:pic>
+            <p:sp>
+              <p:nvSpPr>
+                <p:cNvPr id="46" name="文本框 45">
+                  <a:extLst>
+                    <a:ext uri="{FF2B5EF4-FFF2-40B4-BE49-F238E27FC236}">
+                      <a16:creationId xmlns:a16="http://schemas.microsoft.com/office/drawing/2014/main" id="{C166980E-B480-463A-8F4D-9207242B52A9}"/>
+                    </a:ext>
+                  </a:extLst>
+                </p:cNvPr>
+                <p:cNvSpPr txBox="1"/>
+                <p:nvPr/>
+              </p:nvSpPr>
+              <p:spPr>
+                <a:xfrm>
+                  <a:off x="3752908" y="1507185"/>
+                  <a:ext cx="1005403" cy="261610"/>
+                </a:xfrm>
+                <a:prstGeom prst="rect">
+                  <a:avLst/>
+                </a:prstGeom>
+                <a:noFill/>
+              </p:spPr>
+              <p:txBody>
+                <a:bodyPr wrap="none" rtlCol="0">
+                  <a:spAutoFit/>
+                </a:bodyPr>
+                <a:lstStyle/>
+                <a:p>
+                  <a:r>
+                    <a:rPr lang="en-US" altLang="zh-CN" sz="1100" dirty="0"/>
+                    <a:t>Eureka Server</a:t>
+                  </a:r>
+                  <a:endParaRPr lang="zh-CN" altLang="en-US" sz="1100" dirty="0"/>
+                </a:p>
+              </p:txBody>
+            </p:sp>
+          </p:grpSp>
+          <p:cxnSp>
+            <p:nvCxnSpPr>
+              <p:cNvPr id="49" name="直接箭头连接符 48">
+                <a:extLst>
+                  <a:ext uri="{FF2B5EF4-FFF2-40B4-BE49-F238E27FC236}">
+                    <a16:creationId xmlns:a16="http://schemas.microsoft.com/office/drawing/2014/main" id="{444277AF-08F0-40EF-BCCB-EC03806DE946}"/>
+                  </a:ext>
+                </a:extLst>
+              </p:cNvPr>
+              <p:cNvCxnSpPr>
+                <a:cxnSpLocks/>
+              </p:cNvCxnSpPr>
+              <p:nvPr/>
+            </p:nvCxnSpPr>
+            <p:spPr>
+              <a:xfrm flipH="1" flipV="1">
+                <a:off x="4081059" y="1891020"/>
+                <a:ext cx="1" cy="847555"/>
+              </a:xfrm>
+              <a:prstGeom prst="straightConnector1">
+                <a:avLst/>
+              </a:prstGeom>
+              <a:ln w="12700">
+                <a:solidFill>
+                  <a:srgbClr val="002060"/>
+                </a:solidFill>
+                <a:tailEnd type="triangle"/>
+              </a:ln>
+            </p:spPr>
+            <p:style>
+              <a:lnRef idx="1">
+                <a:schemeClr val="accent1"/>
+              </a:lnRef>
+              <a:fillRef idx="0">
+                <a:schemeClr val="accent1"/>
+              </a:fillRef>
+              <a:effectRef idx="0">
+                <a:schemeClr val="accent1"/>
+              </a:effectRef>
+              <a:fontRef idx="minor">
+                <a:schemeClr val="tx1"/>
+              </a:fontRef>
+            </p:style>
+          </p:cxnSp>
+          <p:cxnSp>
+            <p:nvCxnSpPr>
+              <p:cNvPr id="55" name="直接箭头连接符 54">
+                <a:extLst>
+                  <a:ext uri="{FF2B5EF4-FFF2-40B4-BE49-F238E27FC236}">
+                    <a16:creationId xmlns:a16="http://schemas.microsoft.com/office/drawing/2014/main" id="{8AA6B0BF-048D-4818-B567-DEB66DD4061D}"/>
+                  </a:ext>
+                </a:extLst>
+              </p:cNvPr>
+              <p:cNvCxnSpPr>
+                <a:cxnSpLocks/>
+              </p:cNvCxnSpPr>
+              <p:nvPr/>
+            </p:nvCxnSpPr>
+            <p:spPr>
+              <a:xfrm flipH="1" flipV="1">
+                <a:off x="4415967" y="1889441"/>
+                <a:ext cx="1" cy="847555"/>
+              </a:xfrm>
+              <a:prstGeom prst="straightConnector1">
+                <a:avLst/>
+              </a:prstGeom>
+              <a:ln w="12700">
+                <a:solidFill>
+                  <a:srgbClr val="002060"/>
+                </a:solidFill>
+                <a:prstDash val="lgDash"/>
+                <a:tailEnd type="triangle"/>
+              </a:ln>
+            </p:spPr>
+            <p:style>
+              <a:lnRef idx="1">
+                <a:schemeClr val="accent1"/>
+              </a:lnRef>
+              <a:fillRef idx="0">
+                <a:schemeClr val="accent1"/>
+              </a:fillRef>
+              <a:effectRef idx="0">
+                <a:schemeClr val="accent1"/>
+              </a:effectRef>
+              <a:fontRef idx="minor">
+                <a:schemeClr val="tx1"/>
+              </a:fontRef>
+            </p:style>
+          </p:cxnSp>
+          <p:sp>
+            <p:nvSpPr>
+              <p:cNvPr id="56" name="文本框 55">
+                <a:extLst>
+                  <a:ext uri="{FF2B5EF4-FFF2-40B4-BE49-F238E27FC236}">
+                    <a16:creationId xmlns:a16="http://schemas.microsoft.com/office/drawing/2014/main" id="{5E47DE49-2A07-4907-A346-DEA9A8BC8B93}"/>
+                  </a:ext>
+                </a:extLst>
+              </p:cNvPr>
+              <p:cNvSpPr txBox="1"/>
+              <p:nvPr/>
+            </p:nvSpPr>
+            <p:spPr>
+              <a:xfrm rot="16200000">
+                <a:off x="3749448" y="2201242"/>
+                <a:ext cx="441146" cy="246221"/>
+              </a:xfrm>
+              <a:prstGeom prst="rect">
+                <a:avLst/>
+              </a:prstGeom>
+              <a:noFill/>
+            </p:spPr>
+            <p:txBody>
+              <a:bodyPr wrap="none" rtlCol="0">
+                <a:spAutoFit/>
+              </a:bodyPr>
+              <a:lstStyle/>
+              <a:p>
+                <a:r>
+                  <a:rPr lang="zh-CN" altLang="en-US" sz="1000" dirty="0"/>
+                  <a:t>注册</a:t>
+                </a:r>
+              </a:p>
+            </p:txBody>
+          </p:sp>
+          <p:sp>
+            <p:nvSpPr>
+              <p:cNvPr id="57" name="文本框 56">
+                <a:extLst>
+                  <a:ext uri="{FF2B5EF4-FFF2-40B4-BE49-F238E27FC236}">
+                    <a16:creationId xmlns:a16="http://schemas.microsoft.com/office/drawing/2014/main" id="{FAABDE9A-D9EF-493B-B0BC-529AAAA253EB}"/>
+                  </a:ext>
+                </a:extLst>
+              </p:cNvPr>
+              <p:cNvSpPr txBox="1"/>
+              <p:nvPr/>
+            </p:nvSpPr>
+            <p:spPr>
+              <a:xfrm rot="16200000">
+                <a:off x="4279847" y="2219286"/>
+                <a:ext cx="441146" cy="246221"/>
+              </a:xfrm>
+              <a:prstGeom prst="rect">
+                <a:avLst/>
+              </a:prstGeom>
+              <a:noFill/>
+            </p:spPr>
+            <p:txBody>
+              <a:bodyPr wrap="none" rtlCol="0">
+                <a:spAutoFit/>
+              </a:bodyPr>
+              <a:lstStyle/>
+              <a:p>
+                <a:r>
+                  <a:rPr lang="zh-CN" altLang="en-US" sz="1000" dirty="0"/>
+                  <a:t>心跳</a:t>
+                </a:r>
+              </a:p>
+            </p:txBody>
+          </p:sp>
+        </p:grpSp>
+      </p:grpSp>
+    </p:spTree>
+    <p:extLst>
+      <p:ext uri="{BB962C8B-B14F-4D97-AF65-F5344CB8AC3E}">
+        <p14:creationId xmlns:p14="http://schemas.microsoft.com/office/powerpoint/2010/main" val="1428752032"/>
+      </p:ext>
+    </p:extLst>
+  </p:cSld>
+  <p:clrMapOvr>
+    <a:masterClrMapping/>
+  </p:clrMapOvr>
+</p:sld>
+</file>
+
 <file path=ppt/theme/theme1.xml><?xml version="1.0" encoding="utf-8"?>
 <a:theme xmlns:a="http://schemas.openxmlformats.org/drawingml/2006/main" name="Office 主题​​">
   <a:themeElements>
